--- a/PPTs/Lecture 8-binary search tree exercises ANS.pptx
+++ b/PPTs/Lecture 8-binary search tree exercises ANS.pptx
@@ -5,7 +5,7 @@
     <p:sldMasterId id="2147483648" r:id="rId1"/>
   </p:sldMasterIdLst>
   <p:notesMasterIdLst>
-    <p:notesMasterId r:id="rId12"/>
+    <p:notesMasterId r:id="rId16"/>
   </p:notesMasterIdLst>
   <p:sldIdLst>
     <p:sldId id="256" r:id="rId2"/>
@@ -14,10 +14,14 @@
     <p:sldId id="334" r:id="rId5"/>
     <p:sldId id="410" r:id="rId6"/>
     <p:sldId id="394" r:id="rId7"/>
-    <p:sldId id="411" r:id="rId8"/>
-    <p:sldId id="406" r:id="rId9"/>
-    <p:sldId id="413" r:id="rId10"/>
-    <p:sldId id="414" r:id="rId11"/>
+    <p:sldId id="419" r:id="rId8"/>
+    <p:sldId id="328" r:id="rId9"/>
+    <p:sldId id="417" r:id="rId10"/>
+    <p:sldId id="418" r:id="rId11"/>
+    <p:sldId id="411" r:id="rId12"/>
+    <p:sldId id="406" r:id="rId13"/>
+    <p:sldId id="413" r:id="rId14"/>
+    <p:sldId id="414" r:id="rId15"/>
   </p:sldIdLst>
   <p:sldSz cx="9144000" cy="6858000" type="screen4x3"/>
   <p:notesSz cx="6858000" cy="9144000"/>
@@ -217,7 +221,7 @@
           <a:p>
             <a:fld id="{1B0CF57B-C747-FC49-8C8F-81AE37C96CA4}" type="datetimeFigureOut">
               <a:rPr lang="en-US" smtClean="0"/>
-              <a:t>3/4/2025</a:t>
+              <a:t>3/5/2025</a:t>
             </a:fld>
             <a:endParaRPr lang="en-US"/>
           </a:p>
@@ -958,7 +962,7 @@
           <a:p>
             <a:fld id="{13F62E29-99FC-EB40-923F-D38E4FE7BE7E}" type="slidenum">
               <a:rPr lang="en-US" smtClean="0"/>
-              <a:t>9</a:t>
+              <a:t>13</a:t>
             </a:fld>
             <a:endParaRPr lang="en-US"/>
           </a:p>
@@ -1228,7 +1232,7 @@
           <a:p>
             <a:fld id="{13F62E29-99FC-EB40-923F-D38E4FE7BE7E}" type="slidenum">
               <a:rPr lang="en-US" smtClean="0"/>
-              <a:t>10</a:t>
+              <a:t>14</a:t>
             </a:fld>
             <a:endParaRPr lang="en-US"/>
           </a:p>
@@ -1434,7 +1438,7 @@
           <a:p>
             <a:fld id="{FB221443-D73C-634A-A910-7320408C156D}" type="datetimeFigureOut">
               <a:rPr lang="en-US" smtClean="0"/>
-              <a:t>3/4/2025</a:t>
+              <a:t>3/5/2025</a:t>
             </a:fld>
             <a:endParaRPr lang="en-US"/>
           </a:p>
@@ -1604,7 +1608,7 @@
           <a:p>
             <a:fld id="{FB221443-D73C-634A-A910-7320408C156D}" type="datetimeFigureOut">
               <a:rPr lang="en-US" smtClean="0"/>
-              <a:t>3/4/2025</a:t>
+              <a:t>3/5/2025</a:t>
             </a:fld>
             <a:endParaRPr lang="en-US"/>
           </a:p>
@@ -1784,7 +1788,7 @@
           <a:p>
             <a:fld id="{FB221443-D73C-634A-A910-7320408C156D}" type="datetimeFigureOut">
               <a:rPr lang="en-US" smtClean="0"/>
-              <a:t>3/4/2025</a:t>
+              <a:t>3/5/2025</a:t>
             </a:fld>
             <a:endParaRPr lang="en-US"/>
           </a:p>
@@ -1954,7 +1958,7 @@
           <a:p>
             <a:fld id="{FB221443-D73C-634A-A910-7320408C156D}" type="datetimeFigureOut">
               <a:rPr lang="en-US" smtClean="0"/>
-              <a:t>3/4/2025</a:t>
+              <a:t>3/5/2025</a:t>
             </a:fld>
             <a:endParaRPr lang="en-US"/>
           </a:p>
@@ -2200,7 +2204,7 @@
           <a:p>
             <a:fld id="{FB221443-D73C-634A-A910-7320408C156D}" type="datetimeFigureOut">
               <a:rPr lang="en-US" smtClean="0"/>
-              <a:t>3/4/2025</a:t>
+              <a:t>3/5/2025</a:t>
             </a:fld>
             <a:endParaRPr lang="en-US"/>
           </a:p>
@@ -2488,7 +2492,7 @@
           <a:p>
             <a:fld id="{FB221443-D73C-634A-A910-7320408C156D}" type="datetimeFigureOut">
               <a:rPr lang="en-US" smtClean="0"/>
-              <a:t>3/4/2025</a:t>
+              <a:t>3/5/2025</a:t>
             </a:fld>
             <a:endParaRPr lang="en-US"/>
           </a:p>
@@ -2910,7 +2914,7 @@
           <a:p>
             <a:fld id="{FB221443-D73C-634A-A910-7320408C156D}" type="datetimeFigureOut">
               <a:rPr lang="en-US" smtClean="0"/>
-              <a:t>3/4/2025</a:t>
+              <a:t>3/5/2025</a:t>
             </a:fld>
             <a:endParaRPr lang="en-US"/>
           </a:p>
@@ -3028,7 +3032,7 @@
           <a:p>
             <a:fld id="{FB221443-D73C-634A-A910-7320408C156D}" type="datetimeFigureOut">
               <a:rPr lang="en-US" smtClean="0"/>
-              <a:t>3/4/2025</a:t>
+              <a:t>3/5/2025</a:t>
             </a:fld>
             <a:endParaRPr lang="en-US"/>
           </a:p>
@@ -3123,7 +3127,7 @@
           <a:p>
             <a:fld id="{FB221443-D73C-634A-A910-7320408C156D}" type="datetimeFigureOut">
               <a:rPr lang="en-US" smtClean="0"/>
-              <a:t>3/4/2025</a:t>
+              <a:t>3/5/2025</a:t>
             </a:fld>
             <a:endParaRPr lang="en-US"/>
           </a:p>
@@ -3400,7 +3404,7 @@
           <a:p>
             <a:fld id="{FB221443-D73C-634A-A910-7320408C156D}" type="datetimeFigureOut">
               <a:rPr lang="en-US" smtClean="0"/>
-              <a:t>3/4/2025</a:t>
+              <a:t>3/5/2025</a:t>
             </a:fld>
             <a:endParaRPr lang="en-US"/>
           </a:p>
@@ -3653,7 +3657,7 @@
           <a:p>
             <a:fld id="{FB221443-D73C-634A-A910-7320408C156D}" type="datetimeFigureOut">
               <a:rPr lang="en-US" smtClean="0"/>
-              <a:t>3/4/2025</a:t>
+              <a:t>3/5/2025</a:t>
             </a:fld>
             <a:endParaRPr lang="en-US"/>
           </a:p>
@@ -3866,7 +3870,7 @@
           <a:p>
             <a:fld id="{FB221443-D73C-634A-A910-7320408C156D}" type="datetimeFigureOut">
               <a:rPr lang="en-US" smtClean="0"/>
-              <a:t>3/4/2025</a:t>
+              <a:t>3/5/2025</a:t>
             </a:fld>
             <a:endParaRPr lang="en-US"/>
           </a:p>
@@ -4455,6 +4459,3190 @@
 </file>
 
 <file path=ppt/slides/slide10.xml><?xml version="1.0" encoding="utf-8"?>
+<p:sld xmlns:a="http://schemas.openxmlformats.org/drawingml/2006/main" xmlns:r="http://schemas.openxmlformats.org/officeDocument/2006/relationships" xmlns:p="http://schemas.openxmlformats.org/presentationml/2006/main">
+  <p:cSld>
+    <p:spTree>
+      <p:nvGrpSpPr>
+        <p:cNvPr id="1" name=""/>
+        <p:cNvGrpSpPr/>
+        <p:nvPr/>
+      </p:nvGrpSpPr>
+      <p:grpSpPr>
+        <a:xfrm>
+          <a:off x="0" y="0"/>
+          <a:ext cx="0" cy="0"/>
+          <a:chOff x="0" y="0"/>
+          <a:chExt cx="0" cy="0"/>
+        </a:xfrm>
+      </p:grpSpPr>
+      <p:sp>
+        <p:nvSpPr>
+          <p:cNvPr id="2" name="Title 1">
+            <a:extLst>
+              <a:ext uri="{FF2B5EF4-FFF2-40B4-BE49-F238E27FC236}">
+                <a16:creationId xmlns:a16="http://schemas.microsoft.com/office/drawing/2014/main" id="{884FA04B-5AA3-3193-7E7B-E6BE2F99231B}"/>
+              </a:ext>
+            </a:extLst>
+          </p:cNvPr>
+          <p:cNvSpPr>
+            <a:spLocks noGrp="1"/>
+          </p:cNvSpPr>
+          <p:nvPr>
+            <p:ph type="title"/>
+          </p:nvPr>
+        </p:nvSpPr>
+        <p:spPr/>
+        <p:txBody>
+          <a:bodyPr/>
+          <a:lstStyle/>
+          <a:p>
+            <a:r>
+              <a:rPr lang="en-GB" dirty="0"/>
+              <a:t>BST</a:t>
+            </a:r>
+            <a:endParaRPr lang="en-SE" dirty="0"/>
+          </a:p>
+        </p:txBody>
+      </p:sp>
+      <p:sp>
+        <p:nvSpPr>
+          <p:cNvPr id="3" name="Content Placeholder 2">
+            <a:extLst>
+              <a:ext uri="{FF2B5EF4-FFF2-40B4-BE49-F238E27FC236}">
+                <a16:creationId xmlns:a16="http://schemas.microsoft.com/office/drawing/2014/main" id="{C312A328-4AC6-C352-5029-EA682525D581}"/>
+              </a:ext>
+            </a:extLst>
+          </p:cNvPr>
+          <p:cNvSpPr>
+            <a:spLocks noGrp="1"/>
+          </p:cNvSpPr>
+          <p:nvPr>
+            <p:ph idx="1"/>
+          </p:nvPr>
+        </p:nvSpPr>
+        <p:spPr/>
+        <p:txBody>
+          <a:bodyPr/>
+          <a:lstStyle/>
+          <a:p>
+            <a:r>
+              <a:rPr lang="en-GB" b="0" i="0" dirty="0">
+                <a:solidFill>
+                  <a:srgbClr val="2D3B45"/>
+                </a:solidFill>
+                <a:effectLst/>
+                <a:latin typeface="Lato Extended"/>
+              </a:rPr>
+              <a:t>Suppose the numbers 7, 5, 1, 8, 3, 6, 0, 9, 4, 2 are inserted in that order into an initially empty binary search tree. What is the in-order traversal sequence of the resultant tree?</a:t>
+            </a:r>
+          </a:p>
+          <a:p>
+            <a:r>
+              <a:rPr lang="en-GB" dirty="0">
+                <a:solidFill>
+                  <a:srgbClr val="2D3B45"/>
+                </a:solidFill>
+                <a:latin typeface="Lato Extended"/>
+              </a:rPr>
+              <a:t>ANS: 0 1 2 3 4 5 6 7 8 9</a:t>
+            </a:r>
+            <a:endParaRPr lang="en-GB" b="0" i="0" dirty="0">
+              <a:solidFill>
+                <a:srgbClr val="2D3B45"/>
+              </a:solidFill>
+              <a:effectLst/>
+              <a:latin typeface="Lato Extended"/>
+            </a:endParaRPr>
+          </a:p>
+          <a:p>
+            <a:r>
+              <a:rPr lang="en-GB" b="0" i="0" dirty="0">
+                <a:effectLst/>
+                <a:latin typeface="__fkGroteskNeue_598ab8"/>
+              </a:rPr>
+              <a:t>In-order traversal of a binary search tree visits the nodes in ascending order of their values. You do not need to construct the tree.</a:t>
+            </a:r>
+            <a:endParaRPr lang="en-SE" dirty="0"/>
+          </a:p>
+        </p:txBody>
+      </p:sp>
+    </p:spTree>
+    <p:extLst>
+      <p:ext uri="{BB962C8B-B14F-4D97-AF65-F5344CB8AC3E}">
+        <p14:creationId xmlns:p14="http://schemas.microsoft.com/office/powerpoint/2010/main" val="4228319121"/>
+      </p:ext>
+    </p:extLst>
+  </p:cSld>
+  <p:clrMapOvr>
+    <a:masterClrMapping/>
+  </p:clrMapOvr>
+</p:sld>
+</file>
+
+<file path=ppt/slides/slide11.xml><?xml version="1.0" encoding="utf-8"?>
+<p:sld xmlns:a="http://schemas.openxmlformats.org/drawingml/2006/main" xmlns:r="http://schemas.openxmlformats.org/officeDocument/2006/relationships" xmlns:p="http://schemas.openxmlformats.org/presentationml/2006/main">
+  <p:cSld>
+    <p:spTree>
+      <p:nvGrpSpPr>
+        <p:cNvPr id="1" name="">
+          <a:extLst>
+            <a:ext uri="{FF2B5EF4-FFF2-40B4-BE49-F238E27FC236}">
+              <a16:creationId xmlns:a16="http://schemas.microsoft.com/office/drawing/2014/main" id="{65AB6292-648F-3141-3447-2171BE0EA451}"/>
+            </a:ext>
+          </a:extLst>
+        </p:cNvPr>
+        <p:cNvGrpSpPr/>
+        <p:nvPr/>
+      </p:nvGrpSpPr>
+      <p:grpSpPr>
+        <a:xfrm>
+          <a:off x="0" y="0"/>
+          <a:ext cx="0" cy="0"/>
+          <a:chOff x="0" y="0"/>
+          <a:chExt cx="0" cy="0"/>
+        </a:xfrm>
+      </p:grpSpPr>
+      <p:sp>
+        <p:nvSpPr>
+          <p:cNvPr id="2" name="Title 1">
+            <a:extLst>
+              <a:ext uri="{FF2B5EF4-FFF2-40B4-BE49-F238E27FC236}">
+                <a16:creationId xmlns:a16="http://schemas.microsoft.com/office/drawing/2014/main" id="{FF999F38-80C6-8739-45E1-5905F4A32E09}"/>
+              </a:ext>
+            </a:extLst>
+          </p:cNvPr>
+          <p:cNvSpPr>
+            <a:spLocks noGrp="1"/>
+          </p:cNvSpPr>
+          <p:nvPr>
+            <p:ph type="title"/>
+          </p:nvPr>
+        </p:nvSpPr>
+        <p:spPr>
+          <a:xfrm>
+            <a:off x="457200" y="184981"/>
+            <a:ext cx="8229600" cy="1143000"/>
+          </a:xfrm>
+        </p:spPr>
+        <p:txBody>
+          <a:bodyPr>
+            <a:normAutofit/>
+          </a:bodyPr>
+          <a:lstStyle/>
+          <a:p>
+            <a:r>
+              <a:rPr lang="en-GB" dirty="0"/>
+              <a:t>Quiz: Tree Derivation</a:t>
+            </a:r>
+            <a:endParaRPr lang="en-SE" dirty="0"/>
+          </a:p>
+        </p:txBody>
+      </p:sp>
+      <p:sp>
+        <p:nvSpPr>
+          <p:cNvPr id="3" name="Content Placeholder 2">
+            <a:extLst>
+              <a:ext uri="{FF2B5EF4-FFF2-40B4-BE49-F238E27FC236}">
+                <a16:creationId xmlns:a16="http://schemas.microsoft.com/office/drawing/2014/main" id="{C455CF5D-44F6-43AF-8F0A-C9F5EBA8582A}"/>
+              </a:ext>
+            </a:extLst>
+          </p:cNvPr>
+          <p:cNvSpPr>
+            <a:spLocks noGrp="1"/>
+          </p:cNvSpPr>
+          <p:nvPr>
+            <p:ph idx="1"/>
+          </p:nvPr>
+        </p:nvSpPr>
+        <p:spPr>
+          <a:xfrm>
+            <a:off x="457200" y="1131652"/>
+            <a:ext cx="8229600" cy="3105678"/>
+          </a:xfrm>
+        </p:spPr>
+        <p:txBody>
+          <a:bodyPr>
+            <a:normAutofit/>
+          </a:bodyPr>
+          <a:lstStyle/>
+          <a:p>
+            <a:r>
+              <a:rPr lang="en-GB" dirty="0"/>
+              <a:t>Given: Pre-order traversal of nodes is 1, 2, 4, 5, 3, 6; In-order traversal of nodes is 4, 2, 5, 1, 3, 6. What is the post-order traversal of nodes?</a:t>
+            </a:r>
+            <a:endParaRPr lang="en-SE" dirty="0"/>
+          </a:p>
+        </p:txBody>
+      </p:sp>
+      <p:sp>
+        <p:nvSpPr>
+          <p:cNvPr id="5" name="Content Placeholder 2">
+            <a:extLst>
+              <a:ext uri="{FF2B5EF4-FFF2-40B4-BE49-F238E27FC236}">
+                <a16:creationId xmlns:a16="http://schemas.microsoft.com/office/drawing/2014/main" id="{3190E477-53E1-F843-CD70-01B336686187}"/>
+              </a:ext>
+            </a:extLst>
+          </p:cNvPr>
+          <p:cNvSpPr txBox="1">
+            <a:spLocks/>
+          </p:cNvSpPr>
+          <p:nvPr/>
+        </p:nvSpPr>
+        <p:spPr>
+          <a:xfrm>
+            <a:off x="5163670" y="4353565"/>
+            <a:ext cx="3672153" cy="2199938"/>
+          </a:xfrm>
+          <a:prstGeom prst="rect">
+            <a:avLst/>
+          </a:prstGeom>
+        </p:spPr>
+        <p:style>
+          <a:lnRef idx="1">
+            <a:schemeClr val="dk1"/>
+          </a:lnRef>
+          <a:fillRef idx="2">
+            <a:schemeClr val="dk1"/>
+          </a:fillRef>
+          <a:effectRef idx="1">
+            <a:schemeClr val="dk1"/>
+          </a:effectRef>
+          <a:fontRef idx="minor">
+            <a:schemeClr val="dk1"/>
+          </a:fontRef>
+        </p:style>
+        <p:txBody>
+          <a:bodyPr vert="horz" lIns="91440" tIns="45720" rIns="91440" bIns="45720" rtlCol="0">
+            <a:normAutofit fontScale="62500" lnSpcReduction="20000"/>
+          </a:bodyPr>
+          <a:lstStyle>
+            <a:lvl1pPr marL="342900" indent="-342900" algn="l" defTabSz="457200" rtl="0" eaLnBrk="1" latinLnBrk="0" hangingPunct="1">
+              <a:spcBef>
+                <a:spcPct val="20000"/>
+              </a:spcBef>
+              <a:buClr>
+                <a:schemeClr val="accent6"/>
+              </a:buClr>
+              <a:buFont typeface="Wingdings" charset="2"/>
+              <a:buChar char="§"/>
+              <a:defRPr sz="2400" kern="1200">
+                <a:solidFill>
+                  <a:schemeClr val="tx1"/>
+                </a:solidFill>
+                <a:latin typeface="Times New Roman"/>
+                <a:ea typeface="+mn-ea"/>
+                <a:cs typeface="Times New Roman"/>
+              </a:defRPr>
+            </a:lvl1pPr>
+            <a:lvl2pPr marL="742950" indent="-285750" algn="l" defTabSz="457200" rtl="0" eaLnBrk="1" latinLnBrk="0" hangingPunct="1">
+              <a:spcBef>
+                <a:spcPct val="20000"/>
+              </a:spcBef>
+              <a:buClr>
+                <a:schemeClr val="accent6"/>
+              </a:buClr>
+              <a:buFont typeface="Wingdings" charset="2"/>
+              <a:buChar char="§"/>
+              <a:defRPr sz="2000" kern="1200">
+                <a:solidFill>
+                  <a:schemeClr val="tx1"/>
+                </a:solidFill>
+                <a:latin typeface="Times New Roman"/>
+                <a:ea typeface="+mn-ea"/>
+                <a:cs typeface="Times New Roman"/>
+              </a:defRPr>
+            </a:lvl2pPr>
+            <a:lvl3pPr marL="1143000" indent="-228600" algn="l" defTabSz="457200" rtl="0" eaLnBrk="1" latinLnBrk="0" hangingPunct="1">
+              <a:spcBef>
+                <a:spcPct val="20000"/>
+              </a:spcBef>
+              <a:buClr>
+                <a:schemeClr val="accent6"/>
+              </a:buClr>
+              <a:buFont typeface="Wingdings" charset="2"/>
+              <a:buChar char="§"/>
+              <a:defRPr sz="1800" kern="1200">
+                <a:solidFill>
+                  <a:schemeClr val="tx1"/>
+                </a:solidFill>
+                <a:latin typeface="Times New Roman"/>
+                <a:ea typeface="+mn-ea"/>
+                <a:cs typeface="Times New Roman"/>
+              </a:defRPr>
+            </a:lvl3pPr>
+            <a:lvl4pPr marL="1600200" indent="-228600" algn="l" defTabSz="457200" rtl="0" eaLnBrk="1" latinLnBrk="0" hangingPunct="1">
+              <a:spcBef>
+                <a:spcPct val="20000"/>
+              </a:spcBef>
+              <a:buClr>
+                <a:schemeClr val="accent6"/>
+              </a:buClr>
+              <a:buFont typeface="Wingdings" charset="2"/>
+              <a:buChar char="§"/>
+              <a:defRPr sz="1600" kern="1200">
+                <a:solidFill>
+                  <a:schemeClr val="tx1"/>
+                </a:solidFill>
+                <a:latin typeface="Times New Roman"/>
+                <a:ea typeface="+mn-ea"/>
+                <a:cs typeface="Times New Roman"/>
+              </a:defRPr>
+            </a:lvl4pPr>
+            <a:lvl5pPr marL="2057400" indent="-228600" algn="l" defTabSz="457200" rtl="0" eaLnBrk="1" latinLnBrk="0" hangingPunct="1">
+              <a:spcBef>
+                <a:spcPct val="20000"/>
+              </a:spcBef>
+              <a:buClr>
+                <a:schemeClr val="accent6"/>
+              </a:buClr>
+              <a:buFont typeface="Wingdings" charset="2"/>
+              <a:buChar char="§"/>
+              <a:defRPr sz="1600" kern="1200">
+                <a:solidFill>
+                  <a:schemeClr val="tx1"/>
+                </a:solidFill>
+                <a:latin typeface="Times New Roman"/>
+                <a:ea typeface="+mn-ea"/>
+                <a:cs typeface="Times New Roman"/>
+              </a:defRPr>
+            </a:lvl5pPr>
+            <a:lvl6pPr marL="2514600" indent="-228600" algn="l" defTabSz="457200" rtl="0" eaLnBrk="1" latinLnBrk="0" hangingPunct="1">
+              <a:spcBef>
+                <a:spcPct val="20000"/>
+              </a:spcBef>
+              <a:buFont typeface="Arial"/>
+              <a:buChar char="•"/>
+              <a:defRPr sz="2000" kern="1200">
+                <a:solidFill>
+                  <a:schemeClr val="tx1"/>
+                </a:solidFill>
+                <a:latin typeface="+mn-lt"/>
+                <a:ea typeface="+mn-ea"/>
+                <a:cs typeface="+mn-cs"/>
+              </a:defRPr>
+            </a:lvl6pPr>
+            <a:lvl7pPr marL="2971800" indent="-228600" algn="l" defTabSz="457200" rtl="0" eaLnBrk="1" latinLnBrk="0" hangingPunct="1">
+              <a:spcBef>
+                <a:spcPct val="20000"/>
+              </a:spcBef>
+              <a:buFont typeface="Arial"/>
+              <a:buChar char="•"/>
+              <a:defRPr sz="2000" kern="1200">
+                <a:solidFill>
+                  <a:schemeClr val="tx1"/>
+                </a:solidFill>
+                <a:latin typeface="+mn-lt"/>
+                <a:ea typeface="+mn-ea"/>
+                <a:cs typeface="+mn-cs"/>
+              </a:defRPr>
+            </a:lvl7pPr>
+            <a:lvl8pPr marL="3429000" indent="-228600" algn="l" defTabSz="457200" rtl="0" eaLnBrk="1" latinLnBrk="0" hangingPunct="1">
+              <a:spcBef>
+                <a:spcPct val="20000"/>
+              </a:spcBef>
+              <a:buFont typeface="Arial"/>
+              <a:buChar char="•"/>
+              <a:defRPr sz="2000" kern="1200">
+                <a:solidFill>
+                  <a:schemeClr val="tx1"/>
+                </a:solidFill>
+                <a:latin typeface="+mn-lt"/>
+                <a:ea typeface="+mn-ea"/>
+                <a:cs typeface="+mn-cs"/>
+              </a:defRPr>
+            </a:lvl8pPr>
+            <a:lvl9pPr marL="3886200" indent="-228600" algn="l" defTabSz="457200" rtl="0" eaLnBrk="1" latinLnBrk="0" hangingPunct="1">
+              <a:spcBef>
+                <a:spcPct val="20000"/>
+              </a:spcBef>
+              <a:buFont typeface="Arial"/>
+              <a:buChar char="•"/>
+              <a:defRPr sz="2000" kern="1200">
+                <a:solidFill>
+                  <a:schemeClr val="tx1"/>
+                </a:solidFill>
+                <a:latin typeface="+mn-lt"/>
+                <a:ea typeface="+mn-ea"/>
+                <a:cs typeface="+mn-cs"/>
+              </a:defRPr>
+            </a:lvl9pPr>
+          </a:lstStyle>
+          <a:p>
+            <a:pPr fontAlgn="base"/>
+            <a:r>
+              <a:rPr lang="en-GB" sz="2800" b="1" dirty="0">
+                <a:solidFill>
+                  <a:srgbClr val="0C0D0E"/>
+                </a:solidFill>
+                <a:latin typeface="inherit"/>
+              </a:rPr>
+              <a:t>Pre-order traversal</a:t>
+            </a:r>
+            <a:r>
+              <a:rPr lang="en-GB" sz="2800" dirty="0">
+                <a:solidFill>
+                  <a:srgbClr val="0C0D0E"/>
+                </a:solidFill>
+                <a:latin typeface="-apple-system"/>
+              </a:rPr>
+              <a:t>:</a:t>
+            </a:r>
+          </a:p>
+          <a:p>
+            <a:pPr lvl="1" fontAlgn="base"/>
+            <a:r>
+              <a:rPr lang="en-GB" sz="2400" dirty="0">
+                <a:solidFill>
+                  <a:srgbClr val="0C0D0E"/>
+                </a:solidFill>
+                <a:latin typeface="-apple-system"/>
+              </a:rPr>
+              <a:t>Begins at the root, ends at the right-most node</a:t>
+            </a:r>
+          </a:p>
+          <a:p>
+            <a:pPr fontAlgn="base"/>
+            <a:r>
+              <a:rPr lang="en-GB" sz="2800" b="1" dirty="0">
+                <a:solidFill>
+                  <a:srgbClr val="0C0D0E"/>
+                </a:solidFill>
+                <a:latin typeface="inherit"/>
+              </a:rPr>
+              <a:t>In-order traversal</a:t>
+            </a:r>
+            <a:r>
+              <a:rPr lang="en-GB" sz="2800" dirty="0">
+                <a:solidFill>
+                  <a:srgbClr val="0C0D0E"/>
+                </a:solidFill>
+                <a:latin typeface="-apple-system"/>
+              </a:rPr>
+              <a:t>:</a:t>
+            </a:r>
+          </a:p>
+          <a:p>
+            <a:pPr lvl="1" fontAlgn="base"/>
+            <a:r>
+              <a:rPr lang="en-GB" sz="2400" dirty="0">
+                <a:solidFill>
+                  <a:srgbClr val="0C0D0E"/>
+                </a:solidFill>
+                <a:latin typeface="-apple-system"/>
+              </a:rPr>
+              <a:t>Begins at the left-most node, ends at the rightmost node</a:t>
+            </a:r>
+          </a:p>
+          <a:p>
+            <a:pPr fontAlgn="base"/>
+            <a:r>
+              <a:rPr lang="en-GB" sz="2800" b="1" dirty="0">
+                <a:solidFill>
+                  <a:srgbClr val="0C0D0E"/>
+                </a:solidFill>
+                <a:latin typeface="inherit"/>
+              </a:rPr>
+              <a:t>Post-order traversal</a:t>
+            </a:r>
+            <a:r>
+              <a:rPr lang="en-GB" sz="2800" dirty="0">
+                <a:solidFill>
+                  <a:srgbClr val="0C0D0E"/>
+                </a:solidFill>
+                <a:latin typeface="-apple-system"/>
+              </a:rPr>
+              <a:t>:</a:t>
+            </a:r>
+          </a:p>
+          <a:p>
+            <a:pPr lvl="1" fontAlgn="base"/>
+            <a:r>
+              <a:rPr lang="en-GB" sz="2400" dirty="0">
+                <a:solidFill>
+                  <a:srgbClr val="0C0D0E"/>
+                </a:solidFill>
+                <a:latin typeface="-apple-system"/>
+              </a:rPr>
+              <a:t>Begins with the left-most node, ends with the root</a:t>
+            </a:r>
+            <a:endParaRPr lang="en-SE" sz="2400" dirty="0"/>
+          </a:p>
+        </p:txBody>
+      </p:sp>
+    </p:spTree>
+    <p:extLst>
+      <p:ext uri="{BB962C8B-B14F-4D97-AF65-F5344CB8AC3E}">
+        <p14:creationId xmlns:p14="http://schemas.microsoft.com/office/powerpoint/2010/main" val="517305265"/>
+      </p:ext>
+    </p:extLst>
+  </p:cSld>
+  <p:clrMapOvr>
+    <a:masterClrMapping/>
+  </p:clrMapOvr>
+</p:sld>
+</file>
+
+<file path=ppt/slides/slide12.xml><?xml version="1.0" encoding="utf-8"?>
+<p:sld xmlns:a="http://schemas.openxmlformats.org/drawingml/2006/main" xmlns:r="http://schemas.openxmlformats.org/officeDocument/2006/relationships" xmlns:p="http://schemas.openxmlformats.org/presentationml/2006/main">
+  <p:cSld>
+    <p:spTree>
+      <p:nvGrpSpPr>
+        <p:cNvPr id="1" name=""/>
+        <p:cNvGrpSpPr/>
+        <p:nvPr/>
+      </p:nvGrpSpPr>
+      <p:grpSpPr>
+        <a:xfrm>
+          <a:off x="0" y="0"/>
+          <a:ext cx="0" cy="0"/>
+          <a:chOff x="0" y="0"/>
+          <a:chExt cx="0" cy="0"/>
+        </a:xfrm>
+      </p:grpSpPr>
+      <p:sp>
+        <p:nvSpPr>
+          <p:cNvPr id="2" name="Title 1">
+            <a:extLst>
+              <a:ext uri="{FF2B5EF4-FFF2-40B4-BE49-F238E27FC236}">
+                <a16:creationId xmlns:a16="http://schemas.microsoft.com/office/drawing/2014/main" id="{D8F108B4-C497-81CA-362F-3B038C6EDA60}"/>
+              </a:ext>
+            </a:extLst>
+          </p:cNvPr>
+          <p:cNvSpPr>
+            <a:spLocks noGrp="1"/>
+          </p:cNvSpPr>
+          <p:nvPr>
+            <p:ph type="title"/>
+          </p:nvPr>
+        </p:nvSpPr>
+        <p:spPr>
+          <a:xfrm>
+            <a:off x="457200" y="0"/>
+            <a:ext cx="8229600" cy="1143000"/>
+          </a:xfrm>
+        </p:spPr>
+        <p:txBody>
+          <a:bodyPr>
+            <a:normAutofit/>
+          </a:bodyPr>
+          <a:lstStyle/>
+          <a:p>
+            <a:r>
+              <a:rPr lang="en-GB" dirty="0"/>
+              <a:t>Quiz: Tree Derivation ANS</a:t>
+            </a:r>
+            <a:endParaRPr lang="en-SE" dirty="0"/>
+          </a:p>
+        </p:txBody>
+      </p:sp>
+      <p:sp>
+        <p:nvSpPr>
+          <p:cNvPr id="3" name="Content Placeholder 2">
+            <a:extLst>
+              <a:ext uri="{FF2B5EF4-FFF2-40B4-BE49-F238E27FC236}">
+                <a16:creationId xmlns:a16="http://schemas.microsoft.com/office/drawing/2014/main" id="{47706054-F1EA-DF63-95D1-BA275195A556}"/>
+              </a:ext>
+            </a:extLst>
+          </p:cNvPr>
+          <p:cNvSpPr>
+            <a:spLocks noGrp="1"/>
+          </p:cNvSpPr>
+          <p:nvPr>
+            <p:ph idx="1"/>
+          </p:nvPr>
+        </p:nvSpPr>
+        <p:spPr>
+          <a:xfrm>
+            <a:off x="457200" y="919487"/>
+            <a:ext cx="8229600" cy="3354287"/>
+          </a:xfrm>
+        </p:spPr>
+        <p:txBody>
+          <a:bodyPr>
+            <a:normAutofit lnSpcReduction="10000"/>
+          </a:bodyPr>
+          <a:lstStyle/>
+          <a:p>
+            <a:r>
+              <a:rPr lang="en-GB" sz="1800" dirty="0"/>
+              <a:t>For a binary tree, its pre-order traversal of nodes is 1, 2, 4, 5, 3, 6; its in-order traversal of nodes is 4, 2, 5, 1, 3, 6. Construct the tree. What is the post-order traversal of nodes?</a:t>
+            </a:r>
+          </a:p>
+          <a:p>
+            <a:r>
+              <a:rPr lang="en-GB" sz="1800" dirty="0"/>
+              <a:t>ANS: we know 1 is the tree root from pre-order traversal. In-order traversal is 4, 2, 5, </a:t>
+            </a:r>
+            <a:r>
+              <a:rPr lang="en-GB" sz="1800" dirty="0">
+                <a:solidFill>
+                  <a:srgbClr val="FF0000"/>
+                </a:solidFill>
+              </a:rPr>
+              <a:t>1</a:t>
+            </a:r>
+            <a:r>
+              <a:rPr lang="en-GB" sz="1800" dirty="0"/>
+              <a:t>, 3, 6, so we know left subtree has nodes 4,2,5, and right subtree has nodes 3,6.</a:t>
+            </a:r>
+          </a:p>
+          <a:p>
+            <a:r>
+              <a:rPr lang="en-GB" sz="1800" dirty="0"/>
+              <a:t>For the left subtree, pre-order traversal is 2, 4, 5, so we know 2 is the subtree root; In-order traversal is 4, </a:t>
+            </a:r>
+            <a:r>
+              <a:rPr lang="en-GB" sz="1800" dirty="0">
+                <a:solidFill>
+                  <a:srgbClr val="FF0000"/>
+                </a:solidFill>
+              </a:rPr>
+              <a:t>2</a:t>
+            </a:r>
+            <a:r>
+              <a:rPr lang="en-GB" sz="1800" dirty="0"/>
+              <a:t>, 5, so we know left subtree has node 4, and right subtree has node 5.</a:t>
+            </a:r>
+          </a:p>
+          <a:p>
+            <a:r>
+              <a:rPr lang="en-GB" sz="1800" dirty="0"/>
+              <a:t>For the right subtree, pre-order traversal is 3, 6, so we know 3 is the subtree root; In-order traversal is </a:t>
+            </a:r>
+            <a:r>
+              <a:rPr lang="en-GB" sz="1800" dirty="0">
+                <a:solidFill>
+                  <a:srgbClr val="FF0000"/>
+                </a:solidFill>
+              </a:rPr>
+              <a:t>3</a:t>
+            </a:r>
+            <a:r>
+              <a:rPr lang="en-GB" sz="1800" dirty="0"/>
+              <a:t>, 6, so we know left subtree has no node, and right subtree has node 6.</a:t>
+            </a:r>
+          </a:p>
+          <a:p>
+            <a:r>
+              <a:rPr lang="en-GB" sz="1800" dirty="0"/>
+              <a:t>We can draw the tree now and derive the post order traversal 4, 5, 2, 6, 3, 1</a:t>
+            </a:r>
+          </a:p>
+          <a:p>
+            <a:endParaRPr lang="en-SE" sz="1800" dirty="0"/>
+          </a:p>
+        </p:txBody>
+      </p:sp>
+      <p:sp>
+        <p:nvSpPr>
+          <p:cNvPr id="5" name="Content Placeholder 2">
+            <a:extLst>
+              <a:ext uri="{FF2B5EF4-FFF2-40B4-BE49-F238E27FC236}">
+                <a16:creationId xmlns:a16="http://schemas.microsoft.com/office/drawing/2014/main" id="{8E54E69A-9C13-85D8-AEBD-B5616E62CF26}"/>
+              </a:ext>
+            </a:extLst>
+          </p:cNvPr>
+          <p:cNvSpPr txBox="1">
+            <a:spLocks/>
+          </p:cNvSpPr>
+          <p:nvPr/>
+        </p:nvSpPr>
+        <p:spPr>
+          <a:xfrm>
+            <a:off x="5163670" y="4353565"/>
+            <a:ext cx="3672153" cy="2199938"/>
+          </a:xfrm>
+          <a:prstGeom prst="rect">
+            <a:avLst/>
+          </a:prstGeom>
+        </p:spPr>
+        <p:style>
+          <a:lnRef idx="1">
+            <a:schemeClr val="dk1"/>
+          </a:lnRef>
+          <a:fillRef idx="2">
+            <a:schemeClr val="dk1"/>
+          </a:fillRef>
+          <a:effectRef idx="1">
+            <a:schemeClr val="dk1"/>
+          </a:effectRef>
+          <a:fontRef idx="minor">
+            <a:schemeClr val="dk1"/>
+          </a:fontRef>
+        </p:style>
+        <p:txBody>
+          <a:bodyPr vert="horz" lIns="91440" tIns="45720" rIns="91440" bIns="45720" rtlCol="0">
+            <a:normAutofit fontScale="62500" lnSpcReduction="20000"/>
+          </a:bodyPr>
+          <a:lstStyle>
+            <a:lvl1pPr marL="342900" indent="-342900" algn="l" defTabSz="457200" rtl="0" eaLnBrk="1" latinLnBrk="0" hangingPunct="1">
+              <a:spcBef>
+                <a:spcPct val="20000"/>
+              </a:spcBef>
+              <a:buClr>
+                <a:schemeClr val="accent6"/>
+              </a:buClr>
+              <a:buFont typeface="Wingdings" charset="2"/>
+              <a:buChar char="§"/>
+              <a:defRPr sz="2400" kern="1200">
+                <a:solidFill>
+                  <a:schemeClr val="tx1"/>
+                </a:solidFill>
+                <a:latin typeface="Times New Roman"/>
+                <a:ea typeface="+mn-ea"/>
+                <a:cs typeface="Times New Roman"/>
+              </a:defRPr>
+            </a:lvl1pPr>
+            <a:lvl2pPr marL="742950" indent="-285750" algn="l" defTabSz="457200" rtl="0" eaLnBrk="1" latinLnBrk="0" hangingPunct="1">
+              <a:spcBef>
+                <a:spcPct val="20000"/>
+              </a:spcBef>
+              <a:buClr>
+                <a:schemeClr val="accent6"/>
+              </a:buClr>
+              <a:buFont typeface="Wingdings" charset="2"/>
+              <a:buChar char="§"/>
+              <a:defRPr sz="2000" kern="1200">
+                <a:solidFill>
+                  <a:schemeClr val="tx1"/>
+                </a:solidFill>
+                <a:latin typeface="Times New Roman"/>
+                <a:ea typeface="+mn-ea"/>
+                <a:cs typeface="Times New Roman"/>
+              </a:defRPr>
+            </a:lvl2pPr>
+            <a:lvl3pPr marL="1143000" indent="-228600" algn="l" defTabSz="457200" rtl="0" eaLnBrk="1" latinLnBrk="0" hangingPunct="1">
+              <a:spcBef>
+                <a:spcPct val="20000"/>
+              </a:spcBef>
+              <a:buClr>
+                <a:schemeClr val="accent6"/>
+              </a:buClr>
+              <a:buFont typeface="Wingdings" charset="2"/>
+              <a:buChar char="§"/>
+              <a:defRPr sz="1800" kern="1200">
+                <a:solidFill>
+                  <a:schemeClr val="tx1"/>
+                </a:solidFill>
+                <a:latin typeface="Times New Roman"/>
+                <a:ea typeface="+mn-ea"/>
+                <a:cs typeface="Times New Roman"/>
+              </a:defRPr>
+            </a:lvl3pPr>
+            <a:lvl4pPr marL="1600200" indent="-228600" algn="l" defTabSz="457200" rtl="0" eaLnBrk="1" latinLnBrk="0" hangingPunct="1">
+              <a:spcBef>
+                <a:spcPct val="20000"/>
+              </a:spcBef>
+              <a:buClr>
+                <a:schemeClr val="accent6"/>
+              </a:buClr>
+              <a:buFont typeface="Wingdings" charset="2"/>
+              <a:buChar char="§"/>
+              <a:defRPr sz="1600" kern="1200">
+                <a:solidFill>
+                  <a:schemeClr val="tx1"/>
+                </a:solidFill>
+                <a:latin typeface="Times New Roman"/>
+                <a:ea typeface="+mn-ea"/>
+                <a:cs typeface="Times New Roman"/>
+              </a:defRPr>
+            </a:lvl4pPr>
+            <a:lvl5pPr marL="2057400" indent="-228600" algn="l" defTabSz="457200" rtl="0" eaLnBrk="1" latinLnBrk="0" hangingPunct="1">
+              <a:spcBef>
+                <a:spcPct val="20000"/>
+              </a:spcBef>
+              <a:buClr>
+                <a:schemeClr val="accent6"/>
+              </a:buClr>
+              <a:buFont typeface="Wingdings" charset="2"/>
+              <a:buChar char="§"/>
+              <a:defRPr sz="1600" kern="1200">
+                <a:solidFill>
+                  <a:schemeClr val="tx1"/>
+                </a:solidFill>
+                <a:latin typeface="Times New Roman"/>
+                <a:ea typeface="+mn-ea"/>
+                <a:cs typeface="Times New Roman"/>
+              </a:defRPr>
+            </a:lvl5pPr>
+            <a:lvl6pPr marL="2514600" indent="-228600" algn="l" defTabSz="457200" rtl="0" eaLnBrk="1" latinLnBrk="0" hangingPunct="1">
+              <a:spcBef>
+                <a:spcPct val="20000"/>
+              </a:spcBef>
+              <a:buFont typeface="Arial"/>
+              <a:buChar char="•"/>
+              <a:defRPr sz="2000" kern="1200">
+                <a:solidFill>
+                  <a:schemeClr val="tx1"/>
+                </a:solidFill>
+                <a:latin typeface="+mn-lt"/>
+                <a:ea typeface="+mn-ea"/>
+                <a:cs typeface="+mn-cs"/>
+              </a:defRPr>
+            </a:lvl6pPr>
+            <a:lvl7pPr marL="2971800" indent="-228600" algn="l" defTabSz="457200" rtl="0" eaLnBrk="1" latinLnBrk="0" hangingPunct="1">
+              <a:spcBef>
+                <a:spcPct val="20000"/>
+              </a:spcBef>
+              <a:buFont typeface="Arial"/>
+              <a:buChar char="•"/>
+              <a:defRPr sz="2000" kern="1200">
+                <a:solidFill>
+                  <a:schemeClr val="tx1"/>
+                </a:solidFill>
+                <a:latin typeface="+mn-lt"/>
+                <a:ea typeface="+mn-ea"/>
+                <a:cs typeface="+mn-cs"/>
+              </a:defRPr>
+            </a:lvl7pPr>
+            <a:lvl8pPr marL="3429000" indent="-228600" algn="l" defTabSz="457200" rtl="0" eaLnBrk="1" latinLnBrk="0" hangingPunct="1">
+              <a:spcBef>
+                <a:spcPct val="20000"/>
+              </a:spcBef>
+              <a:buFont typeface="Arial"/>
+              <a:buChar char="•"/>
+              <a:defRPr sz="2000" kern="1200">
+                <a:solidFill>
+                  <a:schemeClr val="tx1"/>
+                </a:solidFill>
+                <a:latin typeface="+mn-lt"/>
+                <a:ea typeface="+mn-ea"/>
+                <a:cs typeface="+mn-cs"/>
+              </a:defRPr>
+            </a:lvl8pPr>
+            <a:lvl9pPr marL="3886200" indent="-228600" algn="l" defTabSz="457200" rtl="0" eaLnBrk="1" latinLnBrk="0" hangingPunct="1">
+              <a:spcBef>
+                <a:spcPct val="20000"/>
+              </a:spcBef>
+              <a:buFont typeface="Arial"/>
+              <a:buChar char="•"/>
+              <a:defRPr sz="2000" kern="1200">
+                <a:solidFill>
+                  <a:schemeClr val="tx1"/>
+                </a:solidFill>
+                <a:latin typeface="+mn-lt"/>
+                <a:ea typeface="+mn-ea"/>
+                <a:cs typeface="+mn-cs"/>
+              </a:defRPr>
+            </a:lvl9pPr>
+          </a:lstStyle>
+          <a:p>
+            <a:pPr fontAlgn="base"/>
+            <a:r>
+              <a:rPr lang="en-GB" sz="2800" b="1" dirty="0">
+                <a:solidFill>
+                  <a:srgbClr val="0C0D0E"/>
+                </a:solidFill>
+                <a:latin typeface="inherit"/>
+              </a:rPr>
+              <a:t>Pre-order traversal</a:t>
+            </a:r>
+            <a:r>
+              <a:rPr lang="en-GB" sz="2800" dirty="0">
+                <a:solidFill>
+                  <a:srgbClr val="0C0D0E"/>
+                </a:solidFill>
+                <a:latin typeface="-apple-system"/>
+              </a:rPr>
+              <a:t>:</a:t>
+            </a:r>
+          </a:p>
+          <a:p>
+            <a:pPr lvl="1" fontAlgn="base"/>
+            <a:r>
+              <a:rPr lang="en-GB" sz="2400" dirty="0">
+                <a:solidFill>
+                  <a:srgbClr val="0C0D0E"/>
+                </a:solidFill>
+                <a:latin typeface="-apple-system"/>
+              </a:rPr>
+              <a:t>Begins at the root, ends at the right-most node</a:t>
+            </a:r>
+          </a:p>
+          <a:p>
+            <a:pPr fontAlgn="base"/>
+            <a:r>
+              <a:rPr lang="en-GB" sz="2800" b="1" dirty="0">
+                <a:solidFill>
+                  <a:srgbClr val="0C0D0E"/>
+                </a:solidFill>
+                <a:latin typeface="inherit"/>
+              </a:rPr>
+              <a:t>In-order traversal</a:t>
+            </a:r>
+            <a:r>
+              <a:rPr lang="en-GB" sz="2800" dirty="0">
+                <a:solidFill>
+                  <a:srgbClr val="0C0D0E"/>
+                </a:solidFill>
+                <a:latin typeface="-apple-system"/>
+              </a:rPr>
+              <a:t>:</a:t>
+            </a:r>
+          </a:p>
+          <a:p>
+            <a:pPr lvl="1" fontAlgn="base"/>
+            <a:r>
+              <a:rPr lang="en-GB" sz="2400" dirty="0">
+                <a:solidFill>
+                  <a:srgbClr val="0C0D0E"/>
+                </a:solidFill>
+                <a:latin typeface="-apple-system"/>
+              </a:rPr>
+              <a:t>Begins at the left-most node, ends at the rightmost node</a:t>
+            </a:r>
+          </a:p>
+          <a:p>
+            <a:pPr fontAlgn="base"/>
+            <a:r>
+              <a:rPr lang="en-GB" sz="2800" b="1" dirty="0">
+                <a:solidFill>
+                  <a:srgbClr val="0C0D0E"/>
+                </a:solidFill>
+                <a:latin typeface="inherit"/>
+              </a:rPr>
+              <a:t>Post-order traversal</a:t>
+            </a:r>
+            <a:r>
+              <a:rPr lang="en-GB" sz="2800" dirty="0">
+                <a:solidFill>
+                  <a:srgbClr val="0C0D0E"/>
+                </a:solidFill>
+                <a:latin typeface="-apple-system"/>
+              </a:rPr>
+              <a:t>:</a:t>
+            </a:r>
+          </a:p>
+          <a:p>
+            <a:pPr lvl="1" fontAlgn="base"/>
+            <a:r>
+              <a:rPr lang="en-GB" sz="2400" dirty="0">
+                <a:solidFill>
+                  <a:srgbClr val="0C0D0E"/>
+                </a:solidFill>
+                <a:latin typeface="-apple-system"/>
+              </a:rPr>
+              <a:t>Begins with the left-most node, ends with the root</a:t>
+            </a:r>
+            <a:endParaRPr lang="en-SE" sz="2400" dirty="0"/>
+          </a:p>
+        </p:txBody>
+      </p:sp>
+      <p:sp>
+        <p:nvSpPr>
+          <p:cNvPr id="8" name="Google Shape;1373;p69">
+            <a:extLst>
+              <a:ext uri="{FF2B5EF4-FFF2-40B4-BE49-F238E27FC236}">
+                <a16:creationId xmlns:a16="http://schemas.microsoft.com/office/drawing/2014/main" id="{C0FB4B76-A618-2230-A7DD-336245C63FEC}"/>
+              </a:ext>
+            </a:extLst>
+          </p:cNvPr>
+          <p:cNvSpPr/>
+          <p:nvPr/>
+        </p:nvSpPr>
+        <p:spPr>
+          <a:xfrm>
+            <a:off x="2270456" y="4286785"/>
+            <a:ext cx="603900" cy="603900"/>
+          </a:xfrm>
+          <a:prstGeom prst="ellipse">
+            <a:avLst/>
+          </a:prstGeom>
+          <a:solidFill>
+            <a:srgbClr val="EEEEEE"/>
+          </a:solidFill>
+          <a:ln>
+            <a:solidFill>
+              <a:schemeClr val="tx1"/>
+            </a:solidFill>
+          </a:ln>
+        </p:spPr>
+        <p:txBody>
+          <a:bodyPr spcFirstLastPara="1" wrap="square" lIns="91425" tIns="91425" rIns="91425" bIns="91425" anchor="ctr" anchorCtr="0">
+            <a:noAutofit/>
+          </a:bodyPr>
+          <a:lstStyle>
+            <a:defPPr marR="0" lvl="0" algn="l" rtl="0">
+              <a:lnSpc>
+                <a:spcPct val="100000"/>
+              </a:lnSpc>
+              <a:spcBef>
+                <a:spcPts val="0"/>
+              </a:spcBef>
+              <a:spcAft>
+                <a:spcPts val="0"/>
+              </a:spcAft>
+            </a:defPPr>
+            <a:lvl1pPr marR="0" lvl="0" algn="l" rtl="0">
+              <a:lnSpc>
+                <a:spcPct val="100000"/>
+              </a:lnSpc>
+              <a:spcBef>
+                <a:spcPts val="0"/>
+              </a:spcBef>
+              <a:spcAft>
+                <a:spcPts val="0"/>
+              </a:spcAft>
+              <a:buClr>
+                <a:srgbClr val="000000"/>
+              </a:buClr>
+              <a:buFont typeface="Arial"/>
+              <a:defRPr sz="1400" b="0" i="0" u="none" strike="noStrike" cap="none">
+                <a:solidFill>
+                  <a:srgbClr val="000000"/>
+                </a:solidFill>
+                <a:latin typeface="Arial"/>
+                <a:ea typeface="Arial"/>
+                <a:cs typeface="Arial"/>
+                <a:sym typeface="Arial"/>
+              </a:defRPr>
+            </a:lvl1pPr>
+            <a:lvl2pPr marR="0" lvl="1" algn="l" rtl="0">
+              <a:lnSpc>
+                <a:spcPct val="100000"/>
+              </a:lnSpc>
+              <a:spcBef>
+                <a:spcPts val="0"/>
+              </a:spcBef>
+              <a:spcAft>
+                <a:spcPts val="0"/>
+              </a:spcAft>
+              <a:buClr>
+                <a:srgbClr val="000000"/>
+              </a:buClr>
+              <a:buFont typeface="Arial"/>
+              <a:defRPr sz="1400" b="0" i="0" u="none" strike="noStrike" cap="none">
+                <a:solidFill>
+                  <a:srgbClr val="000000"/>
+                </a:solidFill>
+                <a:latin typeface="Arial"/>
+                <a:ea typeface="Arial"/>
+                <a:cs typeface="Arial"/>
+                <a:sym typeface="Arial"/>
+              </a:defRPr>
+            </a:lvl2pPr>
+            <a:lvl3pPr marR="0" lvl="2" algn="l" rtl="0">
+              <a:lnSpc>
+                <a:spcPct val="100000"/>
+              </a:lnSpc>
+              <a:spcBef>
+                <a:spcPts val="0"/>
+              </a:spcBef>
+              <a:spcAft>
+                <a:spcPts val="0"/>
+              </a:spcAft>
+              <a:buClr>
+                <a:srgbClr val="000000"/>
+              </a:buClr>
+              <a:buFont typeface="Arial"/>
+              <a:defRPr sz="1400" b="0" i="0" u="none" strike="noStrike" cap="none">
+                <a:solidFill>
+                  <a:srgbClr val="000000"/>
+                </a:solidFill>
+                <a:latin typeface="Arial"/>
+                <a:ea typeface="Arial"/>
+                <a:cs typeface="Arial"/>
+                <a:sym typeface="Arial"/>
+              </a:defRPr>
+            </a:lvl3pPr>
+            <a:lvl4pPr marR="0" lvl="3" algn="l" rtl="0">
+              <a:lnSpc>
+                <a:spcPct val="100000"/>
+              </a:lnSpc>
+              <a:spcBef>
+                <a:spcPts val="0"/>
+              </a:spcBef>
+              <a:spcAft>
+                <a:spcPts val="0"/>
+              </a:spcAft>
+              <a:buClr>
+                <a:srgbClr val="000000"/>
+              </a:buClr>
+              <a:buFont typeface="Arial"/>
+              <a:defRPr sz="1400" b="0" i="0" u="none" strike="noStrike" cap="none">
+                <a:solidFill>
+                  <a:srgbClr val="000000"/>
+                </a:solidFill>
+                <a:latin typeface="Arial"/>
+                <a:ea typeface="Arial"/>
+                <a:cs typeface="Arial"/>
+                <a:sym typeface="Arial"/>
+              </a:defRPr>
+            </a:lvl4pPr>
+            <a:lvl5pPr marR="0" lvl="4" algn="l" rtl="0">
+              <a:lnSpc>
+                <a:spcPct val="100000"/>
+              </a:lnSpc>
+              <a:spcBef>
+                <a:spcPts val="0"/>
+              </a:spcBef>
+              <a:spcAft>
+                <a:spcPts val="0"/>
+              </a:spcAft>
+              <a:buClr>
+                <a:srgbClr val="000000"/>
+              </a:buClr>
+              <a:buFont typeface="Arial"/>
+              <a:defRPr sz="1400" b="0" i="0" u="none" strike="noStrike" cap="none">
+                <a:solidFill>
+                  <a:srgbClr val="000000"/>
+                </a:solidFill>
+                <a:latin typeface="Arial"/>
+                <a:ea typeface="Arial"/>
+                <a:cs typeface="Arial"/>
+                <a:sym typeface="Arial"/>
+              </a:defRPr>
+            </a:lvl5pPr>
+            <a:lvl6pPr marR="0" lvl="5" algn="l" rtl="0">
+              <a:lnSpc>
+                <a:spcPct val="100000"/>
+              </a:lnSpc>
+              <a:spcBef>
+                <a:spcPts val="0"/>
+              </a:spcBef>
+              <a:spcAft>
+                <a:spcPts val="0"/>
+              </a:spcAft>
+              <a:buClr>
+                <a:srgbClr val="000000"/>
+              </a:buClr>
+              <a:buFont typeface="Arial"/>
+              <a:defRPr sz="1400" b="0" i="0" u="none" strike="noStrike" cap="none">
+                <a:solidFill>
+                  <a:srgbClr val="000000"/>
+                </a:solidFill>
+                <a:latin typeface="Arial"/>
+                <a:ea typeface="Arial"/>
+                <a:cs typeface="Arial"/>
+                <a:sym typeface="Arial"/>
+              </a:defRPr>
+            </a:lvl6pPr>
+            <a:lvl7pPr marR="0" lvl="6" algn="l" rtl="0">
+              <a:lnSpc>
+                <a:spcPct val="100000"/>
+              </a:lnSpc>
+              <a:spcBef>
+                <a:spcPts val="0"/>
+              </a:spcBef>
+              <a:spcAft>
+                <a:spcPts val="0"/>
+              </a:spcAft>
+              <a:buClr>
+                <a:srgbClr val="000000"/>
+              </a:buClr>
+              <a:buFont typeface="Arial"/>
+              <a:defRPr sz="1400" b="0" i="0" u="none" strike="noStrike" cap="none">
+                <a:solidFill>
+                  <a:srgbClr val="000000"/>
+                </a:solidFill>
+                <a:latin typeface="Arial"/>
+                <a:ea typeface="Arial"/>
+                <a:cs typeface="Arial"/>
+                <a:sym typeface="Arial"/>
+              </a:defRPr>
+            </a:lvl7pPr>
+            <a:lvl8pPr marR="0" lvl="7" algn="l" rtl="0">
+              <a:lnSpc>
+                <a:spcPct val="100000"/>
+              </a:lnSpc>
+              <a:spcBef>
+                <a:spcPts val="0"/>
+              </a:spcBef>
+              <a:spcAft>
+                <a:spcPts val="0"/>
+              </a:spcAft>
+              <a:buClr>
+                <a:srgbClr val="000000"/>
+              </a:buClr>
+              <a:buFont typeface="Arial"/>
+              <a:defRPr sz="1400" b="0" i="0" u="none" strike="noStrike" cap="none">
+                <a:solidFill>
+                  <a:srgbClr val="000000"/>
+                </a:solidFill>
+                <a:latin typeface="Arial"/>
+                <a:ea typeface="Arial"/>
+                <a:cs typeface="Arial"/>
+                <a:sym typeface="Arial"/>
+              </a:defRPr>
+            </a:lvl8pPr>
+            <a:lvl9pPr marR="0" lvl="8" algn="l" rtl="0">
+              <a:lnSpc>
+                <a:spcPct val="100000"/>
+              </a:lnSpc>
+              <a:spcBef>
+                <a:spcPts val="0"/>
+              </a:spcBef>
+              <a:spcAft>
+                <a:spcPts val="0"/>
+              </a:spcAft>
+              <a:buClr>
+                <a:srgbClr val="000000"/>
+              </a:buClr>
+              <a:buFont typeface="Arial"/>
+              <a:defRPr sz="1400" b="0" i="0" u="none" strike="noStrike" cap="none">
+                <a:solidFill>
+                  <a:srgbClr val="000000"/>
+                </a:solidFill>
+                <a:latin typeface="Arial"/>
+                <a:ea typeface="Arial"/>
+                <a:cs typeface="Arial"/>
+                <a:sym typeface="Arial"/>
+              </a:defRPr>
+            </a:lvl9pPr>
+          </a:lstStyle>
+          <a:p>
+            <a:pPr marL="0" marR="0" lvl="0" indent="0" algn="ctr" defTabSz="914400" rtl="0" eaLnBrk="1" fontAlgn="auto" latinLnBrk="0" hangingPunct="1">
+              <a:lnSpc>
+                <a:spcPct val="100000"/>
+              </a:lnSpc>
+              <a:spcBef>
+                <a:spcPts val="0"/>
+              </a:spcBef>
+              <a:spcAft>
+                <a:spcPts val="0"/>
+              </a:spcAft>
+              <a:buClr>
+                <a:srgbClr val="000000"/>
+              </a:buClr>
+              <a:buSzTx/>
+              <a:buFont typeface="Arial"/>
+              <a:buNone/>
+              <a:tabLst/>
+              <a:defRPr/>
+            </a:pPr>
+            <a:r>
+              <a:rPr kumimoji="0" lang="en" sz="3200" b="0" i="0" u="none" strike="noStrike" kern="0" cap="none" spc="0" normalizeH="0" baseline="0" noProof="0" dirty="0">
+                <a:ln>
+                  <a:noFill/>
+                </a:ln>
+                <a:solidFill>
+                  <a:srgbClr val="000000"/>
+                </a:solidFill>
+                <a:effectLst/>
+                <a:uLnTx/>
+                <a:uFillTx/>
+                <a:latin typeface="Calibri" panose="020F0502020204030204" pitchFamily="34" charset="0"/>
+                <a:ea typeface="Calibri" panose="020F0502020204030204" pitchFamily="34" charset="0"/>
+                <a:cs typeface="Calibri" panose="020F0502020204030204" pitchFamily="34" charset="0"/>
+                <a:sym typeface="Catamaran"/>
+              </a:rPr>
+              <a:t>1</a:t>
+            </a:r>
+            <a:endParaRPr kumimoji="0" sz="3200" b="0" i="0" u="none" strike="noStrike" kern="0" cap="none" spc="0" normalizeH="0" baseline="0" noProof="0" dirty="0">
+              <a:ln>
+                <a:noFill/>
+              </a:ln>
+              <a:solidFill>
+                <a:srgbClr val="000000"/>
+              </a:solidFill>
+              <a:effectLst/>
+              <a:uLnTx/>
+              <a:uFillTx/>
+              <a:latin typeface="Calibri" panose="020F0502020204030204" pitchFamily="34" charset="0"/>
+              <a:ea typeface="Calibri" panose="020F0502020204030204" pitchFamily="34" charset="0"/>
+              <a:cs typeface="Calibri" panose="020F0502020204030204" pitchFamily="34" charset="0"/>
+              <a:sym typeface="Catamaran"/>
+            </a:endParaRPr>
+          </a:p>
+        </p:txBody>
+      </p:sp>
+      <p:sp>
+        <p:nvSpPr>
+          <p:cNvPr id="9" name="Google Shape;1377;p69">
+            <a:extLst>
+              <a:ext uri="{FF2B5EF4-FFF2-40B4-BE49-F238E27FC236}">
+                <a16:creationId xmlns:a16="http://schemas.microsoft.com/office/drawing/2014/main" id="{84BFB1E8-240E-7D8D-5A24-0208672DBC95}"/>
+              </a:ext>
+            </a:extLst>
+          </p:cNvPr>
+          <p:cNvSpPr/>
+          <p:nvPr/>
+        </p:nvSpPr>
+        <p:spPr>
+          <a:xfrm>
+            <a:off x="3197163" y="4989389"/>
+            <a:ext cx="603900" cy="603900"/>
+          </a:xfrm>
+          <a:prstGeom prst="ellipse">
+            <a:avLst/>
+          </a:prstGeom>
+          <a:solidFill>
+            <a:srgbClr val="EEEEEE"/>
+          </a:solidFill>
+          <a:ln>
+            <a:solidFill>
+              <a:schemeClr val="tx1"/>
+            </a:solidFill>
+          </a:ln>
+        </p:spPr>
+        <p:txBody>
+          <a:bodyPr spcFirstLastPara="1" wrap="square" lIns="91425" tIns="91425" rIns="91425" bIns="91425" anchor="ctr" anchorCtr="0">
+            <a:noAutofit/>
+          </a:bodyPr>
+          <a:lstStyle>
+            <a:defPPr marR="0" lvl="0" algn="l" rtl="0">
+              <a:lnSpc>
+                <a:spcPct val="100000"/>
+              </a:lnSpc>
+              <a:spcBef>
+                <a:spcPts val="0"/>
+              </a:spcBef>
+              <a:spcAft>
+                <a:spcPts val="0"/>
+              </a:spcAft>
+            </a:defPPr>
+            <a:lvl1pPr marR="0" lvl="0" algn="l" rtl="0">
+              <a:lnSpc>
+                <a:spcPct val="100000"/>
+              </a:lnSpc>
+              <a:spcBef>
+                <a:spcPts val="0"/>
+              </a:spcBef>
+              <a:spcAft>
+                <a:spcPts val="0"/>
+              </a:spcAft>
+              <a:buClr>
+                <a:srgbClr val="000000"/>
+              </a:buClr>
+              <a:buFont typeface="Arial"/>
+              <a:defRPr sz="1400" b="0" i="0" u="none" strike="noStrike" cap="none">
+                <a:solidFill>
+                  <a:srgbClr val="000000"/>
+                </a:solidFill>
+                <a:latin typeface="Arial"/>
+                <a:ea typeface="Arial"/>
+                <a:cs typeface="Arial"/>
+                <a:sym typeface="Arial"/>
+              </a:defRPr>
+            </a:lvl1pPr>
+            <a:lvl2pPr marR="0" lvl="1" algn="l" rtl="0">
+              <a:lnSpc>
+                <a:spcPct val="100000"/>
+              </a:lnSpc>
+              <a:spcBef>
+                <a:spcPts val="0"/>
+              </a:spcBef>
+              <a:spcAft>
+                <a:spcPts val="0"/>
+              </a:spcAft>
+              <a:buClr>
+                <a:srgbClr val="000000"/>
+              </a:buClr>
+              <a:buFont typeface="Arial"/>
+              <a:defRPr sz="1400" b="0" i="0" u="none" strike="noStrike" cap="none">
+                <a:solidFill>
+                  <a:srgbClr val="000000"/>
+                </a:solidFill>
+                <a:latin typeface="Arial"/>
+                <a:ea typeface="Arial"/>
+                <a:cs typeface="Arial"/>
+                <a:sym typeface="Arial"/>
+              </a:defRPr>
+            </a:lvl2pPr>
+            <a:lvl3pPr marR="0" lvl="2" algn="l" rtl="0">
+              <a:lnSpc>
+                <a:spcPct val="100000"/>
+              </a:lnSpc>
+              <a:spcBef>
+                <a:spcPts val="0"/>
+              </a:spcBef>
+              <a:spcAft>
+                <a:spcPts val="0"/>
+              </a:spcAft>
+              <a:buClr>
+                <a:srgbClr val="000000"/>
+              </a:buClr>
+              <a:buFont typeface="Arial"/>
+              <a:defRPr sz="1400" b="0" i="0" u="none" strike="noStrike" cap="none">
+                <a:solidFill>
+                  <a:srgbClr val="000000"/>
+                </a:solidFill>
+                <a:latin typeface="Arial"/>
+                <a:ea typeface="Arial"/>
+                <a:cs typeface="Arial"/>
+                <a:sym typeface="Arial"/>
+              </a:defRPr>
+            </a:lvl3pPr>
+            <a:lvl4pPr marR="0" lvl="3" algn="l" rtl="0">
+              <a:lnSpc>
+                <a:spcPct val="100000"/>
+              </a:lnSpc>
+              <a:spcBef>
+                <a:spcPts val="0"/>
+              </a:spcBef>
+              <a:spcAft>
+                <a:spcPts val="0"/>
+              </a:spcAft>
+              <a:buClr>
+                <a:srgbClr val="000000"/>
+              </a:buClr>
+              <a:buFont typeface="Arial"/>
+              <a:defRPr sz="1400" b="0" i="0" u="none" strike="noStrike" cap="none">
+                <a:solidFill>
+                  <a:srgbClr val="000000"/>
+                </a:solidFill>
+                <a:latin typeface="Arial"/>
+                <a:ea typeface="Arial"/>
+                <a:cs typeface="Arial"/>
+                <a:sym typeface="Arial"/>
+              </a:defRPr>
+            </a:lvl4pPr>
+            <a:lvl5pPr marR="0" lvl="4" algn="l" rtl="0">
+              <a:lnSpc>
+                <a:spcPct val="100000"/>
+              </a:lnSpc>
+              <a:spcBef>
+                <a:spcPts val="0"/>
+              </a:spcBef>
+              <a:spcAft>
+                <a:spcPts val="0"/>
+              </a:spcAft>
+              <a:buClr>
+                <a:srgbClr val="000000"/>
+              </a:buClr>
+              <a:buFont typeface="Arial"/>
+              <a:defRPr sz="1400" b="0" i="0" u="none" strike="noStrike" cap="none">
+                <a:solidFill>
+                  <a:srgbClr val="000000"/>
+                </a:solidFill>
+                <a:latin typeface="Arial"/>
+                <a:ea typeface="Arial"/>
+                <a:cs typeface="Arial"/>
+                <a:sym typeface="Arial"/>
+              </a:defRPr>
+            </a:lvl5pPr>
+            <a:lvl6pPr marR="0" lvl="5" algn="l" rtl="0">
+              <a:lnSpc>
+                <a:spcPct val="100000"/>
+              </a:lnSpc>
+              <a:spcBef>
+                <a:spcPts val="0"/>
+              </a:spcBef>
+              <a:spcAft>
+                <a:spcPts val="0"/>
+              </a:spcAft>
+              <a:buClr>
+                <a:srgbClr val="000000"/>
+              </a:buClr>
+              <a:buFont typeface="Arial"/>
+              <a:defRPr sz="1400" b="0" i="0" u="none" strike="noStrike" cap="none">
+                <a:solidFill>
+                  <a:srgbClr val="000000"/>
+                </a:solidFill>
+                <a:latin typeface="Arial"/>
+                <a:ea typeface="Arial"/>
+                <a:cs typeface="Arial"/>
+                <a:sym typeface="Arial"/>
+              </a:defRPr>
+            </a:lvl6pPr>
+            <a:lvl7pPr marR="0" lvl="6" algn="l" rtl="0">
+              <a:lnSpc>
+                <a:spcPct val="100000"/>
+              </a:lnSpc>
+              <a:spcBef>
+                <a:spcPts val="0"/>
+              </a:spcBef>
+              <a:spcAft>
+                <a:spcPts val="0"/>
+              </a:spcAft>
+              <a:buClr>
+                <a:srgbClr val="000000"/>
+              </a:buClr>
+              <a:buFont typeface="Arial"/>
+              <a:defRPr sz="1400" b="0" i="0" u="none" strike="noStrike" cap="none">
+                <a:solidFill>
+                  <a:srgbClr val="000000"/>
+                </a:solidFill>
+                <a:latin typeface="Arial"/>
+                <a:ea typeface="Arial"/>
+                <a:cs typeface="Arial"/>
+                <a:sym typeface="Arial"/>
+              </a:defRPr>
+            </a:lvl7pPr>
+            <a:lvl8pPr marR="0" lvl="7" algn="l" rtl="0">
+              <a:lnSpc>
+                <a:spcPct val="100000"/>
+              </a:lnSpc>
+              <a:spcBef>
+                <a:spcPts val="0"/>
+              </a:spcBef>
+              <a:spcAft>
+                <a:spcPts val="0"/>
+              </a:spcAft>
+              <a:buClr>
+                <a:srgbClr val="000000"/>
+              </a:buClr>
+              <a:buFont typeface="Arial"/>
+              <a:defRPr sz="1400" b="0" i="0" u="none" strike="noStrike" cap="none">
+                <a:solidFill>
+                  <a:srgbClr val="000000"/>
+                </a:solidFill>
+                <a:latin typeface="Arial"/>
+                <a:ea typeface="Arial"/>
+                <a:cs typeface="Arial"/>
+                <a:sym typeface="Arial"/>
+              </a:defRPr>
+            </a:lvl8pPr>
+            <a:lvl9pPr marR="0" lvl="8" algn="l" rtl="0">
+              <a:lnSpc>
+                <a:spcPct val="100000"/>
+              </a:lnSpc>
+              <a:spcBef>
+                <a:spcPts val="0"/>
+              </a:spcBef>
+              <a:spcAft>
+                <a:spcPts val="0"/>
+              </a:spcAft>
+              <a:buClr>
+                <a:srgbClr val="000000"/>
+              </a:buClr>
+              <a:buFont typeface="Arial"/>
+              <a:defRPr sz="1400" b="0" i="0" u="none" strike="noStrike" cap="none">
+                <a:solidFill>
+                  <a:srgbClr val="000000"/>
+                </a:solidFill>
+                <a:latin typeface="Arial"/>
+                <a:ea typeface="Arial"/>
+                <a:cs typeface="Arial"/>
+                <a:sym typeface="Arial"/>
+              </a:defRPr>
+            </a:lvl9pPr>
+          </a:lstStyle>
+          <a:p>
+            <a:pPr marL="0" marR="0" lvl="0" indent="0" algn="ctr" defTabSz="914400" rtl="0" eaLnBrk="1" fontAlgn="auto" latinLnBrk="0" hangingPunct="1">
+              <a:lnSpc>
+                <a:spcPct val="100000"/>
+              </a:lnSpc>
+              <a:spcBef>
+                <a:spcPts val="0"/>
+              </a:spcBef>
+              <a:spcAft>
+                <a:spcPts val="0"/>
+              </a:spcAft>
+              <a:buClr>
+                <a:srgbClr val="000000"/>
+              </a:buClr>
+              <a:buSzTx/>
+              <a:buFont typeface="Arial"/>
+              <a:buNone/>
+              <a:tabLst/>
+              <a:defRPr/>
+            </a:pPr>
+            <a:r>
+              <a:rPr kumimoji="0" lang="en" sz="3200" b="0" i="0" u="none" strike="noStrike" kern="0" cap="none" spc="0" normalizeH="0" baseline="0" noProof="0" dirty="0">
+                <a:ln>
+                  <a:noFill/>
+                </a:ln>
+                <a:solidFill>
+                  <a:srgbClr val="000000"/>
+                </a:solidFill>
+                <a:effectLst/>
+                <a:uLnTx/>
+                <a:uFillTx/>
+                <a:latin typeface="Calibri" panose="020F0502020204030204" pitchFamily="34" charset="0"/>
+                <a:ea typeface="Calibri" panose="020F0502020204030204" pitchFamily="34" charset="0"/>
+                <a:cs typeface="Calibri" panose="020F0502020204030204" pitchFamily="34" charset="0"/>
+                <a:sym typeface="Catamaran"/>
+              </a:rPr>
+              <a:t>3</a:t>
+            </a:r>
+            <a:endParaRPr kumimoji="0" sz="3200" b="0" i="0" u="none" strike="noStrike" kern="0" cap="none" spc="0" normalizeH="0" baseline="0" noProof="0" dirty="0">
+              <a:ln>
+                <a:noFill/>
+              </a:ln>
+              <a:solidFill>
+                <a:srgbClr val="000000"/>
+              </a:solidFill>
+              <a:effectLst/>
+              <a:uLnTx/>
+              <a:uFillTx/>
+              <a:latin typeface="Calibri" panose="020F0502020204030204" pitchFamily="34" charset="0"/>
+              <a:ea typeface="Calibri" panose="020F0502020204030204" pitchFamily="34" charset="0"/>
+              <a:cs typeface="Calibri" panose="020F0502020204030204" pitchFamily="34" charset="0"/>
+              <a:sym typeface="Catamaran"/>
+            </a:endParaRPr>
+          </a:p>
+        </p:txBody>
+      </p:sp>
+      <p:cxnSp>
+        <p:nvCxnSpPr>
+          <p:cNvPr id="10" name="Google Shape;1382;p69">
+            <a:extLst>
+              <a:ext uri="{FF2B5EF4-FFF2-40B4-BE49-F238E27FC236}">
+                <a16:creationId xmlns:a16="http://schemas.microsoft.com/office/drawing/2014/main" id="{3EC1C0F9-1A98-B4F6-E478-D5313E412B55}"/>
+              </a:ext>
+            </a:extLst>
+          </p:cNvPr>
+          <p:cNvCxnSpPr>
+            <a:cxnSpLocks/>
+            <a:stCxn id="8" idx="5"/>
+            <a:endCxn id="9" idx="1"/>
+          </p:cNvCxnSpPr>
+          <p:nvPr/>
+        </p:nvCxnSpPr>
+        <p:spPr>
+          <a:xfrm>
+            <a:off x="2785917" y="4802246"/>
+            <a:ext cx="499685" cy="275582"/>
+          </a:xfrm>
+          <a:prstGeom prst="straightConnector1">
+            <a:avLst/>
+          </a:prstGeom>
+          <a:noFill/>
+          <a:ln w="9525" cap="flat" cmpd="sng">
+            <a:solidFill>
+              <a:schemeClr val="tx1"/>
+            </a:solidFill>
+            <a:prstDash val="solid"/>
+            <a:round/>
+            <a:headEnd type="none" w="med" len="med"/>
+            <a:tailEnd type="none" w="med" len="med"/>
+          </a:ln>
+        </p:spPr>
+      </p:cxnSp>
+      <p:sp>
+        <p:nvSpPr>
+          <p:cNvPr id="11" name="Google Shape;1378;p69">
+            <a:extLst>
+              <a:ext uri="{FF2B5EF4-FFF2-40B4-BE49-F238E27FC236}">
+                <a16:creationId xmlns:a16="http://schemas.microsoft.com/office/drawing/2014/main" id="{CABD4BC9-53F3-B0F8-335A-9D566FE6A485}"/>
+              </a:ext>
+            </a:extLst>
+          </p:cNvPr>
+          <p:cNvSpPr/>
+          <p:nvPr/>
+        </p:nvSpPr>
+        <p:spPr>
+          <a:xfrm>
+            <a:off x="3968100" y="5581916"/>
+            <a:ext cx="603900" cy="603900"/>
+          </a:xfrm>
+          <a:prstGeom prst="ellipse">
+            <a:avLst/>
+          </a:prstGeom>
+          <a:solidFill>
+            <a:srgbClr val="EEEEEE"/>
+          </a:solidFill>
+          <a:ln>
+            <a:solidFill>
+              <a:schemeClr val="tx1"/>
+            </a:solidFill>
+          </a:ln>
+        </p:spPr>
+        <p:txBody>
+          <a:bodyPr spcFirstLastPara="1" wrap="square" lIns="91425" tIns="91425" rIns="91425" bIns="91425" anchor="ctr" anchorCtr="0">
+            <a:noAutofit/>
+          </a:bodyPr>
+          <a:lstStyle>
+            <a:defPPr marR="0" lvl="0" algn="l" rtl="0">
+              <a:lnSpc>
+                <a:spcPct val="100000"/>
+              </a:lnSpc>
+              <a:spcBef>
+                <a:spcPts val="0"/>
+              </a:spcBef>
+              <a:spcAft>
+                <a:spcPts val="0"/>
+              </a:spcAft>
+            </a:defPPr>
+            <a:lvl1pPr marR="0" lvl="0" algn="l" rtl="0">
+              <a:lnSpc>
+                <a:spcPct val="100000"/>
+              </a:lnSpc>
+              <a:spcBef>
+                <a:spcPts val="0"/>
+              </a:spcBef>
+              <a:spcAft>
+                <a:spcPts val="0"/>
+              </a:spcAft>
+              <a:buClr>
+                <a:srgbClr val="000000"/>
+              </a:buClr>
+              <a:buFont typeface="Arial"/>
+              <a:defRPr sz="1400" b="0" i="0" u="none" strike="noStrike" cap="none">
+                <a:solidFill>
+                  <a:srgbClr val="000000"/>
+                </a:solidFill>
+                <a:latin typeface="Arial"/>
+                <a:ea typeface="Arial"/>
+                <a:cs typeface="Arial"/>
+                <a:sym typeface="Arial"/>
+              </a:defRPr>
+            </a:lvl1pPr>
+            <a:lvl2pPr marR="0" lvl="1" algn="l" rtl="0">
+              <a:lnSpc>
+                <a:spcPct val="100000"/>
+              </a:lnSpc>
+              <a:spcBef>
+                <a:spcPts val="0"/>
+              </a:spcBef>
+              <a:spcAft>
+                <a:spcPts val="0"/>
+              </a:spcAft>
+              <a:buClr>
+                <a:srgbClr val="000000"/>
+              </a:buClr>
+              <a:buFont typeface="Arial"/>
+              <a:defRPr sz="1400" b="0" i="0" u="none" strike="noStrike" cap="none">
+                <a:solidFill>
+                  <a:srgbClr val="000000"/>
+                </a:solidFill>
+                <a:latin typeface="Arial"/>
+                <a:ea typeface="Arial"/>
+                <a:cs typeface="Arial"/>
+                <a:sym typeface="Arial"/>
+              </a:defRPr>
+            </a:lvl2pPr>
+            <a:lvl3pPr marR="0" lvl="2" algn="l" rtl="0">
+              <a:lnSpc>
+                <a:spcPct val="100000"/>
+              </a:lnSpc>
+              <a:spcBef>
+                <a:spcPts val="0"/>
+              </a:spcBef>
+              <a:spcAft>
+                <a:spcPts val="0"/>
+              </a:spcAft>
+              <a:buClr>
+                <a:srgbClr val="000000"/>
+              </a:buClr>
+              <a:buFont typeface="Arial"/>
+              <a:defRPr sz="1400" b="0" i="0" u="none" strike="noStrike" cap="none">
+                <a:solidFill>
+                  <a:srgbClr val="000000"/>
+                </a:solidFill>
+                <a:latin typeface="Arial"/>
+                <a:ea typeface="Arial"/>
+                <a:cs typeface="Arial"/>
+                <a:sym typeface="Arial"/>
+              </a:defRPr>
+            </a:lvl3pPr>
+            <a:lvl4pPr marR="0" lvl="3" algn="l" rtl="0">
+              <a:lnSpc>
+                <a:spcPct val="100000"/>
+              </a:lnSpc>
+              <a:spcBef>
+                <a:spcPts val="0"/>
+              </a:spcBef>
+              <a:spcAft>
+                <a:spcPts val="0"/>
+              </a:spcAft>
+              <a:buClr>
+                <a:srgbClr val="000000"/>
+              </a:buClr>
+              <a:buFont typeface="Arial"/>
+              <a:defRPr sz="1400" b="0" i="0" u="none" strike="noStrike" cap="none">
+                <a:solidFill>
+                  <a:srgbClr val="000000"/>
+                </a:solidFill>
+                <a:latin typeface="Arial"/>
+                <a:ea typeface="Arial"/>
+                <a:cs typeface="Arial"/>
+                <a:sym typeface="Arial"/>
+              </a:defRPr>
+            </a:lvl4pPr>
+            <a:lvl5pPr marR="0" lvl="4" algn="l" rtl="0">
+              <a:lnSpc>
+                <a:spcPct val="100000"/>
+              </a:lnSpc>
+              <a:spcBef>
+                <a:spcPts val="0"/>
+              </a:spcBef>
+              <a:spcAft>
+                <a:spcPts val="0"/>
+              </a:spcAft>
+              <a:buClr>
+                <a:srgbClr val="000000"/>
+              </a:buClr>
+              <a:buFont typeface="Arial"/>
+              <a:defRPr sz="1400" b="0" i="0" u="none" strike="noStrike" cap="none">
+                <a:solidFill>
+                  <a:srgbClr val="000000"/>
+                </a:solidFill>
+                <a:latin typeface="Arial"/>
+                <a:ea typeface="Arial"/>
+                <a:cs typeface="Arial"/>
+                <a:sym typeface="Arial"/>
+              </a:defRPr>
+            </a:lvl5pPr>
+            <a:lvl6pPr marR="0" lvl="5" algn="l" rtl="0">
+              <a:lnSpc>
+                <a:spcPct val="100000"/>
+              </a:lnSpc>
+              <a:spcBef>
+                <a:spcPts val="0"/>
+              </a:spcBef>
+              <a:spcAft>
+                <a:spcPts val="0"/>
+              </a:spcAft>
+              <a:buClr>
+                <a:srgbClr val="000000"/>
+              </a:buClr>
+              <a:buFont typeface="Arial"/>
+              <a:defRPr sz="1400" b="0" i="0" u="none" strike="noStrike" cap="none">
+                <a:solidFill>
+                  <a:srgbClr val="000000"/>
+                </a:solidFill>
+                <a:latin typeface="Arial"/>
+                <a:ea typeface="Arial"/>
+                <a:cs typeface="Arial"/>
+                <a:sym typeface="Arial"/>
+              </a:defRPr>
+            </a:lvl6pPr>
+            <a:lvl7pPr marR="0" lvl="6" algn="l" rtl="0">
+              <a:lnSpc>
+                <a:spcPct val="100000"/>
+              </a:lnSpc>
+              <a:spcBef>
+                <a:spcPts val="0"/>
+              </a:spcBef>
+              <a:spcAft>
+                <a:spcPts val="0"/>
+              </a:spcAft>
+              <a:buClr>
+                <a:srgbClr val="000000"/>
+              </a:buClr>
+              <a:buFont typeface="Arial"/>
+              <a:defRPr sz="1400" b="0" i="0" u="none" strike="noStrike" cap="none">
+                <a:solidFill>
+                  <a:srgbClr val="000000"/>
+                </a:solidFill>
+                <a:latin typeface="Arial"/>
+                <a:ea typeface="Arial"/>
+                <a:cs typeface="Arial"/>
+                <a:sym typeface="Arial"/>
+              </a:defRPr>
+            </a:lvl7pPr>
+            <a:lvl8pPr marR="0" lvl="7" algn="l" rtl="0">
+              <a:lnSpc>
+                <a:spcPct val="100000"/>
+              </a:lnSpc>
+              <a:spcBef>
+                <a:spcPts val="0"/>
+              </a:spcBef>
+              <a:spcAft>
+                <a:spcPts val="0"/>
+              </a:spcAft>
+              <a:buClr>
+                <a:srgbClr val="000000"/>
+              </a:buClr>
+              <a:buFont typeface="Arial"/>
+              <a:defRPr sz="1400" b="0" i="0" u="none" strike="noStrike" cap="none">
+                <a:solidFill>
+                  <a:srgbClr val="000000"/>
+                </a:solidFill>
+                <a:latin typeface="Arial"/>
+                <a:ea typeface="Arial"/>
+                <a:cs typeface="Arial"/>
+                <a:sym typeface="Arial"/>
+              </a:defRPr>
+            </a:lvl8pPr>
+            <a:lvl9pPr marR="0" lvl="8" algn="l" rtl="0">
+              <a:lnSpc>
+                <a:spcPct val="100000"/>
+              </a:lnSpc>
+              <a:spcBef>
+                <a:spcPts val="0"/>
+              </a:spcBef>
+              <a:spcAft>
+                <a:spcPts val="0"/>
+              </a:spcAft>
+              <a:buClr>
+                <a:srgbClr val="000000"/>
+              </a:buClr>
+              <a:buFont typeface="Arial"/>
+              <a:defRPr sz="1400" b="0" i="0" u="none" strike="noStrike" cap="none">
+                <a:solidFill>
+                  <a:srgbClr val="000000"/>
+                </a:solidFill>
+                <a:latin typeface="Arial"/>
+                <a:ea typeface="Arial"/>
+                <a:cs typeface="Arial"/>
+                <a:sym typeface="Arial"/>
+              </a:defRPr>
+            </a:lvl9pPr>
+          </a:lstStyle>
+          <a:p>
+            <a:pPr marL="0" marR="0" lvl="0" indent="0" algn="ctr" defTabSz="914400" rtl="0" eaLnBrk="1" fontAlgn="auto" latinLnBrk="0" hangingPunct="1">
+              <a:lnSpc>
+                <a:spcPct val="100000"/>
+              </a:lnSpc>
+              <a:spcBef>
+                <a:spcPts val="0"/>
+              </a:spcBef>
+              <a:spcAft>
+                <a:spcPts val="0"/>
+              </a:spcAft>
+              <a:buClr>
+                <a:srgbClr val="000000"/>
+              </a:buClr>
+              <a:buSzTx/>
+              <a:buFont typeface="Arial"/>
+              <a:buNone/>
+              <a:tabLst/>
+              <a:defRPr/>
+            </a:pPr>
+            <a:r>
+              <a:rPr kumimoji="0" lang="en" sz="3200" b="0" i="0" u="none" strike="noStrike" kern="0" cap="none" spc="0" normalizeH="0" baseline="0" noProof="0" dirty="0">
+                <a:ln>
+                  <a:noFill/>
+                </a:ln>
+                <a:solidFill>
+                  <a:srgbClr val="000000"/>
+                </a:solidFill>
+                <a:effectLst/>
+                <a:uLnTx/>
+                <a:uFillTx/>
+                <a:latin typeface="Calibri" panose="020F0502020204030204" pitchFamily="34" charset="0"/>
+                <a:ea typeface="Calibri" panose="020F0502020204030204" pitchFamily="34" charset="0"/>
+                <a:cs typeface="Calibri" panose="020F0502020204030204" pitchFamily="34" charset="0"/>
+                <a:sym typeface="Catamaran"/>
+              </a:rPr>
+              <a:t>6</a:t>
+            </a:r>
+            <a:endParaRPr kumimoji="0" sz="3200" b="0" i="0" u="none" strike="noStrike" kern="0" cap="none" spc="0" normalizeH="0" baseline="0" noProof="0" dirty="0">
+              <a:ln>
+                <a:noFill/>
+              </a:ln>
+              <a:solidFill>
+                <a:srgbClr val="000000"/>
+              </a:solidFill>
+              <a:effectLst/>
+              <a:uLnTx/>
+              <a:uFillTx/>
+              <a:latin typeface="Calibri" panose="020F0502020204030204" pitchFamily="34" charset="0"/>
+              <a:ea typeface="Calibri" panose="020F0502020204030204" pitchFamily="34" charset="0"/>
+              <a:cs typeface="Calibri" panose="020F0502020204030204" pitchFamily="34" charset="0"/>
+              <a:sym typeface="Catamaran"/>
+            </a:endParaRPr>
+          </a:p>
+        </p:txBody>
+      </p:sp>
+      <p:cxnSp>
+        <p:nvCxnSpPr>
+          <p:cNvPr id="12" name="Google Shape;1387;p69">
+            <a:extLst>
+              <a:ext uri="{FF2B5EF4-FFF2-40B4-BE49-F238E27FC236}">
+                <a16:creationId xmlns:a16="http://schemas.microsoft.com/office/drawing/2014/main" id="{16EC9161-F0A6-5972-FDB3-E862090C6F6C}"/>
+              </a:ext>
+            </a:extLst>
+          </p:cNvPr>
+          <p:cNvCxnSpPr>
+            <a:cxnSpLocks/>
+            <a:stCxn id="11" idx="1"/>
+            <a:endCxn id="9" idx="5"/>
+          </p:cNvCxnSpPr>
+          <p:nvPr/>
+        </p:nvCxnSpPr>
+        <p:spPr>
+          <a:xfrm flipH="1" flipV="1">
+            <a:off x="3712624" y="5504850"/>
+            <a:ext cx="343915" cy="165505"/>
+          </a:xfrm>
+          <a:prstGeom prst="straightConnector1">
+            <a:avLst/>
+          </a:prstGeom>
+          <a:noFill/>
+          <a:ln w="9525" cap="flat" cmpd="sng">
+            <a:solidFill>
+              <a:schemeClr val="tx1"/>
+            </a:solidFill>
+            <a:prstDash val="solid"/>
+            <a:round/>
+            <a:headEnd type="none" w="med" len="med"/>
+            <a:tailEnd type="none" w="med" len="med"/>
+          </a:ln>
+        </p:spPr>
+      </p:cxnSp>
+      <p:sp>
+        <p:nvSpPr>
+          <p:cNvPr id="13" name="Google Shape;1376;p69">
+            <a:extLst>
+              <a:ext uri="{FF2B5EF4-FFF2-40B4-BE49-F238E27FC236}">
+                <a16:creationId xmlns:a16="http://schemas.microsoft.com/office/drawing/2014/main" id="{5C587809-D4D9-9C61-BBD4-12DAE822C9B0}"/>
+              </a:ext>
+            </a:extLst>
+          </p:cNvPr>
+          <p:cNvSpPr/>
+          <p:nvPr/>
+        </p:nvSpPr>
+        <p:spPr>
+          <a:xfrm>
+            <a:off x="1418604" y="4892111"/>
+            <a:ext cx="603900" cy="603900"/>
+          </a:xfrm>
+          <a:prstGeom prst="ellipse">
+            <a:avLst/>
+          </a:prstGeom>
+          <a:solidFill>
+            <a:srgbClr val="EEEEEE"/>
+          </a:solidFill>
+          <a:ln>
+            <a:solidFill>
+              <a:schemeClr val="tx1"/>
+            </a:solidFill>
+          </a:ln>
+        </p:spPr>
+        <p:txBody>
+          <a:bodyPr spcFirstLastPara="1" wrap="square" lIns="91425" tIns="91425" rIns="91425" bIns="91425" anchor="ctr" anchorCtr="0">
+            <a:noAutofit/>
+          </a:bodyPr>
+          <a:lstStyle>
+            <a:defPPr marR="0" lvl="0" algn="l" rtl="0">
+              <a:lnSpc>
+                <a:spcPct val="100000"/>
+              </a:lnSpc>
+              <a:spcBef>
+                <a:spcPts val="0"/>
+              </a:spcBef>
+              <a:spcAft>
+                <a:spcPts val="0"/>
+              </a:spcAft>
+            </a:defPPr>
+            <a:lvl1pPr marR="0" lvl="0" algn="l" rtl="0">
+              <a:lnSpc>
+                <a:spcPct val="100000"/>
+              </a:lnSpc>
+              <a:spcBef>
+                <a:spcPts val="0"/>
+              </a:spcBef>
+              <a:spcAft>
+                <a:spcPts val="0"/>
+              </a:spcAft>
+              <a:buClr>
+                <a:srgbClr val="000000"/>
+              </a:buClr>
+              <a:buFont typeface="Arial"/>
+              <a:defRPr sz="1400" b="0" i="0" u="none" strike="noStrike" cap="none">
+                <a:solidFill>
+                  <a:srgbClr val="000000"/>
+                </a:solidFill>
+                <a:latin typeface="Arial"/>
+                <a:ea typeface="Arial"/>
+                <a:cs typeface="Arial"/>
+                <a:sym typeface="Arial"/>
+              </a:defRPr>
+            </a:lvl1pPr>
+            <a:lvl2pPr marR="0" lvl="1" algn="l" rtl="0">
+              <a:lnSpc>
+                <a:spcPct val="100000"/>
+              </a:lnSpc>
+              <a:spcBef>
+                <a:spcPts val="0"/>
+              </a:spcBef>
+              <a:spcAft>
+                <a:spcPts val="0"/>
+              </a:spcAft>
+              <a:buClr>
+                <a:srgbClr val="000000"/>
+              </a:buClr>
+              <a:buFont typeface="Arial"/>
+              <a:defRPr sz="1400" b="0" i="0" u="none" strike="noStrike" cap="none">
+                <a:solidFill>
+                  <a:srgbClr val="000000"/>
+                </a:solidFill>
+                <a:latin typeface="Arial"/>
+                <a:ea typeface="Arial"/>
+                <a:cs typeface="Arial"/>
+                <a:sym typeface="Arial"/>
+              </a:defRPr>
+            </a:lvl2pPr>
+            <a:lvl3pPr marR="0" lvl="2" algn="l" rtl="0">
+              <a:lnSpc>
+                <a:spcPct val="100000"/>
+              </a:lnSpc>
+              <a:spcBef>
+                <a:spcPts val="0"/>
+              </a:spcBef>
+              <a:spcAft>
+                <a:spcPts val="0"/>
+              </a:spcAft>
+              <a:buClr>
+                <a:srgbClr val="000000"/>
+              </a:buClr>
+              <a:buFont typeface="Arial"/>
+              <a:defRPr sz="1400" b="0" i="0" u="none" strike="noStrike" cap="none">
+                <a:solidFill>
+                  <a:srgbClr val="000000"/>
+                </a:solidFill>
+                <a:latin typeface="Arial"/>
+                <a:ea typeface="Arial"/>
+                <a:cs typeface="Arial"/>
+                <a:sym typeface="Arial"/>
+              </a:defRPr>
+            </a:lvl3pPr>
+            <a:lvl4pPr marR="0" lvl="3" algn="l" rtl="0">
+              <a:lnSpc>
+                <a:spcPct val="100000"/>
+              </a:lnSpc>
+              <a:spcBef>
+                <a:spcPts val="0"/>
+              </a:spcBef>
+              <a:spcAft>
+                <a:spcPts val="0"/>
+              </a:spcAft>
+              <a:buClr>
+                <a:srgbClr val="000000"/>
+              </a:buClr>
+              <a:buFont typeface="Arial"/>
+              <a:defRPr sz="1400" b="0" i="0" u="none" strike="noStrike" cap="none">
+                <a:solidFill>
+                  <a:srgbClr val="000000"/>
+                </a:solidFill>
+                <a:latin typeface="Arial"/>
+                <a:ea typeface="Arial"/>
+                <a:cs typeface="Arial"/>
+                <a:sym typeface="Arial"/>
+              </a:defRPr>
+            </a:lvl4pPr>
+            <a:lvl5pPr marR="0" lvl="4" algn="l" rtl="0">
+              <a:lnSpc>
+                <a:spcPct val="100000"/>
+              </a:lnSpc>
+              <a:spcBef>
+                <a:spcPts val="0"/>
+              </a:spcBef>
+              <a:spcAft>
+                <a:spcPts val="0"/>
+              </a:spcAft>
+              <a:buClr>
+                <a:srgbClr val="000000"/>
+              </a:buClr>
+              <a:buFont typeface="Arial"/>
+              <a:defRPr sz="1400" b="0" i="0" u="none" strike="noStrike" cap="none">
+                <a:solidFill>
+                  <a:srgbClr val="000000"/>
+                </a:solidFill>
+                <a:latin typeface="Arial"/>
+                <a:ea typeface="Arial"/>
+                <a:cs typeface="Arial"/>
+                <a:sym typeface="Arial"/>
+              </a:defRPr>
+            </a:lvl5pPr>
+            <a:lvl6pPr marR="0" lvl="5" algn="l" rtl="0">
+              <a:lnSpc>
+                <a:spcPct val="100000"/>
+              </a:lnSpc>
+              <a:spcBef>
+                <a:spcPts val="0"/>
+              </a:spcBef>
+              <a:spcAft>
+                <a:spcPts val="0"/>
+              </a:spcAft>
+              <a:buClr>
+                <a:srgbClr val="000000"/>
+              </a:buClr>
+              <a:buFont typeface="Arial"/>
+              <a:defRPr sz="1400" b="0" i="0" u="none" strike="noStrike" cap="none">
+                <a:solidFill>
+                  <a:srgbClr val="000000"/>
+                </a:solidFill>
+                <a:latin typeface="Arial"/>
+                <a:ea typeface="Arial"/>
+                <a:cs typeface="Arial"/>
+                <a:sym typeface="Arial"/>
+              </a:defRPr>
+            </a:lvl6pPr>
+            <a:lvl7pPr marR="0" lvl="6" algn="l" rtl="0">
+              <a:lnSpc>
+                <a:spcPct val="100000"/>
+              </a:lnSpc>
+              <a:spcBef>
+                <a:spcPts val="0"/>
+              </a:spcBef>
+              <a:spcAft>
+                <a:spcPts val="0"/>
+              </a:spcAft>
+              <a:buClr>
+                <a:srgbClr val="000000"/>
+              </a:buClr>
+              <a:buFont typeface="Arial"/>
+              <a:defRPr sz="1400" b="0" i="0" u="none" strike="noStrike" cap="none">
+                <a:solidFill>
+                  <a:srgbClr val="000000"/>
+                </a:solidFill>
+                <a:latin typeface="Arial"/>
+                <a:ea typeface="Arial"/>
+                <a:cs typeface="Arial"/>
+                <a:sym typeface="Arial"/>
+              </a:defRPr>
+            </a:lvl7pPr>
+            <a:lvl8pPr marR="0" lvl="7" algn="l" rtl="0">
+              <a:lnSpc>
+                <a:spcPct val="100000"/>
+              </a:lnSpc>
+              <a:spcBef>
+                <a:spcPts val="0"/>
+              </a:spcBef>
+              <a:spcAft>
+                <a:spcPts val="0"/>
+              </a:spcAft>
+              <a:buClr>
+                <a:srgbClr val="000000"/>
+              </a:buClr>
+              <a:buFont typeface="Arial"/>
+              <a:defRPr sz="1400" b="0" i="0" u="none" strike="noStrike" cap="none">
+                <a:solidFill>
+                  <a:srgbClr val="000000"/>
+                </a:solidFill>
+                <a:latin typeface="Arial"/>
+                <a:ea typeface="Arial"/>
+                <a:cs typeface="Arial"/>
+                <a:sym typeface="Arial"/>
+              </a:defRPr>
+            </a:lvl8pPr>
+            <a:lvl9pPr marR="0" lvl="8" algn="l" rtl="0">
+              <a:lnSpc>
+                <a:spcPct val="100000"/>
+              </a:lnSpc>
+              <a:spcBef>
+                <a:spcPts val="0"/>
+              </a:spcBef>
+              <a:spcAft>
+                <a:spcPts val="0"/>
+              </a:spcAft>
+              <a:buClr>
+                <a:srgbClr val="000000"/>
+              </a:buClr>
+              <a:buFont typeface="Arial"/>
+              <a:defRPr sz="1400" b="0" i="0" u="none" strike="noStrike" cap="none">
+                <a:solidFill>
+                  <a:srgbClr val="000000"/>
+                </a:solidFill>
+                <a:latin typeface="Arial"/>
+                <a:ea typeface="Arial"/>
+                <a:cs typeface="Arial"/>
+                <a:sym typeface="Arial"/>
+              </a:defRPr>
+            </a:lvl9pPr>
+          </a:lstStyle>
+          <a:p>
+            <a:pPr marL="0" marR="0" lvl="0" indent="0" algn="ctr" defTabSz="914400" rtl="0" eaLnBrk="1" fontAlgn="auto" latinLnBrk="0" hangingPunct="1">
+              <a:lnSpc>
+                <a:spcPct val="100000"/>
+              </a:lnSpc>
+              <a:spcBef>
+                <a:spcPts val="0"/>
+              </a:spcBef>
+              <a:spcAft>
+                <a:spcPts val="0"/>
+              </a:spcAft>
+              <a:buClr>
+                <a:srgbClr val="000000"/>
+              </a:buClr>
+              <a:buSzTx/>
+              <a:buFont typeface="Arial"/>
+              <a:buNone/>
+              <a:tabLst/>
+              <a:defRPr/>
+            </a:pPr>
+            <a:r>
+              <a:rPr kumimoji="0" lang="en" sz="3200" b="0" i="0" u="none" strike="noStrike" kern="0" cap="none" spc="0" normalizeH="0" baseline="0" noProof="0" dirty="0">
+                <a:ln>
+                  <a:noFill/>
+                </a:ln>
+                <a:solidFill>
+                  <a:srgbClr val="000000"/>
+                </a:solidFill>
+                <a:effectLst/>
+                <a:uLnTx/>
+                <a:uFillTx/>
+                <a:latin typeface="Calibri" panose="020F0502020204030204" pitchFamily="34" charset="0"/>
+                <a:ea typeface="Calibri" panose="020F0502020204030204" pitchFamily="34" charset="0"/>
+                <a:cs typeface="Calibri" panose="020F0502020204030204" pitchFamily="34" charset="0"/>
+                <a:sym typeface="Catamaran"/>
+              </a:rPr>
+              <a:t>2</a:t>
+            </a:r>
+            <a:endParaRPr kumimoji="0" sz="3200" b="0" i="0" u="none" strike="noStrike" kern="0" cap="none" spc="0" normalizeH="0" baseline="0" noProof="0" dirty="0">
+              <a:ln>
+                <a:noFill/>
+              </a:ln>
+              <a:solidFill>
+                <a:srgbClr val="000000"/>
+              </a:solidFill>
+              <a:effectLst/>
+              <a:uLnTx/>
+              <a:uFillTx/>
+              <a:latin typeface="Calibri" panose="020F0502020204030204" pitchFamily="34" charset="0"/>
+              <a:ea typeface="Calibri" panose="020F0502020204030204" pitchFamily="34" charset="0"/>
+              <a:cs typeface="Calibri" panose="020F0502020204030204" pitchFamily="34" charset="0"/>
+              <a:sym typeface="Catamaran"/>
+            </a:endParaRPr>
+          </a:p>
+        </p:txBody>
+      </p:sp>
+      <p:cxnSp>
+        <p:nvCxnSpPr>
+          <p:cNvPr id="14" name="Google Shape;1382;p69">
+            <a:extLst>
+              <a:ext uri="{FF2B5EF4-FFF2-40B4-BE49-F238E27FC236}">
+                <a16:creationId xmlns:a16="http://schemas.microsoft.com/office/drawing/2014/main" id="{C42C14E0-086C-2CF8-0D75-69A8D610D43B}"/>
+              </a:ext>
+            </a:extLst>
+          </p:cNvPr>
+          <p:cNvCxnSpPr>
+            <a:cxnSpLocks/>
+            <a:endCxn id="13" idx="7"/>
+          </p:cNvCxnSpPr>
+          <p:nvPr/>
+        </p:nvCxnSpPr>
+        <p:spPr>
+          <a:xfrm flipH="1">
+            <a:off x="1934065" y="4795547"/>
+            <a:ext cx="418038" cy="185003"/>
+          </a:xfrm>
+          <a:prstGeom prst="straightConnector1">
+            <a:avLst/>
+          </a:prstGeom>
+          <a:noFill/>
+          <a:ln w="9525" cap="flat" cmpd="sng">
+            <a:solidFill>
+              <a:schemeClr val="tx1"/>
+            </a:solidFill>
+            <a:prstDash val="solid"/>
+            <a:round/>
+            <a:headEnd type="none" w="med" len="med"/>
+            <a:tailEnd type="none" w="med" len="med"/>
+          </a:ln>
+        </p:spPr>
+      </p:cxnSp>
+      <p:sp>
+        <p:nvSpPr>
+          <p:cNvPr id="15" name="Google Shape;1376;p69">
+            <a:extLst>
+              <a:ext uri="{FF2B5EF4-FFF2-40B4-BE49-F238E27FC236}">
+                <a16:creationId xmlns:a16="http://schemas.microsoft.com/office/drawing/2014/main" id="{8C8242A9-14EC-42F2-E3C9-16BD7B1E64DB}"/>
+              </a:ext>
+            </a:extLst>
+          </p:cNvPr>
+          <p:cNvSpPr/>
+          <p:nvPr/>
+        </p:nvSpPr>
+        <p:spPr>
+          <a:xfrm>
+            <a:off x="638790" y="5517503"/>
+            <a:ext cx="603900" cy="603900"/>
+          </a:xfrm>
+          <a:prstGeom prst="ellipse">
+            <a:avLst/>
+          </a:prstGeom>
+          <a:solidFill>
+            <a:srgbClr val="EEEEEE"/>
+          </a:solidFill>
+          <a:ln>
+            <a:solidFill>
+              <a:schemeClr val="tx1"/>
+            </a:solidFill>
+          </a:ln>
+        </p:spPr>
+        <p:txBody>
+          <a:bodyPr spcFirstLastPara="1" wrap="square" lIns="91425" tIns="91425" rIns="91425" bIns="91425" anchor="ctr" anchorCtr="0">
+            <a:noAutofit/>
+          </a:bodyPr>
+          <a:lstStyle>
+            <a:defPPr marR="0" lvl="0" algn="l" rtl="0">
+              <a:lnSpc>
+                <a:spcPct val="100000"/>
+              </a:lnSpc>
+              <a:spcBef>
+                <a:spcPts val="0"/>
+              </a:spcBef>
+              <a:spcAft>
+                <a:spcPts val="0"/>
+              </a:spcAft>
+            </a:defPPr>
+            <a:lvl1pPr marR="0" lvl="0" algn="l" rtl="0">
+              <a:lnSpc>
+                <a:spcPct val="100000"/>
+              </a:lnSpc>
+              <a:spcBef>
+                <a:spcPts val="0"/>
+              </a:spcBef>
+              <a:spcAft>
+                <a:spcPts val="0"/>
+              </a:spcAft>
+              <a:buClr>
+                <a:srgbClr val="000000"/>
+              </a:buClr>
+              <a:buFont typeface="Arial"/>
+              <a:defRPr sz="1400" b="0" i="0" u="none" strike="noStrike" cap="none">
+                <a:solidFill>
+                  <a:srgbClr val="000000"/>
+                </a:solidFill>
+                <a:latin typeface="Arial"/>
+                <a:ea typeface="Arial"/>
+                <a:cs typeface="Arial"/>
+                <a:sym typeface="Arial"/>
+              </a:defRPr>
+            </a:lvl1pPr>
+            <a:lvl2pPr marR="0" lvl="1" algn="l" rtl="0">
+              <a:lnSpc>
+                <a:spcPct val="100000"/>
+              </a:lnSpc>
+              <a:spcBef>
+                <a:spcPts val="0"/>
+              </a:spcBef>
+              <a:spcAft>
+                <a:spcPts val="0"/>
+              </a:spcAft>
+              <a:buClr>
+                <a:srgbClr val="000000"/>
+              </a:buClr>
+              <a:buFont typeface="Arial"/>
+              <a:defRPr sz="1400" b="0" i="0" u="none" strike="noStrike" cap="none">
+                <a:solidFill>
+                  <a:srgbClr val="000000"/>
+                </a:solidFill>
+                <a:latin typeface="Arial"/>
+                <a:ea typeface="Arial"/>
+                <a:cs typeface="Arial"/>
+                <a:sym typeface="Arial"/>
+              </a:defRPr>
+            </a:lvl2pPr>
+            <a:lvl3pPr marR="0" lvl="2" algn="l" rtl="0">
+              <a:lnSpc>
+                <a:spcPct val="100000"/>
+              </a:lnSpc>
+              <a:spcBef>
+                <a:spcPts val="0"/>
+              </a:spcBef>
+              <a:spcAft>
+                <a:spcPts val="0"/>
+              </a:spcAft>
+              <a:buClr>
+                <a:srgbClr val="000000"/>
+              </a:buClr>
+              <a:buFont typeface="Arial"/>
+              <a:defRPr sz="1400" b="0" i="0" u="none" strike="noStrike" cap="none">
+                <a:solidFill>
+                  <a:srgbClr val="000000"/>
+                </a:solidFill>
+                <a:latin typeface="Arial"/>
+                <a:ea typeface="Arial"/>
+                <a:cs typeface="Arial"/>
+                <a:sym typeface="Arial"/>
+              </a:defRPr>
+            </a:lvl3pPr>
+            <a:lvl4pPr marR="0" lvl="3" algn="l" rtl="0">
+              <a:lnSpc>
+                <a:spcPct val="100000"/>
+              </a:lnSpc>
+              <a:spcBef>
+                <a:spcPts val="0"/>
+              </a:spcBef>
+              <a:spcAft>
+                <a:spcPts val="0"/>
+              </a:spcAft>
+              <a:buClr>
+                <a:srgbClr val="000000"/>
+              </a:buClr>
+              <a:buFont typeface="Arial"/>
+              <a:defRPr sz="1400" b="0" i="0" u="none" strike="noStrike" cap="none">
+                <a:solidFill>
+                  <a:srgbClr val="000000"/>
+                </a:solidFill>
+                <a:latin typeface="Arial"/>
+                <a:ea typeface="Arial"/>
+                <a:cs typeface="Arial"/>
+                <a:sym typeface="Arial"/>
+              </a:defRPr>
+            </a:lvl4pPr>
+            <a:lvl5pPr marR="0" lvl="4" algn="l" rtl="0">
+              <a:lnSpc>
+                <a:spcPct val="100000"/>
+              </a:lnSpc>
+              <a:spcBef>
+                <a:spcPts val="0"/>
+              </a:spcBef>
+              <a:spcAft>
+                <a:spcPts val="0"/>
+              </a:spcAft>
+              <a:buClr>
+                <a:srgbClr val="000000"/>
+              </a:buClr>
+              <a:buFont typeface="Arial"/>
+              <a:defRPr sz="1400" b="0" i="0" u="none" strike="noStrike" cap="none">
+                <a:solidFill>
+                  <a:srgbClr val="000000"/>
+                </a:solidFill>
+                <a:latin typeface="Arial"/>
+                <a:ea typeface="Arial"/>
+                <a:cs typeface="Arial"/>
+                <a:sym typeface="Arial"/>
+              </a:defRPr>
+            </a:lvl5pPr>
+            <a:lvl6pPr marR="0" lvl="5" algn="l" rtl="0">
+              <a:lnSpc>
+                <a:spcPct val="100000"/>
+              </a:lnSpc>
+              <a:spcBef>
+                <a:spcPts val="0"/>
+              </a:spcBef>
+              <a:spcAft>
+                <a:spcPts val="0"/>
+              </a:spcAft>
+              <a:buClr>
+                <a:srgbClr val="000000"/>
+              </a:buClr>
+              <a:buFont typeface="Arial"/>
+              <a:defRPr sz="1400" b="0" i="0" u="none" strike="noStrike" cap="none">
+                <a:solidFill>
+                  <a:srgbClr val="000000"/>
+                </a:solidFill>
+                <a:latin typeface="Arial"/>
+                <a:ea typeface="Arial"/>
+                <a:cs typeface="Arial"/>
+                <a:sym typeface="Arial"/>
+              </a:defRPr>
+            </a:lvl6pPr>
+            <a:lvl7pPr marR="0" lvl="6" algn="l" rtl="0">
+              <a:lnSpc>
+                <a:spcPct val="100000"/>
+              </a:lnSpc>
+              <a:spcBef>
+                <a:spcPts val="0"/>
+              </a:spcBef>
+              <a:spcAft>
+                <a:spcPts val="0"/>
+              </a:spcAft>
+              <a:buClr>
+                <a:srgbClr val="000000"/>
+              </a:buClr>
+              <a:buFont typeface="Arial"/>
+              <a:defRPr sz="1400" b="0" i="0" u="none" strike="noStrike" cap="none">
+                <a:solidFill>
+                  <a:srgbClr val="000000"/>
+                </a:solidFill>
+                <a:latin typeface="Arial"/>
+                <a:ea typeface="Arial"/>
+                <a:cs typeface="Arial"/>
+                <a:sym typeface="Arial"/>
+              </a:defRPr>
+            </a:lvl7pPr>
+            <a:lvl8pPr marR="0" lvl="7" algn="l" rtl="0">
+              <a:lnSpc>
+                <a:spcPct val="100000"/>
+              </a:lnSpc>
+              <a:spcBef>
+                <a:spcPts val="0"/>
+              </a:spcBef>
+              <a:spcAft>
+                <a:spcPts val="0"/>
+              </a:spcAft>
+              <a:buClr>
+                <a:srgbClr val="000000"/>
+              </a:buClr>
+              <a:buFont typeface="Arial"/>
+              <a:defRPr sz="1400" b="0" i="0" u="none" strike="noStrike" cap="none">
+                <a:solidFill>
+                  <a:srgbClr val="000000"/>
+                </a:solidFill>
+                <a:latin typeface="Arial"/>
+                <a:ea typeface="Arial"/>
+                <a:cs typeface="Arial"/>
+                <a:sym typeface="Arial"/>
+              </a:defRPr>
+            </a:lvl8pPr>
+            <a:lvl9pPr marR="0" lvl="8" algn="l" rtl="0">
+              <a:lnSpc>
+                <a:spcPct val="100000"/>
+              </a:lnSpc>
+              <a:spcBef>
+                <a:spcPts val="0"/>
+              </a:spcBef>
+              <a:spcAft>
+                <a:spcPts val="0"/>
+              </a:spcAft>
+              <a:buClr>
+                <a:srgbClr val="000000"/>
+              </a:buClr>
+              <a:buFont typeface="Arial"/>
+              <a:defRPr sz="1400" b="0" i="0" u="none" strike="noStrike" cap="none">
+                <a:solidFill>
+                  <a:srgbClr val="000000"/>
+                </a:solidFill>
+                <a:latin typeface="Arial"/>
+                <a:ea typeface="Arial"/>
+                <a:cs typeface="Arial"/>
+                <a:sym typeface="Arial"/>
+              </a:defRPr>
+            </a:lvl9pPr>
+          </a:lstStyle>
+          <a:p>
+            <a:pPr marL="0" marR="0" lvl="0" indent="0" algn="ctr" defTabSz="914400" rtl="0" eaLnBrk="1" fontAlgn="auto" latinLnBrk="0" hangingPunct="1">
+              <a:lnSpc>
+                <a:spcPct val="100000"/>
+              </a:lnSpc>
+              <a:spcBef>
+                <a:spcPts val="0"/>
+              </a:spcBef>
+              <a:spcAft>
+                <a:spcPts val="0"/>
+              </a:spcAft>
+              <a:buClr>
+                <a:srgbClr val="000000"/>
+              </a:buClr>
+              <a:buSzTx/>
+              <a:buFont typeface="Arial"/>
+              <a:buNone/>
+              <a:tabLst/>
+              <a:defRPr/>
+            </a:pPr>
+            <a:r>
+              <a:rPr kumimoji="0" lang="en" sz="3200" b="0" i="0" u="none" strike="noStrike" kern="0" cap="none" spc="0" normalizeH="0" baseline="0" noProof="0" dirty="0">
+                <a:ln>
+                  <a:noFill/>
+                </a:ln>
+                <a:solidFill>
+                  <a:srgbClr val="000000"/>
+                </a:solidFill>
+                <a:effectLst/>
+                <a:uLnTx/>
+                <a:uFillTx/>
+                <a:latin typeface="Calibri" panose="020F0502020204030204" pitchFamily="34" charset="0"/>
+                <a:ea typeface="Calibri" panose="020F0502020204030204" pitchFamily="34" charset="0"/>
+                <a:cs typeface="Calibri" panose="020F0502020204030204" pitchFamily="34" charset="0"/>
+                <a:sym typeface="Catamaran"/>
+              </a:rPr>
+              <a:t>4</a:t>
+            </a:r>
+            <a:endParaRPr kumimoji="0" sz="3200" b="0" i="0" u="none" strike="noStrike" kern="0" cap="none" spc="0" normalizeH="0" baseline="0" noProof="0" dirty="0">
+              <a:ln>
+                <a:noFill/>
+              </a:ln>
+              <a:solidFill>
+                <a:srgbClr val="000000"/>
+              </a:solidFill>
+              <a:effectLst/>
+              <a:uLnTx/>
+              <a:uFillTx/>
+              <a:latin typeface="Calibri" panose="020F0502020204030204" pitchFamily="34" charset="0"/>
+              <a:ea typeface="Calibri" panose="020F0502020204030204" pitchFamily="34" charset="0"/>
+              <a:cs typeface="Calibri" panose="020F0502020204030204" pitchFamily="34" charset="0"/>
+              <a:sym typeface="Catamaran"/>
+            </a:endParaRPr>
+          </a:p>
+        </p:txBody>
+      </p:sp>
+      <p:cxnSp>
+        <p:nvCxnSpPr>
+          <p:cNvPr id="16" name="Google Shape;1382;p69">
+            <a:extLst>
+              <a:ext uri="{FF2B5EF4-FFF2-40B4-BE49-F238E27FC236}">
+                <a16:creationId xmlns:a16="http://schemas.microsoft.com/office/drawing/2014/main" id="{AC59FC9E-BE03-54CD-DCC1-6C6D65E093A7}"/>
+              </a:ext>
+            </a:extLst>
+          </p:cNvPr>
+          <p:cNvCxnSpPr>
+            <a:cxnSpLocks/>
+            <a:endCxn id="15" idx="7"/>
+          </p:cNvCxnSpPr>
+          <p:nvPr/>
+        </p:nvCxnSpPr>
+        <p:spPr>
+          <a:xfrm flipH="1">
+            <a:off x="1154251" y="5420939"/>
+            <a:ext cx="418038" cy="185003"/>
+          </a:xfrm>
+          <a:prstGeom prst="straightConnector1">
+            <a:avLst/>
+          </a:prstGeom>
+          <a:noFill/>
+          <a:ln w="9525" cap="flat" cmpd="sng">
+            <a:solidFill>
+              <a:schemeClr val="tx1"/>
+            </a:solidFill>
+            <a:prstDash val="solid"/>
+            <a:round/>
+            <a:headEnd type="none" w="med" len="med"/>
+            <a:tailEnd type="none" w="med" len="med"/>
+          </a:ln>
+        </p:spPr>
+      </p:cxnSp>
+      <p:sp>
+        <p:nvSpPr>
+          <p:cNvPr id="17" name="Google Shape;1378;p69">
+            <a:extLst>
+              <a:ext uri="{FF2B5EF4-FFF2-40B4-BE49-F238E27FC236}">
+                <a16:creationId xmlns:a16="http://schemas.microsoft.com/office/drawing/2014/main" id="{90EC5FC9-6F58-B895-BA27-6CA5D8CDACD7}"/>
+              </a:ext>
+            </a:extLst>
+          </p:cNvPr>
+          <p:cNvSpPr/>
+          <p:nvPr/>
+        </p:nvSpPr>
+        <p:spPr>
+          <a:xfrm>
+            <a:off x="2347365" y="5588821"/>
+            <a:ext cx="603900" cy="603900"/>
+          </a:xfrm>
+          <a:prstGeom prst="ellipse">
+            <a:avLst/>
+          </a:prstGeom>
+          <a:solidFill>
+            <a:srgbClr val="EEEEEE"/>
+          </a:solidFill>
+          <a:ln>
+            <a:solidFill>
+              <a:schemeClr val="tx1"/>
+            </a:solidFill>
+          </a:ln>
+        </p:spPr>
+        <p:txBody>
+          <a:bodyPr spcFirstLastPara="1" wrap="square" lIns="91425" tIns="91425" rIns="91425" bIns="91425" anchor="ctr" anchorCtr="0">
+            <a:noAutofit/>
+          </a:bodyPr>
+          <a:lstStyle>
+            <a:defPPr marR="0" lvl="0" algn="l" rtl="0">
+              <a:lnSpc>
+                <a:spcPct val="100000"/>
+              </a:lnSpc>
+              <a:spcBef>
+                <a:spcPts val="0"/>
+              </a:spcBef>
+              <a:spcAft>
+                <a:spcPts val="0"/>
+              </a:spcAft>
+            </a:defPPr>
+            <a:lvl1pPr marR="0" lvl="0" algn="l" rtl="0">
+              <a:lnSpc>
+                <a:spcPct val="100000"/>
+              </a:lnSpc>
+              <a:spcBef>
+                <a:spcPts val="0"/>
+              </a:spcBef>
+              <a:spcAft>
+                <a:spcPts val="0"/>
+              </a:spcAft>
+              <a:buClr>
+                <a:srgbClr val="000000"/>
+              </a:buClr>
+              <a:buFont typeface="Arial"/>
+              <a:defRPr sz="1400" b="0" i="0" u="none" strike="noStrike" cap="none">
+                <a:solidFill>
+                  <a:srgbClr val="000000"/>
+                </a:solidFill>
+                <a:latin typeface="Arial"/>
+                <a:ea typeface="Arial"/>
+                <a:cs typeface="Arial"/>
+                <a:sym typeface="Arial"/>
+              </a:defRPr>
+            </a:lvl1pPr>
+            <a:lvl2pPr marR="0" lvl="1" algn="l" rtl="0">
+              <a:lnSpc>
+                <a:spcPct val="100000"/>
+              </a:lnSpc>
+              <a:spcBef>
+                <a:spcPts val="0"/>
+              </a:spcBef>
+              <a:spcAft>
+                <a:spcPts val="0"/>
+              </a:spcAft>
+              <a:buClr>
+                <a:srgbClr val="000000"/>
+              </a:buClr>
+              <a:buFont typeface="Arial"/>
+              <a:defRPr sz="1400" b="0" i="0" u="none" strike="noStrike" cap="none">
+                <a:solidFill>
+                  <a:srgbClr val="000000"/>
+                </a:solidFill>
+                <a:latin typeface="Arial"/>
+                <a:ea typeface="Arial"/>
+                <a:cs typeface="Arial"/>
+                <a:sym typeface="Arial"/>
+              </a:defRPr>
+            </a:lvl2pPr>
+            <a:lvl3pPr marR="0" lvl="2" algn="l" rtl="0">
+              <a:lnSpc>
+                <a:spcPct val="100000"/>
+              </a:lnSpc>
+              <a:spcBef>
+                <a:spcPts val="0"/>
+              </a:spcBef>
+              <a:spcAft>
+                <a:spcPts val="0"/>
+              </a:spcAft>
+              <a:buClr>
+                <a:srgbClr val="000000"/>
+              </a:buClr>
+              <a:buFont typeface="Arial"/>
+              <a:defRPr sz="1400" b="0" i="0" u="none" strike="noStrike" cap="none">
+                <a:solidFill>
+                  <a:srgbClr val="000000"/>
+                </a:solidFill>
+                <a:latin typeface="Arial"/>
+                <a:ea typeface="Arial"/>
+                <a:cs typeface="Arial"/>
+                <a:sym typeface="Arial"/>
+              </a:defRPr>
+            </a:lvl3pPr>
+            <a:lvl4pPr marR="0" lvl="3" algn="l" rtl="0">
+              <a:lnSpc>
+                <a:spcPct val="100000"/>
+              </a:lnSpc>
+              <a:spcBef>
+                <a:spcPts val="0"/>
+              </a:spcBef>
+              <a:spcAft>
+                <a:spcPts val="0"/>
+              </a:spcAft>
+              <a:buClr>
+                <a:srgbClr val="000000"/>
+              </a:buClr>
+              <a:buFont typeface="Arial"/>
+              <a:defRPr sz="1400" b="0" i="0" u="none" strike="noStrike" cap="none">
+                <a:solidFill>
+                  <a:srgbClr val="000000"/>
+                </a:solidFill>
+                <a:latin typeface="Arial"/>
+                <a:ea typeface="Arial"/>
+                <a:cs typeface="Arial"/>
+                <a:sym typeface="Arial"/>
+              </a:defRPr>
+            </a:lvl4pPr>
+            <a:lvl5pPr marR="0" lvl="4" algn="l" rtl="0">
+              <a:lnSpc>
+                <a:spcPct val="100000"/>
+              </a:lnSpc>
+              <a:spcBef>
+                <a:spcPts val="0"/>
+              </a:spcBef>
+              <a:spcAft>
+                <a:spcPts val="0"/>
+              </a:spcAft>
+              <a:buClr>
+                <a:srgbClr val="000000"/>
+              </a:buClr>
+              <a:buFont typeface="Arial"/>
+              <a:defRPr sz="1400" b="0" i="0" u="none" strike="noStrike" cap="none">
+                <a:solidFill>
+                  <a:srgbClr val="000000"/>
+                </a:solidFill>
+                <a:latin typeface="Arial"/>
+                <a:ea typeface="Arial"/>
+                <a:cs typeface="Arial"/>
+                <a:sym typeface="Arial"/>
+              </a:defRPr>
+            </a:lvl5pPr>
+            <a:lvl6pPr marR="0" lvl="5" algn="l" rtl="0">
+              <a:lnSpc>
+                <a:spcPct val="100000"/>
+              </a:lnSpc>
+              <a:spcBef>
+                <a:spcPts val="0"/>
+              </a:spcBef>
+              <a:spcAft>
+                <a:spcPts val="0"/>
+              </a:spcAft>
+              <a:buClr>
+                <a:srgbClr val="000000"/>
+              </a:buClr>
+              <a:buFont typeface="Arial"/>
+              <a:defRPr sz="1400" b="0" i="0" u="none" strike="noStrike" cap="none">
+                <a:solidFill>
+                  <a:srgbClr val="000000"/>
+                </a:solidFill>
+                <a:latin typeface="Arial"/>
+                <a:ea typeface="Arial"/>
+                <a:cs typeface="Arial"/>
+                <a:sym typeface="Arial"/>
+              </a:defRPr>
+            </a:lvl6pPr>
+            <a:lvl7pPr marR="0" lvl="6" algn="l" rtl="0">
+              <a:lnSpc>
+                <a:spcPct val="100000"/>
+              </a:lnSpc>
+              <a:spcBef>
+                <a:spcPts val="0"/>
+              </a:spcBef>
+              <a:spcAft>
+                <a:spcPts val="0"/>
+              </a:spcAft>
+              <a:buClr>
+                <a:srgbClr val="000000"/>
+              </a:buClr>
+              <a:buFont typeface="Arial"/>
+              <a:defRPr sz="1400" b="0" i="0" u="none" strike="noStrike" cap="none">
+                <a:solidFill>
+                  <a:srgbClr val="000000"/>
+                </a:solidFill>
+                <a:latin typeface="Arial"/>
+                <a:ea typeface="Arial"/>
+                <a:cs typeface="Arial"/>
+                <a:sym typeface="Arial"/>
+              </a:defRPr>
+            </a:lvl7pPr>
+            <a:lvl8pPr marR="0" lvl="7" algn="l" rtl="0">
+              <a:lnSpc>
+                <a:spcPct val="100000"/>
+              </a:lnSpc>
+              <a:spcBef>
+                <a:spcPts val="0"/>
+              </a:spcBef>
+              <a:spcAft>
+                <a:spcPts val="0"/>
+              </a:spcAft>
+              <a:buClr>
+                <a:srgbClr val="000000"/>
+              </a:buClr>
+              <a:buFont typeface="Arial"/>
+              <a:defRPr sz="1400" b="0" i="0" u="none" strike="noStrike" cap="none">
+                <a:solidFill>
+                  <a:srgbClr val="000000"/>
+                </a:solidFill>
+                <a:latin typeface="Arial"/>
+                <a:ea typeface="Arial"/>
+                <a:cs typeface="Arial"/>
+                <a:sym typeface="Arial"/>
+              </a:defRPr>
+            </a:lvl8pPr>
+            <a:lvl9pPr marR="0" lvl="8" algn="l" rtl="0">
+              <a:lnSpc>
+                <a:spcPct val="100000"/>
+              </a:lnSpc>
+              <a:spcBef>
+                <a:spcPts val="0"/>
+              </a:spcBef>
+              <a:spcAft>
+                <a:spcPts val="0"/>
+              </a:spcAft>
+              <a:buClr>
+                <a:srgbClr val="000000"/>
+              </a:buClr>
+              <a:buFont typeface="Arial"/>
+              <a:defRPr sz="1400" b="0" i="0" u="none" strike="noStrike" cap="none">
+                <a:solidFill>
+                  <a:srgbClr val="000000"/>
+                </a:solidFill>
+                <a:latin typeface="Arial"/>
+                <a:ea typeface="Arial"/>
+                <a:cs typeface="Arial"/>
+                <a:sym typeface="Arial"/>
+              </a:defRPr>
+            </a:lvl9pPr>
+          </a:lstStyle>
+          <a:p>
+            <a:pPr marL="0" marR="0" lvl="0" indent="0" algn="ctr" defTabSz="914400" rtl="0" eaLnBrk="1" fontAlgn="auto" latinLnBrk="0" hangingPunct="1">
+              <a:lnSpc>
+                <a:spcPct val="100000"/>
+              </a:lnSpc>
+              <a:spcBef>
+                <a:spcPts val="0"/>
+              </a:spcBef>
+              <a:spcAft>
+                <a:spcPts val="0"/>
+              </a:spcAft>
+              <a:buClr>
+                <a:srgbClr val="000000"/>
+              </a:buClr>
+              <a:buSzTx/>
+              <a:buFont typeface="Arial"/>
+              <a:buNone/>
+              <a:tabLst/>
+              <a:defRPr/>
+            </a:pPr>
+            <a:r>
+              <a:rPr kumimoji="0" lang="en" sz="3200" b="0" i="0" u="none" strike="noStrike" kern="0" cap="none" spc="0" normalizeH="0" baseline="0" noProof="0" dirty="0">
+                <a:ln>
+                  <a:noFill/>
+                </a:ln>
+                <a:solidFill>
+                  <a:srgbClr val="000000"/>
+                </a:solidFill>
+                <a:effectLst/>
+                <a:uLnTx/>
+                <a:uFillTx/>
+                <a:latin typeface="Calibri" panose="020F0502020204030204" pitchFamily="34" charset="0"/>
+                <a:ea typeface="Calibri" panose="020F0502020204030204" pitchFamily="34" charset="0"/>
+                <a:cs typeface="Calibri" panose="020F0502020204030204" pitchFamily="34" charset="0"/>
+                <a:sym typeface="Catamaran"/>
+              </a:rPr>
+              <a:t>5</a:t>
+            </a:r>
+            <a:endParaRPr kumimoji="0" sz="3200" b="0" i="0" u="none" strike="noStrike" kern="0" cap="none" spc="0" normalizeH="0" baseline="0" noProof="0" dirty="0">
+              <a:ln>
+                <a:noFill/>
+              </a:ln>
+              <a:solidFill>
+                <a:srgbClr val="000000"/>
+              </a:solidFill>
+              <a:effectLst/>
+              <a:uLnTx/>
+              <a:uFillTx/>
+              <a:latin typeface="Calibri" panose="020F0502020204030204" pitchFamily="34" charset="0"/>
+              <a:ea typeface="Calibri" panose="020F0502020204030204" pitchFamily="34" charset="0"/>
+              <a:cs typeface="Calibri" panose="020F0502020204030204" pitchFamily="34" charset="0"/>
+              <a:sym typeface="Catamaran"/>
+            </a:endParaRPr>
+          </a:p>
+        </p:txBody>
+      </p:sp>
+      <p:cxnSp>
+        <p:nvCxnSpPr>
+          <p:cNvPr id="18" name="Google Shape;1387;p69">
+            <a:extLst>
+              <a:ext uri="{FF2B5EF4-FFF2-40B4-BE49-F238E27FC236}">
+                <a16:creationId xmlns:a16="http://schemas.microsoft.com/office/drawing/2014/main" id="{E2B22A35-C13F-3183-39C4-D486BC8CD4BF}"/>
+              </a:ext>
+            </a:extLst>
+          </p:cNvPr>
+          <p:cNvCxnSpPr>
+            <a:cxnSpLocks/>
+            <a:stCxn id="17" idx="1"/>
+          </p:cNvCxnSpPr>
+          <p:nvPr/>
+        </p:nvCxnSpPr>
+        <p:spPr>
+          <a:xfrm flipH="1" flipV="1">
+            <a:off x="2004592" y="5390368"/>
+            <a:ext cx="431212" cy="286892"/>
+          </a:xfrm>
+          <a:prstGeom prst="straightConnector1">
+            <a:avLst/>
+          </a:prstGeom>
+          <a:noFill/>
+          <a:ln w="9525" cap="flat" cmpd="sng">
+            <a:solidFill>
+              <a:schemeClr val="tx1"/>
+            </a:solidFill>
+            <a:prstDash val="solid"/>
+            <a:round/>
+            <a:headEnd type="none" w="med" len="med"/>
+            <a:tailEnd type="none" w="med" len="med"/>
+          </a:ln>
+        </p:spPr>
+      </p:cxnSp>
+    </p:spTree>
+    <p:extLst>
+      <p:ext uri="{BB962C8B-B14F-4D97-AF65-F5344CB8AC3E}">
+        <p14:creationId xmlns:p14="http://schemas.microsoft.com/office/powerpoint/2010/main" val="1499238226"/>
+      </p:ext>
+    </p:extLst>
+  </p:cSld>
+  <p:clrMapOvr>
+    <a:masterClrMapping/>
+  </p:clrMapOvr>
+</p:sld>
+</file>
+
+<file path=ppt/slides/slide13.xml><?xml version="1.0" encoding="utf-8"?>
+<p:sld xmlns:a="http://schemas.openxmlformats.org/drawingml/2006/main" xmlns:r="http://schemas.openxmlformats.org/officeDocument/2006/relationships" xmlns:p="http://schemas.openxmlformats.org/presentationml/2006/main">
+  <p:cSld>
+    <p:spTree>
+      <p:nvGrpSpPr>
+        <p:cNvPr id="1" name=""/>
+        <p:cNvGrpSpPr/>
+        <p:nvPr/>
+      </p:nvGrpSpPr>
+      <p:grpSpPr>
+        <a:xfrm>
+          <a:off x="0" y="0"/>
+          <a:ext cx="0" cy="0"/>
+          <a:chOff x="0" y="0"/>
+          <a:chExt cx="0" cy="0"/>
+        </a:xfrm>
+      </p:grpSpPr>
+      <p:sp>
+        <p:nvSpPr>
+          <p:cNvPr id="2" name="Title 1">
+            <a:extLst>
+              <a:ext uri="{FF2B5EF4-FFF2-40B4-BE49-F238E27FC236}">
+                <a16:creationId xmlns:a16="http://schemas.microsoft.com/office/drawing/2014/main" id="{3243F295-21B2-4CEC-7BDF-E756F7007B31}"/>
+              </a:ext>
+            </a:extLst>
+          </p:cNvPr>
+          <p:cNvSpPr>
+            <a:spLocks noGrp="1"/>
+          </p:cNvSpPr>
+          <p:nvPr>
+            <p:ph type="title"/>
+          </p:nvPr>
+        </p:nvSpPr>
+        <p:spPr>
+          <a:xfrm>
+            <a:off x="457200" y="274638"/>
+            <a:ext cx="8229600" cy="828584"/>
+          </a:xfrm>
+        </p:spPr>
+        <p:txBody>
+          <a:bodyPr/>
+          <a:lstStyle/>
+          <a:p>
+            <a:r>
+              <a:rPr lang="en-GB" dirty="0"/>
+              <a:t>Quiz: Tree Derivation II</a:t>
+            </a:r>
+            <a:endParaRPr lang="en-SE" dirty="0"/>
+          </a:p>
+        </p:txBody>
+      </p:sp>
+      <p:sp>
+        <p:nvSpPr>
+          <p:cNvPr id="3" name="Content Placeholder 2">
+            <a:extLst>
+              <a:ext uri="{FF2B5EF4-FFF2-40B4-BE49-F238E27FC236}">
+                <a16:creationId xmlns:a16="http://schemas.microsoft.com/office/drawing/2014/main" id="{EE78B038-8688-A790-F07C-9DCE9AD7969B}"/>
+              </a:ext>
+            </a:extLst>
+          </p:cNvPr>
+          <p:cNvSpPr>
+            <a:spLocks noGrp="1"/>
+          </p:cNvSpPr>
+          <p:nvPr>
+            <p:ph idx="1"/>
+          </p:nvPr>
+        </p:nvSpPr>
+        <p:spPr>
+          <a:xfrm>
+            <a:off x="118334" y="1103223"/>
+            <a:ext cx="8568466" cy="5641822"/>
+          </a:xfrm>
+        </p:spPr>
+        <p:txBody>
+          <a:bodyPr>
+            <a:normAutofit/>
+          </a:bodyPr>
+          <a:lstStyle/>
+          <a:p>
+            <a:r>
+              <a:rPr lang="en-GB" sz="2400" dirty="0"/>
+              <a:t>For a binary tree, its pre-order traversal of nodes is </a:t>
+            </a:r>
+            <a:r>
+              <a:rPr lang="pt-BR" sz="2400" dirty="0"/>
+              <a:t>ABCDEFG</a:t>
+            </a:r>
+            <a:r>
+              <a:rPr lang="en-GB" sz="2400" dirty="0"/>
+              <a:t>; its in-order traversal of nodes is </a:t>
+            </a:r>
+            <a:r>
+              <a:rPr lang="pt-BR" sz="2400" dirty="0"/>
+              <a:t>CDBAEGF</a:t>
+            </a:r>
+            <a:r>
+              <a:rPr lang="en-GB" sz="2400" dirty="0"/>
+              <a:t>. Construct the tree. What is the post-order traversal of nodes?</a:t>
+            </a:r>
+            <a:endParaRPr lang="en-GB" dirty="0"/>
+          </a:p>
+        </p:txBody>
+      </p:sp>
+    </p:spTree>
+    <p:extLst>
+      <p:ext uri="{BB962C8B-B14F-4D97-AF65-F5344CB8AC3E}">
+        <p14:creationId xmlns:p14="http://schemas.microsoft.com/office/powerpoint/2010/main" val="3524997750"/>
+      </p:ext>
+    </p:extLst>
+  </p:cSld>
+  <p:clrMapOvr>
+    <a:masterClrMapping/>
+  </p:clrMapOvr>
+</p:sld>
+</file>
+
+<file path=ppt/slides/slide14.xml><?xml version="1.0" encoding="utf-8"?>
 <p:sld xmlns:a="http://schemas.openxmlformats.org/drawingml/2006/main" xmlns:r="http://schemas.openxmlformats.org/officeDocument/2006/relationships" xmlns:p="http://schemas.openxmlformats.org/presentationml/2006/main">
   <p:cSld>
     <p:spTree>
@@ -29772,8 +32960,8 @@
           <a:lstStyle/>
           <a:p>
             <a:r>
-              <a:rPr lang="en-US" altLang="zh-CN" dirty="0"/>
-              <a:t>Quiz</a:t>
+              <a:rPr lang="en-GB" dirty="0"/>
+              <a:t>Pre, In and Post Order Traversal</a:t>
             </a:r>
             <a:endParaRPr lang="en-SE" dirty="0"/>
           </a:p>
@@ -30186,13 +33374,7 @@
   <p:cSld>
     <p:spTree>
       <p:nvGrpSpPr>
-        <p:cNvPr id="1" name="">
-          <a:extLst>
-            <a:ext uri="{FF2B5EF4-FFF2-40B4-BE49-F238E27FC236}">
-              <a16:creationId xmlns:a16="http://schemas.microsoft.com/office/drawing/2014/main" id="{65AB6292-648F-3141-3447-2171BE0EA451}"/>
-            </a:ext>
-          </a:extLst>
-        </p:cNvPr>
+        <p:cNvPr id="1" name=""/>
         <p:cNvGrpSpPr/>
         <p:nvPr/>
       </p:nvGrpSpPr>
@@ -30209,7 +33391,7 @@
           <p:cNvPr id="2" name="Title 1">
             <a:extLst>
               <a:ext uri="{FF2B5EF4-FFF2-40B4-BE49-F238E27FC236}">
-                <a16:creationId xmlns:a16="http://schemas.microsoft.com/office/drawing/2014/main" id="{FF999F38-80C6-8739-45E1-5905F4A32E09}"/>
+                <a16:creationId xmlns:a16="http://schemas.microsoft.com/office/drawing/2014/main" id="{2E022147-5596-AB17-933A-8F83E2CA85AE}"/>
               </a:ext>
             </a:extLst>
           </p:cNvPr>
@@ -30220,21 +33402,14 @@
             <p:ph type="title"/>
           </p:nvPr>
         </p:nvSpPr>
-        <p:spPr>
-          <a:xfrm>
-            <a:off x="457200" y="184981"/>
-            <a:ext cx="8229600" cy="1143000"/>
-          </a:xfrm>
-        </p:spPr>
+        <p:spPr/>
         <p:txBody>
-          <a:bodyPr>
-            <a:normAutofit/>
-          </a:bodyPr>
+          <a:bodyPr/>
           <a:lstStyle/>
           <a:p>
             <a:r>
               <a:rPr lang="en-GB" dirty="0"/>
-              <a:t>Quiz: Tree Derivation</a:t>
+              <a:t>Pre, In and Post Order Traversal</a:t>
             </a:r>
             <a:endParaRPr lang="en-SE" dirty="0"/>
           </a:p>
@@ -30245,7 +33420,7 @@
           <p:cNvPr id="3" name="Content Placeholder 2">
             <a:extLst>
               <a:ext uri="{FF2B5EF4-FFF2-40B4-BE49-F238E27FC236}">
-                <a16:creationId xmlns:a16="http://schemas.microsoft.com/office/drawing/2014/main" id="{C455CF5D-44F6-43AF-8F0A-C9F5EBA8582A}"/>
+                <a16:creationId xmlns:a16="http://schemas.microsoft.com/office/drawing/2014/main" id="{980D2DDF-5CE6-8C05-1829-53D4151A5BC3}"/>
               </a:ext>
             </a:extLst>
           </p:cNvPr>
@@ -30256,32 +33431,51 @@
             <p:ph idx="1"/>
           </p:nvPr>
         </p:nvSpPr>
+        <p:spPr/>
+        <p:txBody>
+          <a:bodyPr/>
+          <a:lstStyle/>
+          <a:p>
+            <a:endParaRPr lang="en-SE"/>
+          </a:p>
+        </p:txBody>
+      </p:sp>
+      <p:pic>
+        <p:nvPicPr>
+          <p:cNvPr id="4" name="Picture 3">
+            <a:extLst>
+              <a:ext uri="{FF2B5EF4-FFF2-40B4-BE49-F238E27FC236}">
+                <a16:creationId xmlns:a16="http://schemas.microsoft.com/office/drawing/2014/main" id="{9C343048-E277-E2CD-8A25-B4E574A9BC8E}"/>
+              </a:ext>
+            </a:extLst>
+          </p:cNvPr>
+          <p:cNvPicPr>
+            <a:picLocks noChangeAspect="1"/>
+          </p:cNvPicPr>
+          <p:nvPr/>
+        </p:nvPicPr>
+        <p:blipFill>
+          <a:blip r:embed="rId2"/>
+          <a:stretch>
+            <a:fillRect/>
+          </a:stretch>
+        </p:blipFill>
         <p:spPr>
           <a:xfrm>
-            <a:off x="457200" y="1131652"/>
-            <a:ext cx="8229600" cy="3105678"/>
+            <a:off x="457200" y="1852496"/>
+            <a:ext cx="3880624" cy="3153007"/>
           </a:xfrm>
+          <a:prstGeom prst="rect">
+            <a:avLst/>
+          </a:prstGeom>
         </p:spPr>
-        <p:txBody>
-          <a:bodyPr>
-            <a:normAutofit/>
-          </a:bodyPr>
-          <a:lstStyle/>
-          <a:p>
-            <a:r>
-              <a:rPr lang="en-GB" dirty="0"/>
-              <a:t>Given: Pre-order traversal of nodes is 1, 2, 4, 5, 3, 6; In-order traversal of nodes is 4, 2, 5, 1, 3, 6. What is the post-order traversal of nodes?</a:t>
-            </a:r>
-            <a:endParaRPr lang="en-SE" dirty="0"/>
-          </a:p>
-        </p:txBody>
-      </p:sp>
+      </p:pic>
       <p:sp>
         <p:nvSpPr>
           <p:cNvPr id="5" name="Content Placeholder 2">
             <a:extLst>
               <a:ext uri="{FF2B5EF4-FFF2-40B4-BE49-F238E27FC236}">
-                <a16:creationId xmlns:a16="http://schemas.microsoft.com/office/drawing/2014/main" id="{3190E477-53E1-F843-CD70-01B336686187}"/>
+                <a16:creationId xmlns:a16="http://schemas.microsoft.com/office/drawing/2014/main" id="{D8C8753B-69AF-24BA-F750-4E6CB4BE8FC6}"/>
               </a:ext>
             </a:extLst>
           </p:cNvPr>
@@ -30292,30 +33486,16 @@
         </p:nvSpPr>
         <p:spPr>
           <a:xfrm>
-            <a:off x="5163670" y="4353565"/>
-            <a:ext cx="3672153" cy="2199938"/>
+            <a:off x="4109224" y="1860564"/>
+            <a:ext cx="4806176" cy="4525963"/>
           </a:xfrm>
           <a:prstGeom prst="rect">
             <a:avLst/>
           </a:prstGeom>
         </p:spPr>
-        <p:style>
-          <a:lnRef idx="1">
-            <a:schemeClr val="dk1"/>
-          </a:lnRef>
-          <a:fillRef idx="2">
-            <a:schemeClr val="dk1"/>
-          </a:fillRef>
-          <a:effectRef idx="1">
-            <a:schemeClr val="dk1"/>
-          </a:effectRef>
-          <a:fontRef idx="minor">
-            <a:schemeClr val="dk1"/>
-          </a:fontRef>
-        </p:style>
         <p:txBody>
           <a:bodyPr vert="horz" lIns="91440" tIns="45720" rIns="91440" bIns="45720" rtlCol="0">
-            <a:normAutofit fontScale="62500" lnSpcReduction="20000"/>
+            <a:normAutofit/>
           </a:bodyPr>
           <a:lstStyle>
             <a:lvl1pPr marL="342900" indent="-342900" algn="l" defTabSz="457200" rtl="0" eaLnBrk="1" latinLnBrk="0" hangingPunct="1">
@@ -30470,111 +33650,34 @@
             </a:lvl9pPr>
           </a:lstStyle>
           <a:p>
-            <a:pPr fontAlgn="base"/>
-            <a:r>
-              <a:rPr lang="en-GB" sz="2800" b="1" dirty="0">
-                <a:solidFill>
-                  <a:srgbClr val="0C0D0E"/>
-                </a:solidFill>
-                <a:latin typeface="inherit"/>
-              </a:rPr>
-              <a:t>Pre-order traversal</a:t>
-            </a:r>
-            <a:r>
-              <a:rPr lang="en-GB" sz="2800" dirty="0">
-                <a:solidFill>
-                  <a:srgbClr val="0C0D0E"/>
-                </a:solidFill>
-                <a:latin typeface="-apple-system"/>
-              </a:rPr>
-              <a:t>:</a:t>
-            </a:r>
-          </a:p>
-          <a:p>
-            <a:pPr lvl="1" fontAlgn="base"/>
-            <a:r>
-              <a:rPr lang="en-GB" sz="2400" dirty="0">
-                <a:solidFill>
-                  <a:srgbClr val="0C0D0E"/>
-                </a:solidFill>
-                <a:latin typeface="-apple-system"/>
-              </a:rPr>
-              <a:t>Begins at the root, ends at the right-most node</a:t>
-            </a:r>
-          </a:p>
-          <a:p>
-            <a:pPr fontAlgn="base"/>
-            <a:r>
-              <a:rPr lang="en-GB" sz="2800" b="1" dirty="0">
-                <a:solidFill>
-                  <a:srgbClr val="0C0D0E"/>
-                </a:solidFill>
-                <a:latin typeface="inherit"/>
-              </a:rPr>
-              <a:t>In-order traversal</a:t>
-            </a:r>
-            <a:r>
-              <a:rPr lang="en-GB" sz="2800" dirty="0">
-                <a:solidFill>
-                  <a:srgbClr val="0C0D0E"/>
-                </a:solidFill>
-                <a:latin typeface="-apple-system"/>
-              </a:rPr>
-              <a:t>:</a:t>
-            </a:r>
-          </a:p>
-          <a:p>
-            <a:pPr lvl="1" fontAlgn="base"/>
-            <a:r>
-              <a:rPr lang="en-GB" sz="2400" dirty="0">
-                <a:solidFill>
-                  <a:srgbClr val="0C0D0E"/>
-                </a:solidFill>
-                <a:latin typeface="-apple-system"/>
-              </a:rPr>
-              <a:t>Begins at the left-most node, ends at the rightmost node</a:t>
-            </a:r>
-          </a:p>
-          <a:p>
-            <a:pPr fontAlgn="base"/>
-            <a:r>
-              <a:rPr lang="en-GB" sz="2800" b="1" dirty="0">
-                <a:solidFill>
-                  <a:srgbClr val="0C0D0E"/>
-                </a:solidFill>
-                <a:latin typeface="inherit"/>
-              </a:rPr>
-              <a:t>Post-order traversal</a:t>
-            </a:r>
-            <a:r>
-              <a:rPr lang="en-GB" sz="2800" dirty="0">
-                <a:solidFill>
-                  <a:srgbClr val="0C0D0E"/>
-                </a:solidFill>
-                <a:latin typeface="-apple-system"/>
-              </a:rPr>
-              <a:t>:</a:t>
-            </a:r>
-          </a:p>
-          <a:p>
-            <a:pPr lvl="1" fontAlgn="base"/>
-            <a:r>
-              <a:rPr lang="en-GB" sz="2400" dirty="0">
-                <a:solidFill>
-                  <a:srgbClr val="0C0D0E"/>
-                </a:solidFill>
-                <a:latin typeface="-apple-system"/>
-              </a:rPr>
-              <a:t>Begins with the left-most node, ends with the root</a:t>
-            </a:r>
-            <a:endParaRPr lang="en-SE" sz="2400" dirty="0"/>
+            <a:r>
+              <a:rPr lang="en-GB" dirty="0"/>
+              <a:t>Preorder </a:t>
+            </a:r>
+            <a:r>
+              <a:rPr lang="en-SE" dirty="0"/>
+              <a:t>[5, 3, 4, 9, 7, 6, 8, 12, 20]</a:t>
+            </a:r>
+            <a:endParaRPr lang="en-GB" dirty="0"/>
+          </a:p>
+          <a:p>
+            <a:r>
+              <a:rPr lang="en-GB" dirty="0"/>
+              <a:t>In-order: [3, 4, 5, 6, 7, 8, 9, 12, 20]</a:t>
+            </a:r>
+          </a:p>
+          <a:p>
+            <a:r>
+              <a:rPr lang="en-GB" dirty="0"/>
+              <a:t>Post-order: [4, 3, 6, 8, 7, 20, 12, 9, 5]</a:t>
+            </a:r>
           </a:p>
         </p:txBody>
       </p:sp>
     </p:spTree>
     <p:extLst>
       <p:ext uri="{BB962C8B-B14F-4D97-AF65-F5344CB8AC3E}">
-        <p14:creationId xmlns:p14="http://schemas.microsoft.com/office/powerpoint/2010/main" val="517305265"/>
+        <p14:creationId xmlns:p14="http://schemas.microsoft.com/office/powerpoint/2010/main" val="774212447"/>
       </p:ext>
     </p:extLst>
   </p:cSld>
@@ -30606,7 +33709,7 @@
           <p:cNvPr id="2" name="Title 1">
             <a:extLst>
               <a:ext uri="{FF2B5EF4-FFF2-40B4-BE49-F238E27FC236}">
-                <a16:creationId xmlns:a16="http://schemas.microsoft.com/office/drawing/2014/main" id="{D8F108B4-C497-81CA-362F-3B038C6EDA60}"/>
+                <a16:creationId xmlns:a16="http://schemas.microsoft.com/office/drawing/2014/main" id="{0219BEAF-919B-7C1E-B52F-4BA0887C529B}"/>
               </a:ext>
             </a:extLst>
           </p:cNvPr>
@@ -30617,21 +33720,14 @@
             <p:ph type="title"/>
           </p:nvPr>
         </p:nvSpPr>
-        <p:spPr>
-          <a:xfrm>
-            <a:off x="457200" y="0"/>
-            <a:ext cx="8229600" cy="1143000"/>
-          </a:xfrm>
-        </p:spPr>
+        <p:spPr/>
         <p:txBody>
-          <a:bodyPr>
-            <a:normAutofit/>
-          </a:bodyPr>
+          <a:bodyPr/>
           <a:lstStyle/>
           <a:p>
             <a:r>
               <a:rPr lang="en-GB" dirty="0"/>
-              <a:t>Quiz: Tree Derivation ANS</a:t>
+              <a:t>BST</a:t>
             </a:r>
             <a:endParaRPr lang="en-SE" dirty="0"/>
           </a:p>
@@ -30642,7 +33738,7 @@
           <p:cNvPr id="3" name="Content Placeholder 2">
             <a:extLst>
               <a:ext uri="{FF2B5EF4-FFF2-40B4-BE49-F238E27FC236}">
-                <a16:creationId xmlns:a16="http://schemas.microsoft.com/office/drawing/2014/main" id="{47706054-F1EA-DF63-95D1-BA275195A556}"/>
+                <a16:creationId xmlns:a16="http://schemas.microsoft.com/office/drawing/2014/main" id="{561A3148-DE53-F965-3DFF-074CE37A6819}"/>
               </a:ext>
             </a:extLst>
           </p:cNvPr>
@@ -30653,2472 +33749,70 @@
             <p:ph idx="1"/>
           </p:nvPr>
         </p:nvSpPr>
-        <p:spPr>
-          <a:xfrm>
-            <a:off x="457200" y="919487"/>
-            <a:ext cx="8229600" cy="3354287"/>
-          </a:xfrm>
-        </p:spPr>
+        <p:spPr/>
         <p:txBody>
-          <a:bodyPr>
-            <a:normAutofit lnSpcReduction="10000"/>
-          </a:bodyPr>
+          <a:bodyPr/>
           <a:lstStyle/>
           <a:p>
             <a:r>
-              <a:rPr lang="en-GB" sz="1800" dirty="0"/>
-              <a:t>For a binary tree, its pre-order traversal of nodes is 1, 2, 4, 5, 3, 6; its in-order traversal of nodes is 4, 2, 5, 1, 3, 6. Construct the tree. What is the post-order traversal of nodes?</a:t>
-            </a:r>
-          </a:p>
-          <a:p>
-            <a:r>
-              <a:rPr lang="en-GB" sz="1800" dirty="0"/>
-              <a:t>ANS: we know 1 is the tree root from pre-order traversal. In-order traversal is 4, 2, 5, </a:t>
-            </a:r>
-            <a:r>
-              <a:rPr lang="en-GB" sz="1800" dirty="0">
-                <a:solidFill>
-                  <a:srgbClr val="FF0000"/>
-                </a:solidFill>
+              <a:rPr lang="en-GB" b="0" i="0" dirty="0">
+                <a:solidFill>
+                  <a:srgbClr val="2D3B45"/>
+                </a:solidFill>
+                <a:effectLst/>
+                <a:latin typeface="Lato Extended"/>
               </a:rPr>
-              <a:t>1</a:t>
-            </a:r>
-            <a:r>
-              <a:rPr lang="en-GB" sz="1800" dirty="0"/>
-              <a:t>, 3, 6, so we know left subtree has nodes 4,2,5, and right subtree has nodes 3,6.</a:t>
-            </a:r>
-          </a:p>
-          <a:p>
-            <a:r>
-              <a:rPr lang="en-GB" sz="1800" dirty="0"/>
-              <a:t>For the left subtree, pre-order traversal is 2, 4, 5, so we know 2 is the subtree root; In-order traversal is 4, </a:t>
-            </a:r>
-            <a:r>
-              <a:rPr lang="en-GB" sz="1800" dirty="0">
-                <a:solidFill>
-                  <a:srgbClr val="FF0000"/>
-                </a:solidFill>
+              <a:t>The following numbers are inserted into an empty binary search tree in the given order: 10, 1, 3, 5, 15, 12, 16. What is the height of the binary search tree (the height is the maximum distance of a leaf node from the root, i.e. a tree with a single root node has height 0.)?</a:t>
+            </a:r>
+          </a:p>
+          <a:p>
+            <a:r>
+              <a:rPr lang="en-GB" dirty="0">
+                <a:solidFill>
+                  <a:srgbClr val="2D3B45"/>
+                </a:solidFill>
+                <a:latin typeface="Lato Extended"/>
               </a:rPr>
-              <a:t>2</a:t>
-            </a:r>
-            <a:r>
-              <a:rPr lang="en-GB" sz="1800" dirty="0"/>
-              <a:t>, 5, so we know left subtree has node 4, and right subtree has node 5.</a:t>
-            </a:r>
-          </a:p>
-          <a:p>
-            <a:r>
-              <a:rPr lang="en-GB" sz="1800" dirty="0"/>
-              <a:t>For the right subtree, pre-order traversal is 3, 6, so we know 3 is the subtree root; In-order traversal is </a:t>
-            </a:r>
-            <a:r>
-              <a:rPr lang="en-GB" sz="1800" dirty="0">
-                <a:solidFill>
-                  <a:srgbClr val="FF0000"/>
-                </a:solidFill>
-              </a:rPr>
-              <a:t>3</a:t>
-            </a:r>
-            <a:r>
-              <a:rPr lang="en-GB" sz="1800" dirty="0"/>
-              <a:t>, 6, so we know left subtree has no node, and right subtree has node 6.</a:t>
-            </a:r>
-          </a:p>
-          <a:p>
-            <a:r>
-              <a:rPr lang="en-GB" sz="1800" dirty="0"/>
-              <a:t>We can draw the tree now and derive the post order traversal 4, 5, 2, 6, 3, 1</a:t>
-            </a:r>
-          </a:p>
-          <a:p>
-            <a:endParaRPr lang="en-SE" sz="1800" dirty="0"/>
+              <a:t>ANS: 3 </a:t>
+            </a:r>
+            <a:endParaRPr lang="en-SE" dirty="0"/>
           </a:p>
         </p:txBody>
       </p:sp>
-      <p:sp>
-        <p:nvSpPr>
-          <p:cNvPr id="5" name="Content Placeholder 2">
+      <p:pic>
+        <p:nvPicPr>
+          <p:cNvPr id="11" name="Picture 10">
             <a:extLst>
               <a:ext uri="{FF2B5EF4-FFF2-40B4-BE49-F238E27FC236}">
-                <a16:creationId xmlns:a16="http://schemas.microsoft.com/office/drawing/2014/main" id="{8E54E69A-9C13-85D8-AEBD-B5616E62CF26}"/>
+                <a16:creationId xmlns:a16="http://schemas.microsoft.com/office/drawing/2014/main" id="{6D3B4C39-73D3-50AE-B0DB-B96246191292}"/>
               </a:ext>
             </a:extLst>
           </p:cNvPr>
-          <p:cNvSpPr txBox="1">
-            <a:spLocks/>
-          </p:cNvSpPr>
+          <p:cNvPicPr>
+            <a:picLocks noChangeAspect="1"/>
+          </p:cNvPicPr>
           <p:nvPr/>
-        </p:nvSpPr>
+        </p:nvPicPr>
+        <p:blipFill>
+          <a:blip r:embed="rId2"/>
+          <a:stretch>
+            <a:fillRect/>
+          </a:stretch>
+        </p:blipFill>
         <p:spPr>
           <a:xfrm>
-            <a:off x="5163670" y="4353565"/>
-            <a:ext cx="3672153" cy="2199938"/>
+            <a:off x="6494246" y="3429000"/>
+            <a:ext cx="2534004" cy="3134162"/>
           </a:xfrm>
           <a:prstGeom prst="rect">
             <a:avLst/>
           </a:prstGeom>
         </p:spPr>
-        <p:style>
-          <a:lnRef idx="1">
-            <a:schemeClr val="dk1"/>
-          </a:lnRef>
-          <a:fillRef idx="2">
-            <a:schemeClr val="dk1"/>
-          </a:fillRef>
-          <a:effectRef idx="1">
-            <a:schemeClr val="dk1"/>
-          </a:effectRef>
-          <a:fontRef idx="minor">
-            <a:schemeClr val="dk1"/>
-          </a:fontRef>
-        </p:style>
-        <p:txBody>
-          <a:bodyPr vert="horz" lIns="91440" tIns="45720" rIns="91440" bIns="45720" rtlCol="0">
-            <a:normAutofit fontScale="62500" lnSpcReduction="20000"/>
-          </a:bodyPr>
-          <a:lstStyle>
-            <a:lvl1pPr marL="342900" indent="-342900" algn="l" defTabSz="457200" rtl="0" eaLnBrk="1" latinLnBrk="0" hangingPunct="1">
-              <a:spcBef>
-                <a:spcPct val="20000"/>
-              </a:spcBef>
-              <a:buClr>
-                <a:schemeClr val="accent6"/>
-              </a:buClr>
-              <a:buFont typeface="Wingdings" charset="2"/>
-              <a:buChar char="§"/>
-              <a:defRPr sz="2400" kern="1200">
-                <a:solidFill>
-                  <a:schemeClr val="tx1"/>
-                </a:solidFill>
-                <a:latin typeface="Times New Roman"/>
-                <a:ea typeface="+mn-ea"/>
-                <a:cs typeface="Times New Roman"/>
-              </a:defRPr>
-            </a:lvl1pPr>
-            <a:lvl2pPr marL="742950" indent="-285750" algn="l" defTabSz="457200" rtl="0" eaLnBrk="1" latinLnBrk="0" hangingPunct="1">
-              <a:spcBef>
-                <a:spcPct val="20000"/>
-              </a:spcBef>
-              <a:buClr>
-                <a:schemeClr val="accent6"/>
-              </a:buClr>
-              <a:buFont typeface="Wingdings" charset="2"/>
-              <a:buChar char="§"/>
-              <a:defRPr sz="2000" kern="1200">
-                <a:solidFill>
-                  <a:schemeClr val="tx1"/>
-                </a:solidFill>
-                <a:latin typeface="Times New Roman"/>
-                <a:ea typeface="+mn-ea"/>
-                <a:cs typeface="Times New Roman"/>
-              </a:defRPr>
-            </a:lvl2pPr>
-            <a:lvl3pPr marL="1143000" indent="-228600" algn="l" defTabSz="457200" rtl="0" eaLnBrk="1" latinLnBrk="0" hangingPunct="1">
-              <a:spcBef>
-                <a:spcPct val="20000"/>
-              </a:spcBef>
-              <a:buClr>
-                <a:schemeClr val="accent6"/>
-              </a:buClr>
-              <a:buFont typeface="Wingdings" charset="2"/>
-              <a:buChar char="§"/>
-              <a:defRPr sz="1800" kern="1200">
-                <a:solidFill>
-                  <a:schemeClr val="tx1"/>
-                </a:solidFill>
-                <a:latin typeface="Times New Roman"/>
-                <a:ea typeface="+mn-ea"/>
-                <a:cs typeface="Times New Roman"/>
-              </a:defRPr>
-            </a:lvl3pPr>
-            <a:lvl4pPr marL="1600200" indent="-228600" algn="l" defTabSz="457200" rtl="0" eaLnBrk="1" latinLnBrk="0" hangingPunct="1">
-              <a:spcBef>
-                <a:spcPct val="20000"/>
-              </a:spcBef>
-              <a:buClr>
-                <a:schemeClr val="accent6"/>
-              </a:buClr>
-              <a:buFont typeface="Wingdings" charset="2"/>
-              <a:buChar char="§"/>
-              <a:defRPr sz="1600" kern="1200">
-                <a:solidFill>
-                  <a:schemeClr val="tx1"/>
-                </a:solidFill>
-                <a:latin typeface="Times New Roman"/>
-                <a:ea typeface="+mn-ea"/>
-                <a:cs typeface="Times New Roman"/>
-              </a:defRPr>
-            </a:lvl4pPr>
-            <a:lvl5pPr marL="2057400" indent="-228600" algn="l" defTabSz="457200" rtl="0" eaLnBrk="1" latinLnBrk="0" hangingPunct="1">
-              <a:spcBef>
-                <a:spcPct val="20000"/>
-              </a:spcBef>
-              <a:buClr>
-                <a:schemeClr val="accent6"/>
-              </a:buClr>
-              <a:buFont typeface="Wingdings" charset="2"/>
-              <a:buChar char="§"/>
-              <a:defRPr sz="1600" kern="1200">
-                <a:solidFill>
-                  <a:schemeClr val="tx1"/>
-                </a:solidFill>
-                <a:latin typeface="Times New Roman"/>
-                <a:ea typeface="+mn-ea"/>
-                <a:cs typeface="Times New Roman"/>
-              </a:defRPr>
-            </a:lvl5pPr>
-            <a:lvl6pPr marL="2514600" indent="-228600" algn="l" defTabSz="457200" rtl="0" eaLnBrk="1" latinLnBrk="0" hangingPunct="1">
-              <a:spcBef>
-                <a:spcPct val="20000"/>
-              </a:spcBef>
-              <a:buFont typeface="Arial"/>
-              <a:buChar char="•"/>
-              <a:defRPr sz="2000" kern="1200">
-                <a:solidFill>
-                  <a:schemeClr val="tx1"/>
-                </a:solidFill>
-                <a:latin typeface="+mn-lt"/>
-                <a:ea typeface="+mn-ea"/>
-                <a:cs typeface="+mn-cs"/>
-              </a:defRPr>
-            </a:lvl6pPr>
-            <a:lvl7pPr marL="2971800" indent="-228600" algn="l" defTabSz="457200" rtl="0" eaLnBrk="1" latinLnBrk="0" hangingPunct="1">
-              <a:spcBef>
-                <a:spcPct val="20000"/>
-              </a:spcBef>
-              <a:buFont typeface="Arial"/>
-              <a:buChar char="•"/>
-              <a:defRPr sz="2000" kern="1200">
-                <a:solidFill>
-                  <a:schemeClr val="tx1"/>
-                </a:solidFill>
-                <a:latin typeface="+mn-lt"/>
-                <a:ea typeface="+mn-ea"/>
-                <a:cs typeface="+mn-cs"/>
-              </a:defRPr>
-            </a:lvl7pPr>
-            <a:lvl8pPr marL="3429000" indent="-228600" algn="l" defTabSz="457200" rtl="0" eaLnBrk="1" latinLnBrk="0" hangingPunct="1">
-              <a:spcBef>
-                <a:spcPct val="20000"/>
-              </a:spcBef>
-              <a:buFont typeface="Arial"/>
-              <a:buChar char="•"/>
-              <a:defRPr sz="2000" kern="1200">
-                <a:solidFill>
-                  <a:schemeClr val="tx1"/>
-                </a:solidFill>
-                <a:latin typeface="+mn-lt"/>
-                <a:ea typeface="+mn-ea"/>
-                <a:cs typeface="+mn-cs"/>
-              </a:defRPr>
-            </a:lvl8pPr>
-            <a:lvl9pPr marL="3886200" indent="-228600" algn="l" defTabSz="457200" rtl="0" eaLnBrk="1" latinLnBrk="0" hangingPunct="1">
-              <a:spcBef>
-                <a:spcPct val="20000"/>
-              </a:spcBef>
-              <a:buFont typeface="Arial"/>
-              <a:buChar char="•"/>
-              <a:defRPr sz="2000" kern="1200">
-                <a:solidFill>
-                  <a:schemeClr val="tx1"/>
-                </a:solidFill>
-                <a:latin typeface="+mn-lt"/>
-                <a:ea typeface="+mn-ea"/>
-                <a:cs typeface="+mn-cs"/>
-              </a:defRPr>
-            </a:lvl9pPr>
-          </a:lstStyle>
-          <a:p>
-            <a:pPr fontAlgn="base"/>
-            <a:r>
-              <a:rPr lang="en-GB" sz="2800" b="1" dirty="0">
-                <a:solidFill>
-                  <a:srgbClr val="0C0D0E"/>
-                </a:solidFill>
-                <a:latin typeface="inherit"/>
-              </a:rPr>
-              <a:t>Pre-order traversal</a:t>
-            </a:r>
-            <a:r>
-              <a:rPr lang="en-GB" sz="2800" dirty="0">
-                <a:solidFill>
-                  <a:srgbClr val="0C0D0E"/>
-                </a:solidFill>
-                <a:latin typeface="-apple-system"/>
-              </a:rPr>
-              <a:t>:</a:t>
-            </a:r>
-          </a:p>
-          <a:p>
-            <a:pPr lvl="1" fontAlgn="base"/>
-            <a:r>
-              <a:rPr lang="en-GB" sz="2400" dirty="0">
-                <a:solidFill>
-                  <a:srgbClr val="0C0D0E"/>
-                </a:solidFill>
-                <a:latin typeface="-apple-system"/>
-              </a:rPr>
-              <a:t>Begins at the root, ends at the right-most node</a:t>
-            </a:r>
-          </a:p>
-          <a:p>
-            <a:pPr fontAlgn="base"/>
-            <a:r>
-              <a:rPr lang="en-GB" sz="2800" b="1" dirty="0">
-                <a:solidFill>
-                  <a:srgbClr val="0C0D0E"/>
-                </a:solidFill>
-                <a:latin typeface="inherit"/>
-              </a:rPr>
-              <a:t>In-order traversal</a:t>
-            </a:r>
-            <a:r>
-              <a:rPr lang="en-GB" sz="2800" dirty="0">
-                <a:solidFill>
-                  <a:srgbClr val="0C0D0E"/>
-                </a:solidFill>
-                <a:latin typeface="-apple-system"/>
-              </a:rPr>
-              <a:t>:</a:t>
-            </a:r>
-          </a:p>
-          <a:p>
-            <a:pPr lvl="1" fontAlgn="base"/>
-            <a:r>
-              <a:rPr lang="en-GB" sz="2400" dirty="0">
-                <a:solidFill>
-                  <a:srgbClr val="0C0D0E"/>
-                </a:solidFill>
-                <a:latin typeface="-apple-system"/>
-              </a:rPr>
-              <a:t>Begins at the left-most node, ends at the rightmost node</a:t>
-            </a:r>
-          </a:p>
-          <a:p>
-            <a:pPr fontAlgn="base"/>
-            <a:r>
-              <a:rPr lang="en-GB" sz="2800" b="1" dirty="0">
-                <a:solidFill>
-                  <a:srgbClr val="0C0D0E"/>
-                </a:solidFill>
-                <a:latin typeface="inherit"/>
-              </a:rPr>
-              <a:t>Post-order traversal</a:t>
-            </a:r>
-            <a:r>
-              <a:rPr lang="en-GB" sz="2800" dirty="0">
-                <a:solidFill>
-                  <a:srgbClr val="0C0D0E"/>
-                </a:solidFill>
-                <a:latin typeface="-apple-system"/>
-              </a:rPr>
-              <a:t>:</a:t>
-            </a:r>
-          </a:p>
-          <a:p>
-            <a:pPr lvl="1" fontAlgn="base"/>
-            <a:r>
-              <a:rPr lang="en-GB" sz="2400" dirty="0">
-                <a:solidFill>
-                  <a:srgbClr val="0C0D0E"/>
-                </a:solidFill>
-                <a:latin typeface="-apple-system"/>
-              </a:rPr>
-              <a:t>Begins with the left-most node, ends with the root</a:t>
-            </a:r>
-            <a:endParaRPr lang="en-SE" sz="2400" dirty="0"/>
-          </a:p>
-        </p:txBody>
-      </p:sp>
-      <p:sp>
-        <p:nvSpPr>
-          <p:cNvPr id="8" name="Google Shape;1373;p69">
-            <a:extLst>
-              <a:ext uri="{FF2B5EF4-FFF2-40B4-BE49-F238E27FC236}">
-                <a16:creationId xmlns:a16="http://schemas.microsoft.com/office/drawing/2014/main" id="{C0FB4B76-A618-2230-A7DD-336245C63FEC}"/>
-              </a:ext>
-            </a:extLst>
-          </p:cNvPr>
-          <p:cNvSpPr/>
-          <p:nvPr/>
-        </p:nvSpPr>
-        <p:spPr>
-          <a:xfrm>
-            <a:off x="2270456" y="4286785"/>
-            <a:ext cx="603900" cy="603900"/>
-          </a:xfrm>
-          <a:prstGeom prst="ellipse">
-            <a:avLst/>
-          </a:prstGeom>
-          <a:solidFill>
-            <a:srgbClr val="EEEEEE"/>
-          </a:solidFill>
-          <a:ln>
-            <a:solidFill>
-              <a:schemeClr val="tx1"/>
-            </a:solidFill>
-          </a:ln>
-        </p:spPr>
-        <p:txBody>
-          <a:bodyPr spcFirstLastPara="1" wrap="square" lIns="91425" tIns="91425" rIns="91425" bIns="91425" anchor="ctr" anchorCtr="0">
-            <a:noAutofit/>
-          </a:bodyPr>
-          <a:lstStyle>
-            <a:defPPr marR="0" lvl="0" algn="l" rtl="0">
-              <a:lnSpc>
-                <a:spcPct val="100000"/>
-              </a:lnSpc>
-              <a:spcBef>
-                <a:spcPts val="0"/>
-              </a:spcBef>
-              <a:spcAft>
-                <a:spcPts val="0"/>
-              </a:spcAft>
-            </a:defPPr>
-            <a:lvl1pPr marR="0" lvl="0" algn="l" rtl="0">
-              <a:lnSpc>
-                <a:spcPct val="100000"/>
-              </a:lnSpc>
-              <a:spcBef>
-                <a:spcPts val="0"/>
-              </a:spcBef>
-              <a:spcAft>
-                <a:spcPts val="0"/>
-              </a:spcAft>
-              <a:buClr>
-                <a:srgbClr val="000000"/>
-              </a:buClr>
-              <a:buFont typeface="Arial"/>
-              <a:defRPr sz="1400" b="0" i="0" u="none" strike="noStrike" cap="none">
-                <a:solidFill>
-                  <a:srgbClr val="000000"/>
-                </a:solidFill>
-                <a:latin typeface="Arial"/>
-                <a:ea typeface="Arial"/>
-                <a:cs typeface="Arial"/>
-                <a:sym typeface="Arial"/>
-              </a:defRPr>
-            </a:lvl1pPr>
-            <a:lvl2pPr marR="0" lvl="1" algn="l" rtl="0">
-              <a:lnSpc>
-                <a:spcPct val="100000"/>
-              </a:lnSpc>
-              <a:spcBef>
-                <a:spcPts val="0"/>
-              </a:spcBef>
-              <a:spcAft>
-                <a:spcPts val="0"/>
-              </a:spcAft>
-              <a:buClr>
-                <a:srgbClr val="000000"/>
-              </a:buClr>
-              <a:buFont typeface="Arial"/>
-              <a:defRPr sz="1400" b="0" i="0" u="none" strike="noStrike" cap="none">
-                <a:solidFill>
-                  <a:srgbClr val="000000"/>
-                </a:solidFill>
-                <a:latin typeface="Arial"/>
-                <a:ea typeface="Arial"/>
-                <a:cs typeface="Arial"/>
-                <a:sym typeface="Arial"/>
-              </a:defRPr>
-            </a:lvl2pPr>
-            <a:lvl3pPr marR="0" lvl="2" algn="l" rtl="0">
-              <a:lnSpc>
-                <a:spcPct val="100000"/>
-              </a:lnSpc>
-              <a:spcBef>
-                <a:spcPts val="0"/>
-              </a:spcBef>
-              <a:spcAft>
-                <a:spcPts val="0"/>
-              </a:spcAft>
-              <a:buClr>
-                <a:srgbClr val="000000"/>
-              </a:buClr>
-              <a:buFont typeface="Arial"/>
-              <a:defRPr sz="1400" b="0" i="0" u="none" strike="noStrike" cap="none">
-                <a:solidFill>
-                  <a:srgbClr val="000000"/>
-                </a:solidFill>
-                <a:latin typeface="Arial"/>
-                <a:ea typeface="Arial"/>
-                <a:cs typeface="Arial"/>
-                <a:sym typeface="Arial"/>
-              </a:defRPr>
-            </a:lvl3pPr>
-            <a:lvl4pPr marR="0" lvl="3" algn="l" rtl="0">
-              <a:lnSpc>
-                <a:spcPct val="100000"/>
-              </a:lnSpc>
-              <a:spcBef>
-                <a:spcPts val="0"/>
-              </a:spcBef>
-              <a:spcAft>
-                <a:spcPts val="0"/>
-              </a:spcAft>
-              <a:buClr>
-                <a:srgbClr val="000000"/>
-              </a:buClr>
-              <a:buFont typeface="Arial"/>
-              <a:defRPr sz="1400" b="0" i="0" u="none" strike="noStrike" cap="none">
-                <a:solidFill>
-                  <a:srgbClr val="000000"/>
-                </a:solidFill>
-                <a:latin typeface="Arial"/>
-                <a:ea typeface="Arial"/>
-                <a:cs typeface="Arial"/>
-                <a:sym typeface="Arial"/>
-              </a:defRPr>
-            </a:lvl4pPr>
-            <a:lvl5pPr marR="0" lvl="4" algn="l" rtl="0">
-              <a:lnSpc>
-                <a:spcPct val="100000"/>
-              </a:lnSpc>
-              <a:spcBef>
-                <a:spcPts val="0"/>
-              </a:spcBef>
-              <a:spcAft>
-                <a:spcPts val="0"/>
-              </a:spcAft>
-              <a:buClr>
-                <a:srgbClr val="000000"/>
-              </a:buClr>
-              <a:buFont typeface="Arial"/>
-              <a:defRPr sz="1400" b="0" i="0" u="none" strike="noStrike" cap="none">
-                <a:solidFill>
-                  <a:srgbClr val="000000"/>
-                </a:solidFill>
-                <a:latin typeface="Arial"/>
-                <a:ea typeface="Arial"/>
-                <a:cs typeface="Arial"/>
-                <a:sym typeface="Arial"/>
-              </a:defRPr>
-            </a:lvl5pPr>
-            <a:lvl6pPr marR="0" lvl="5" algn="l" rtl="0">
-              <a:lnSpc>
-                <a:spcPct val="100000"/>
-              </a:lnSpc>
-              <a:spcBef>
-                <a:spcPts val="0"/>
-              </a:spcBef>
-              <a:spcAft>
-                <a:spcPts val="0"/>
-              </a:spcAft>
-              <a:buClr>
-                <a:srgbClr val="000000"/>
-              </a:buClr>
-              <a:buFont typeface="Arial"/>
-              <a:defRPr sz="1400" b="0" i="0" u="none" strike="noStrike" cap="none">
-                <a:solidFill>
-                  <a:srgbClr val="000000"/>
-                </a:solidFill>
-                <a:latin typeface="Arial"/>
-                <a:ea typeface="Arial"/>
-                <a:cs typeface="Arial"/>
-                <a:sym typeface="Arial"/>
-              </a:defRPr>
-            </a:lvl6pPr>
-            <a:lvl7pPr marR="0" lvl="6" algn="l" rtl="0">
-              <a:lnSpc>
-                <a:spcPct val="100000"/>
-              </a:lnSpc>
-              <a:spcBef>
-                <a:spcPts val="0"/>
-              </a:spcBef>
-              <a:spcAft>
-                <a:spcPts val="0"/>
-              </a:spcAft>
-              <a:buClr>
-                <a:srgbClr val="000000"/>
-              </a:buClr>
-              <a:buFont typeface="Arial"/>
-              <a:defRPr sz="1400" b="0" i="0" u="none" strike="noStrike" cap="none">
-                <a:solidFill>
-                  <a:srgbClr val="000000"/>
-                </a:solidFill>
-                <a:latin typeface="Arial"/>
-                <a:ea typeface="Arial"/>
-                <a:cs typeface="Arial"/>
-                <a:sym typeface="Arial"/>
-              </a:defRPr>
-            </a:lvl7pPr>
-            <a:lvl8pPr marR="0" lvl="7" algn="l" rtl="0">
-              <a:lnSpc>
-                <a:spcPct val="100000"/>
-              </a:lnSpc>
-              <a:spcBef>
-                <a:spcPts val="0"/>
-              </a:spcBef>
-              <a:spcAft>
-                <a:spcPts val="0"/>
-              </a:spcAft>
-              <a:buClr>
-                <a:srgbClr val="000000"/>
-              </a:buClr>
-              <a:buFont typeface="Arial"/>
-              <a:defRPr sz="1400" b="0" i="0" u="none" strike="noStrike" cap="none">
-                <a:solidFill>
-                  <a:srgbClr val="000000"/>
-                </a:solidFill>
-                <a:latin typeface="Arial"/>
-                <a:ea typeface="Arial"/>
-                <a:cs typeface="Arial"/>
-                <a:sym typeface="Arial"/>
-              </a:defRPr>
-            </a:lvl8pPr>
-            <a:lvl9pPr marR="0" lvl="8" algn="l" rtl="0">
-              <a:lnSpc>
-                <a:spcPct val="100000"/>
-              </a:lnSpc>
-              <a:spcBef>
-                <a:spcPts val="0"/>
-              </a:spcBef>
-              <a:spcAft>
-                <a:spcPts val="0"/>
-              </a:spcAft>
-              <a:buClr>
-                <a:srgbClr val="000000"/>
-              </a:buClr>
-              <a:buFont typeface="Arial"/>
-              <a:defRPr sz="1400" b="0" i="0" u="none" strike="noStrike" cap="none">
-                <a:solidFill>
-                  <a:srgbClr val="000000"/>
-                </a:solidFill>
-                <a:latin typeface="Arial"/>
-                <a:ea typeface="Arial"/>
-                <a:cs typeface="Arial"/>
-                <a:sym typeface="Arial"/>
-              </a:defRPr>
-            </a:lvl9pPr>
-          </a:lstStyle>
-          <a:p>
-            <a:pPr marL="0" marR="0" lvl="0" indent="0" algn="ctr" defTabSz="914400" rtl="0" eaLnBrk="1" fontAlgn="auto" latinLnBrk="0" hangingPunct="1">
-              <a:lnSpc>
-                <a:spcPct val="100000"/>
-              </a:lnSpc>
-              <a:spcBef>
-                <a:spcPts val="0"/>
-              </a:spcBef>
-              <a:spcAft>
-                <a:spcPts val="0"/>
-              </a:spcAft>
-              <a:buClr>
-                <a:srgbClr val="000000"/>
-              </a:buClr>
-              <a:buSzTx/>
-              <a:buFont typeface="Arial"/>
-              <a:buNone/>
-              <a:tabLst/>
-              <a:defRPr/>
-            </a:pPr>
-            <a:r>
-              <a:rPr kumimoji="0" lang="en" sz="3200" b="0" i="0" u="none" strike="noStrike" kern="0" cap="none" spc="0" normalizeH="0" baseline="0" noProof="0" dirty="0">
-                <a:ln>
-                  <a:noFill/>
-                </a:ln>
-                <a:solidFill>
-                  <a:srgbClr val="000000"/>
-                </a:solidFill>
-                <a:effectLst/>
-                <a:uLnTx/>
-                <a:uFillTx/>
-                <a:latin typeface="Calibri" panose="020F0502020204030204" pitchFamily="34" charset="0"/>
-                <a:ea typeface="Calibri" panose="020F0502020204030204" pitchFamily="34" charset="0"/>
-                <a:cs typeface="Calibri" panose="020F0502020204030204" pitchFamily="34" charset="0"/>
-                <a:sym typeface="Catamaran"/>
-              </a:rPr>
-              <a:t>1</a:t>
-            </a:r>
-            <a:endParaRPr kumimoji="0" sz="3200" b="0" i="0" u="none" strike="noStrike" kern="0" cap="none" spc="0" normalizeH="0" baseline="0" noProof="0" dirty="0">
-              <a:ln>
-                <a:noFill/>
-              </a:ln>
-              <a:solidFill>
-                <a:srgbClr val="000000"/>
-              </a:solidFill>
-              <a:effectLst/>
-              <a:uLnTx/>
-              <a:uFillTx/>
-              <a:latin typeface="Calibri" panose="020F0502020204030204" pitchFamily="34" charset="0"/>
-              <a:ea typeface="Calibri" panose="020F0502020204030204" pitchFamily="34" charset="0"/>
-              <a:cs typeface="Calibri" panose="020F0502020204030204" pitchFamily="34" charset="0"/>
-              <a:sym typeface="Catamaran"/>
-            </a:endParaRPr>
-          </a:p>
-        </p:txBody>
-      </p:sp>
-      <p:sp>
-        <p:nvSpPr>
-          <p:cNvPr id="9" name="Google Shape;1377;p69">
-            <a:extLst>
-              <a:ext uri="{FF2B5EF4-FFF2-40B4-BE49-F238E27FC236}">
-                <a16:creationId xmlns:a16="http://schemas.microsoft.com/office/drawing/2014/main" id="{84BFB1E8-240E-7D8D-5A24-0208672DBC95}"/>
-              </a:ext>
-            </a:extLst>
-          </p:cNvPr>
-          <p:cNvSpPr/>
-          <p:nvPr/>
-        </p:nvSpPr>
-        <p:spPr>
-          <a:xfrm>
-            <a:off x="3197163" y="4989389"/>
-            <a:ext cx="603900" cy="603900"/>
-          </a:xfrm>
-          <a:prstGeom prst="ellipse">
-            <a:avLst/>
-          </a:prstGeom>
-          <a:solidFill>
-            <a:srgbClr val="EEEEEE"/>
-          </a:solidFill>
-          <a:ln>
-            <a:solidFill>
-              <a:schemeClr val="tx1"/>
-            </a:solidFill>
-          </a:ln>
-        </p:spPr>
-        <p:txBody>
-          <a:bodyPr spcFirstLastPara="1" wrap="square" lIns="91425" tIns="91425" rIns="91425" bIns="91425" anchor="ctr" anchorCtr="0">
-            <a:noAutofit/>
-          </a:bodyPr>
-          <a:lstStyle>
-            <a:defPPr marR="0" lvl="0" algn="l" rtl="0">
-              <a:lnSpc>
-                <a:spcPct val="100000"/>
-              </a:lnSpc>
-              <a:spcBef>
-                <a:spcPts val="0"/>
-              </a:spcBef>
-              <a:spcAft>
-                <a:spcPts val="0"/>
-              </a:spcAft>
-            </a:defPPr>
-            <a:lvl1pPr marR="0" lvl="0" algn="l" rtl="0">
-              <a:lnSpc>
-                <a:spcPct val="100000"/>
-              </a:lnSpc>
-              <a:spcBef>
-                <a:spcPts val="0"/>
-              </a:spcBef>
-              <a:spcAft>
-                <a:spcPts val="0"/>
-              </a:spcAft>
-              <a:buClr>
-                <a:srgbClr val="000000"/>
-              </a:buClr>
-              <a:buFont typeface="Arial"/>
-              <a:defRPr sz="1400" b="0" i="0" u="none" strike="noStrike" cap="none">
-                <a:solidFill>
-                  <a:srgbClr val="000000"/>
-                </a:solidFill>
-                <a:latin typeface="Arial"/>
-                <a:ea typeface="Arial"/>
-                <a:cs typeface="Arial"/>
-                <a:sym typeface="Arial"/>
-              </a:defRPr>
-            </a:lvl1pPr>
-            <a:lvl2pPr marR="0" lvl="1" algn="l" rtl="0">
-              <a:lnSpc>
-                <a:spcPct val="100000"/>
-              </a:lnSpc>
-              <a:spcBef>
-                <a:spcPts val="0"/>
-              </a:spcBef>
-              <a:spcAft>
-                <a:spcPts val="0"/>
-              </a:spcAft>
-              <a:buClr>
-                <a:srgbClr val="000000"/>
-              </a:buClr>
-              <a:buFont typeface="Arial"/>
-              <a:defRPr sz="1400" b="0" i="0" u="none" strike="noStrike" cap="none">
-                <a:solidFill>
-                  <a:srgbClr val="000000"/>
-                </a:solidFill>
-                <a:latin typeface="Arial"/>
-                <a:ea typeface="Arial"/>
-                <a:cs typeface="Arial"/>
-                <a:sym typeface="Arial"/>
-              </a:defRPr>
-            </a:lvl2pPr>
-            <a:lvl3pPr marR="0" lvl="2" algn="l" rtl="0">
-              <a:lnSpc>
-                <a:spcPct val="100000"/>
-              </a:lnSpc>
-              <a:spcBef>
-                <a:spcPts val="0"/>
-              </a:spcBef>
-              <a:spcAft>
-                <a:spcPts val="0"/>
-              </a:spcAft>
-              <a:buClr>
-                <a:srgbClr val="000000"/>
-              </a:buClr>
-              <a:buFont typeface="Arial"/>
-              <a:defRPr sz="1400" b="0" i="0" u="none" strike="noStrike" cap="none">
-                <a:solidFill>
-                  <a:srgbClr val="000000"/>
-                </a:solidFill>
-                <a:latin typeface="Arial"/>
-                <a:ea typeface="Arial"/>
-                <a:cs typeface="Arial"/>
-                <a:sym typeface="Arial"/>
-              </a:defRPr>
-            </a:lvl3pPr>
-            <a:lvl4pPr marR="0" lvl="3" algn="l" rtl="0">
-              <a:lnSpc>
-                <a:spcPct val="100000"/>
-              </a:lnSpc>
-              <a:spcBef>
-                <a:spcPts val="0"/>
-              </a:spcBef>
-              <a:spcAft>
-                <a:spcPts val="0"/>
-              </a:spcAft>
-              <a:buClr>
-                <a:srgbClr val="000000"/>
-              </a:buClr>
-              <a:buFont typeface="Arial"/>
-              <a:defRPr sz="1400" b="0" i="0" u="none" strike="noStrike" cap="none">
-                <a:solidFill>
-                  <a:srgbClr val="000000"/>
-                </a:solidFill>
-                <a:latin typeface="Arial"/>
-                <a:ea typeface="Arial"/>
-                <a:cs typeface="Arial"/>
-                <a:sym typeface="Arial"/>
-              </a:defRPr>
-            </a:lvl4pPr>
-            <a:lvl5pPr marR="0" lvl="4" algn="l" rtl="0">
-              <a:lnSpc>
-                <a:spcPct val="100000"/>
-              </a:lnSpc>
-              <a:spcBef>
-                <a:spcPts val="0"/>
-              </a:spcBef>
-              <a:spcAft>
-                <a:spcPts val="0"/>
-              </a:spcAft>
-              <a:buClr>
-                <a:srgbClr val="000000"/>
-              </a:buClr>
-              <a:buFont typeface="Arial"/>
-              <a:defRPr sz="1400" b="0" i="0" u="none" strike="noStrike" cap="none">
-                <a:solidFill>
-                  <a:srgbClr val="000000"/>
-                </a:solidFill>
-                <a:latin typeface="Arial"/>
-                <a:ea typeface="Arial"/>
-                <a:cs typeface="Arial"/>
-                <a:sym typeface="Arial"/>
-              </a:defRPr>
-            </a:lvl5pPr>
-            <a:lvl6pPr marR="0" lvl="5" algn="l" rtl="0">
-              <a:lnSpc>
-                <a:spcPct val="100000"/>
-              </a:lnSpc>
-              <a:spcBef>
-                <a:spcPts val="0"/>
-              </a:spcBef>
-              <a:spcAft>
-                <a:spcPts val="0"/>
-              </a:spcAft>
-              <a:buClr>
-                <a:srgbClr val="000000"/>
-              </a:buClr>
-              <a:buFont typeface="Arial"/>
-              <a:defRPr sz="1400" b="0" i="0" u="none" strike="noStrike" cap="none">
-                <a:solidFill>
-                  <a:srgbClr val="000000"/>
-                </a:solidFill>
-                <a:latin typeface="Arial"/>
-                <a:ea typeface="Arial"/>
-                <a:cs typeface="Arial"/>
-                <a:sym typeface="Arial"/>
-              </a:defRPr>
-            </a:lvl6pPr>
-            <a:lvl7pPr marR="0" lvl="6" algn="l" rtl="0">
-              <a:lnSpc>
-                <a:spcPct val="100000"/>
-              </a:lnSpc>
-              <a:spcBef>
-                <a:spcPts val="0"/>
-              </a:spcBef>
-              <a:spcAft>
-                <a:spcPts val="0"/>
-              </a:spcAft>
-              <a:buClr>
-                <a:srgbClr val="000000"/>
-              </a:buClr>
-              <a:buFont typeface="Arial"/>
-              <a:defRPr sz="1400" b="0" i="0" u="none" strike="noStrike" cap="none">
-                <a:solidFill>
-                  <a:srgbClr val="000000"/>
-                </a:solidFill>
-                <a:latin typeface="Arial"/>
-                <a:ea typeface="Arial"/>
-                <a:cs typeface="Arial"/>
-                <a:sym typeface="Arial"/>
-              </a:defRPr>
-            </a:lvl7pPr>
-            <a:lvl8pPr marR="0" lvl="7" algn="l" rtl="0">
-              <a:lnSpc>
-                <a:spcPct val="100000"/>
-              </a:lnSpc>
-              <a:spcBef>
-                <a:spcPts val="0"/>
-              </a:spcBef>
-              <a:spcAft>
-                <a:spcPts val="0"/>
-              </a:spcAft>
-              <a:buClr>
-                <a:srgbClr val="000000"/>
-              </a:buClr>
-              <a:buFont typeface="Arial"/>
-              <a:defRPr sz="1400" b="0" i="0" u="none" strike="noStrike" cap="none">
-                <a:solidFill>
-                  <a:srgbClr val="000000"/>
-                </a:solidFill>
-                <a:latin typeface="Arial"/>
-                <a:ea typeface="Arial"/>
-                <a:cs typeface="Arial"/>
-                <a:sym typeface="Arial"/>
-              </a:defRPr>
-            </a:lvl8pPr>
-            <a:lvl9pPr marR="0" lvl="8" algn="l" rtl="0">
-              <a:lnSpc>
-                <a:spcPct val="100000"/>
-              </a:lnSpc>
-              <a:spcBef>
-                <a:spcPts val="0"/>
-              </a:spcBef>
-              <a:spcAft>
-                <a:spcPts val="0"/>
-              </a:spcAft>
-              <a:buClr>
-                <a:srgbClr val="000000"/>
-              </a:buClr>
-              <a:buFont typeface="Arial"/>
-              <a:defRPr sz="1400" b="0" i="0" u="none" strike="noStrike" cap="none">
-                <a:solidFill>
-                  <a:srgbClr val="000000"/>
-                </a:solidFill>
-                <a:latin typeface="Arial"/>
-                <a:ea typeface="Arial"/>
-                <a:cs typeface="Arial"/>
-                <a:sym typeface="Arial"/>
-              </a:defRPr>
-            </a:lvl9pPr>
-          </a:lstStyle>
-          <a:p>
-            <a:pPr marL="0" marR="0" lvl="0" indent="0" algn="ctr" defTabSz="914400" rtl="0" eaLnBrk="1" fontAlgn="auto" latinLnBrk="0" hangingPunct="1">
-              <a:lnSpc>
-                <a:spcPct val="100000"/>
-              </a:lnSpc>
-              <a:spcBef>
-                <a:spcPts val="0"/>
-              </a:spcBef>
-              <a:spcAft>
-                <a:spcPts val="0"/>
-              </a:spcAft>
-              <a:buClr>
-                <a:srgbClr val="000000"/>
-              </a:buClr>
-              <a:buSzTx/>
-              <a:buFont typeface="Arial"/>
-              <a:buNone/>
-              <a:tabLst/>
-              <a:defRPr/>
-            </a:pPr>
-            <a:r>
-              <a:rPr kumimoji="0" lang="en" sz="3200" b="0" i="0" u="none" strike="noStrike" kern="0" cap="none" spc="0" normalizeH="0" baseline="0" noProof="0" dirty="0">
-                <a:ln>
-                  <a:noFill/>
-                </a:ln>
-                <a:solidFill>
-                  <a:srgbClr val="000000"/>
-                </a:solidFill>
-                <a:effectLst/>
-                <a:uLnTx/>
-                <a:uFillTx/>
-                <a:latin typeface="Calibri" panose="020F0502020204030204" pitchFamily="34" charset="0"/>
-                <a:ea typeface="Calibri" panose="020F0502020204030204" pitchFamily="34" charset="0"/>
-                <a:cs typeface="Calibri" panose="020F0502020204030204" pitchFamily="34" charset="0"/>
-                <a:sym typeface="Catamaran"/>
-              </a:rPr>
-              <a:t>3</a:t>
-            </a:r>
-            <a:endParaRPr kumimoji="0" sz="3200" b="0" i="0" u="none" strike="noStrike" kern="0" cap="none" spc="0" normalizeH="0" baseline="0" noProof="0" dirty="0">
-              <a:ln>
-                <a:noFill/>
-              </a:ln>
-              <a:solidFill>
-                <a:srgbClr val="000000"/>
-              </a:solidFill>
-              <a:effectLst/>
-              <a:uLnTx/>
-              <a:uFillTx/>
-              <a:latin typeface="Calibri" panose="020F0502020204030204" pitchFamily="34" charset="0"/>
-              <a:ea typeface="Calibri" panose="020F0502020204030204" pitchFamily="34" charset="0"/>
-              <a:cs typeface="Calibri" panose="020F0502020204030204" pitchFamily="34" charset="0"/>
-              <a:sym typeface="Catamaran"/>
-            </a:endParaRPr>
-          </a:p>
-        </p:txBody>
-      </p:sp>
-      <p:cxnSp>
-        <p:nvCxnSpPr>
-          <p:cNvPr id="10" name="Google Shape;1382;p69">
-            <a:extLst>
-              <a:ext uri="{FF2B5EF4-FFF2-40B4-BE49-F238E27FC236}">
-                <a16:creationId xmlns:a16="http://schemas.microsoft.com/office/drawing/2014/main" id="{3EC1C0F9-1A98-B4F6-E478-D5313E412B55}"/>
-              </a:ext>
-            </a:extLst>
-          </p:cNvPr>
-          <p:cNvCxnSpPr>
-            <a:cxnSpLocks/>
-            <a:stCxn id="8" idx="5"/>
-            <a:endCxn id="9" idx="1"/>
-          </p:cNvCxnSpPr>
-          <p:nvPr/>
-        </p:nvCxnSpPr>
-        <p:spPr>
-          <a:xfrm>
-            <a:off x="2785917" y="4802246"/>
-            <a:ext cx="499685" cy="275582"/>
-          </a:xfrm>
-          <a:prstGeom prst="straightConnector1">
-            <a:avLst/>
-          </a:prstGeom>
-          <a:noFill/>
-          <a:ln w="9525" cap="flat" cmpd="sng">
-            <a:solidFill>
-              <a:schemeClr val="tx1"/>
-            </a:solidFill>
-            <a:prstDash val="solid"/>
-            <a:round/>
-            <a:headEnd type="none" w="med" len="med"/>
-            <a:tailEnd type="none" w="med" len="med"/>
-          </a:ln>
-        </p:spPr>
-      </p:cxnSp>
-      <p:sp>
-        <p:nvSpPr>
-          <p:cNvPr id="11" name="Google Shape;1378;p69">
-            <a:extLst>
-              <a:ext uri="{FF2B5EF4-FFF2-40B4-BE49-F238E27FC236}">
-                <a16:creationId xmlns:a16="http://schemas.microsoft.com/office/drawing/2014/main" id="{CABD4BC9-53F3-B0F8-335A-9D566FE6A485}"/>
-              </a:ext>
-            </a:extLst>
-          </p:cNvPr>
-          <p:cNvSpPr/>
-          <p:nvPr/>
-        </p:nvSpPr>
-        <p:spPr>
-          <a:xfrm>
-            <a:off x="3968100" y="5581916"/>
-            <a:ext cx="603900" cy="603900"/>
-          </a:xfrm>
-          <a:prstGeom prst="ellipse">
-            <a:avLst/>
-          </a:prstGeom>
-          <a:solidFill>
-            <a:srgbClr val="EEEEEE"/>
-          </a:solidFill>
-          <a:ln>
-            <a:solidFill>
-              <a:schemeClr val="tx1"/>
-            </a:solidFill>
-          </a:ln>
-        </p:spPr>
-        <p:txBody>
-          <a:bodyPr spcFirstLastPara="1" wrap="square" lIns="91425" tIns="91425" rIns="91425" bIns="91425" anchor="ctr" anchorCtr="0">
-            <a:noAutofit/>
-          </a:bodyPr>
-          <a:lstStyle>
-            <a:defPPr marR="0" lvl="0" algn="l" rtl="0">
-              <a:lnSpc>
-                <a:spcPct val="100000"/>
-              </a:lnSpc>
-              <a:spcBef>
-                <a:spcPts val="0"/>
-              </a:spcBef>
-              <a:spcAft>
-                <a:spcPts val="0"/>
-              </a:spcAft>
-            </a:defPPr>
-            <a:lvl1pPr marR="0" lvl="0" algn="l" rtl="0">
-              <a:lnSpc>
-                <a:spcPct val="100000"/>
-              </a:lnSpc>
-              <a:spcBef>
-                <a:spcPts val="0"/>
-              </a:spcBef>
-              <a:spcAft>
-                <a:spcPts val="0"/>
-              </a:spcAft>
-              <a:buClr>
-                <a:srgbClr val="000000"/>
-              </a:buClr>
-              <a:buFont typeface="Arial"/>
-              <a:defRPr sz="1400" b="0" i="0" u="none" strike="noStrike" cap="none">
-                <a:solidFill>
-                  <a:srgbClr val="000000"/>
-                </a:solidFill>
-                <a:latin typeface="Arial"/>
-                <a:ea typeface="Arial"/>
-                <a:cs typeface="Arial"/>
-                <a:sym typeface="Arial"/>
-              </a:defRPr>
-            </a:lvl1pPr>
-            <a:lvl2pPr marR="0" lvl="1" algn="l" rtl="0">
-              <a:lnSpc>
-                <a:spcPct val="100000"/>
-              </a:lnSpc>
-              <a:spcBef>
-                <a:spcPts val="0"/>
-              </a:spcBef>
-              <a:spcAft>
-                <a:spcPts val="0"/>
-              </a:spcAft>
-              <a:buClr>
-                <a:srgbClr val="000000"/>
-              </a:buClr>
-              <a:buFont typeface="Arial"/>
-              <a:defRPr sz="1400" b="0" i="0" u="none" strike="noStrike" cap="none">
-                <a:solidFill>
-                  <a:srgbClr val="000000"/>
-                </a:solidFill>
-                <a:latin typeface="Arial"/>
-                <a:ea typeface="Arial"/>
-                <a:cs typeface="Arial"/>
-                <a:sym typeface="Arial"/>
-              </a:defRPr>
-            </a:lvl2pPr>
-            <a:lvl3pPr marR="0" lvl="2" algn="l" rtl="0">
-              <a:lnSpc>
-                <a:spcPct val="100000"/>
-              </a:lnSpc>
-              <a:spcBef>
-                <a:spcPts val="0"/>
-              </a:spcBef>
-              <a:spcAft>
-                <a:spcPts val="0"/>
-              </a:spcAft>
-              <a:buClr>
-                <a:srgbClr val="000000"/>
-              </a:buClr>
-              <a:buFont typeface="Arial"/>
-              <a:defRPr sz="1400" b="0" i="0" u="none" strike="noStrike" cap="none">
-                <a:solidFill>
-                  <a:srgbClr val="000000"/>
-                </a:solidFill>
-                <a:latin typeface="Arial"/>
-                <a:ea typeface="Arial"/>
-                <a:cs typeface="Arial"/>
-                <a:sym typeface="Arial"/>
-              </a:defRPr>
-            </a:lvl3pPr>
-            <a:lvl4pPr marR="0" lvl="3" algn="l" rtl="0">
-              <a:lnSpc>
-                <a:spcPct val="100000"/>
-              </a:lnSpc>
-              <a:spcBef>
-                <a:spcPts val="0"/>
-              </a:spcBef>
-              <a:spcAft>
-                <a:spcPts val="0"/>
-              </a:spcAft>
-              <a:buClr>
-                <a:srgbClr val="000000"/>
-              </a:buClr>
-              <a:buFont typeface="Arial"/>
-              <a:defRPr sz="1400" b="0" i="0" u="none" strike="noStrike" cap="none">
-                <a:solidFill>
-                  <a:srgbClr val="000000"/>
-                </a:solidFill>
-                <a:latin typeface="Arial"/>
-                <a:ea typeface="Arial"/>
-                <a:cs typeface="Arial"/>
-                <a:sym typeface="Arial"/>
-              </a:defRPr>
-            </a:lvl4pPr>
-            <a:lvl5pPr marR="0" lvl="4" algn="l" rtl="0">
-              <a:lnSpc>
-                <a:spcPct val="100000"/>
-              </a:lnSpc>
-              <a:spcBef>
-                <a:spcPts val="0"/>
-              </a:spcBef>
-              <a:spcAft>
-                <a:spcPts val="0"/>
-              </a:spcAft>
-              <a:buClr>
-                <a:srgbClr val="000000"/>
-              </a:buClr>
-              <a:buFont typeface="Arial"/>
-              <a:defRPr sz="1400" b="0" i="0" u="none" strike="noStrike" cap="none">
-                <a:solidFill>
-                  <a:srgbClr val="000000"/>
-                </a:solidFill>
-                <a:latin typeface="Arial"/>
-                <a:ea typeface="Arial"/>
-                <a:cs typeface="Arial"/>
-                <a:sym typeface="Arial"/>
-              </a:defRPr>
-            </a:lvl5pPr>
-            <a:lvl6pPr marR="0" lvl="5" algn="l" rtl="0">
-              <a:lnSpc>
-                <a:spcPct val="100000"/>
-              </a:lnSpc>
-              <a:spcBef>
-                <a:spcPts val="0"/>
-              </a:spcBef>
-              <a:spcAft>
-                <a:spcPts val="0"/>
-              </a:spcAft>
-              <a:buClr>
-                <a:srgbClr val="000000"/>
-              </a:buClr>
-              <a:buFont typeface="Arial"/>
-              <a:defRPr sz="1400" b="0" i="0" u="none" strike="noStrike" cap="none">
-                <a:solidFill>
-                  <a:srgbClr val="000000"/>
-                </a:solidFill>
-                <a:latin typeface="Arial"/>
-                <a:ea typeface="Arial"/>
-                <a:cs typeface="Arial"/>
-                <a:sym typeface="Arial"/>
-              </a:defRPr>
-            </a:lvl6pPr>
-            <a:lvl7pPr marR="0" lvl="6" algn="l" rtl="0">
-              <a:lnSpc>
-                <a:spcPct val="100000"/>
-              </a:lnSpc>
-              <a:spcBef>
-                <a:spcPts val="0"/>
-              </a:spcBef>
-              <a:spcAft>
-                <a:spcPts val="0"/>
-              </a:spcAft>
-              <a:buClr>
-                <a:srgbClr val="000000"/>
-              </a:buClr>
-              <a:buFont typeface="Arial"/>
-              <a:defRPr sz="1400" b="0" i="0" u="none" strike="noStrike" cap="none">
-                <a:solidFill>
-                  <a:srgbClr val="000000"/>
-                </a:solidFill>
-                <a:latin typeface="Arial"/>
-                <a:ea typeface="Arial"/>
-                <a:cs typeface="Arial"/>
-                <a:sym typeface="Arial"/>
-              </a:defRPr>
-            </a:lvl7pPr>
-            <a:lvl8pPr marR="0" lvl="7" algn="l" rtl="0">
-              <a:lnSpc>
-                <a:spcPct val="100000"/>
-              </a:lnSpc>
-              <a:spcBef>
-                <a:spcPts val="0"/>
-              </a:spcBef>
-              <a:spcAft>
-                <a:spcPts val="0"/>
-              </a:spcAft>
-              <a:buClr>
-                <a:srgbClr val="000000"/>
-              </a:buClr>
-              <a:buFont typeface="Arial"/>
-              <a:defRPr sz="1400" b="0" i="0" u="none" strike="noStrike" cap="none">
-                <a:solidFill>
-                  <a:srgbClr val="000000"/>
-                </a:solidFill>
-                <a:latin typeface="Arial"/>
-                <a:ea typeface="Arial"/>
-                <a:cs typeface="Arial"/>
-                <a:sym typeface="Arial"/>
-              </a:defRPr>
-            </a:lvl8pPr>
-            <a:lvl9pPr marR="0" lvl="8" algn="l" rtl="0">
-              <a:lnSpc>
-                <a:spcPct val="100000"/>
-              </a:lnSpc>
-              <a:spcBef>
-                <a:spcPts val="0"/>
-              </a:spcBef>
-              <a:spcAft>
-                <a:spcPts val="0"/>
-              </a:spcAft>
-              <a:buClr>
-                <a:srgbClr val="000000"/>
-              </a:buClr>
-              <a:buFont typeface="Arial"/>
-              <a:defRPr sz="1400" b="0" i="0" u="none" strike="noStrike" cap="none">
-                <a:solidFill>
-                  <a:srgbClr val="000000"/>
-                </a:solidFill>
-                <a:latin typeface="Arial"/>
-                <a:ea typeface="Arial"/>
-                <a:cs typeface="Arial"/>
-                <a:sym typeface="Arial"/>
-              </a:defRPr>
-            </a:lvl9pPr>
-          </a:lstStyle>
-          <a:p>
-            <a:pPr marL="0" marR="0" lvl="0" indent="0" algn="ctr" defTabSz="914400" rtl="0" eaLnBrk="1" fontAlgn="auto" latinLnBrk="0" hangingPunct="1">
-              <a:lnSpc>
-                <a:spcPct val="100000"/>
-              </a:lnSpc>
-              <a:spcBef>
-                <a:spcPts val="0"/>
-              </a:spcBef>
-              <a:spcAft>
-                <a:spcPts val="0"/>
-              </a:spcAft>
-              <a:buClr>
-                <a:srgbClr val="000000"/>
-              </a:buClr>
-              <a:buSzTx/>
-              <a:buFont typeface="Arial"/>
-              <a:buNone/>
-              <a:tabLst/>
-              <a:defRPr/>
-            </a:pPr>
-            <a:r>
-              <a:rPr kumimoji="0" lang="en" sz="3200" b="0" i="0" u="none" strike="noStrike" kern="0" cap="none" spc="0" normalizeH="0" baseline="0" noProof="0" dirty="0">
-                <a:ln>
-                  <a:noFill/>
-                </a:ln>
-                <a:solidFill>
-                  <a:srgbClr val="000000"/>
-                </a:solidFill>
-                <a:effectLst/>
-                <a:uLnTx/>
-                <a:uFillTx/>
-                <a:latin typeface="Calibri" panose="020F0502020204030204" pitchFamily="34" charset="0"/>
-                <a:ea typeface="Calibri" panose="020F0502020204030204" pitchFamily="34" charset="0"/>
-                <a:cs typeface="Calibri" panose="020F0502020204030204" pitchFamily="34" charset="0"/>
-                <a:sym typeface="Catamaran"/>
-              </a:rPr>
-              <a:t>6</a:t>
-            </a:r>
-            <a:endParaRPr kumimoji="0" sz="3200" b="0" i="0" u="none" strike="noStrike" kern="0" cap="none" spc="0" normalizeH="0" baseline="0" noProof="0" dirty="0">
-              <a:ln>
-                <a:noFill/>
-              </a:ln>
-              <a:solidFill>
-                <a:srgbClr val="000000"/>
-              </a:solidFill>
-              <a:effectLst/>
-              <a:uLnTx/>
-              <a:uFillTx/>
-              <a:latin typeface="Calibri" panose="020F0502020204030204" pitchFamily="34" charset="0"/>
-              <a:ea typeface="Calibri" panose="020F0502020204030204" pitchFamily="34" charset="0"/>
-              <a:cs typeface="Calibri" panose="020F0502020204030204" pitchFamily="34" charset="0"/>
-              <a:sym typeface="Catamaran"/>
-            </a:endParaRPr>
-          </a:p>
-        </p:txBody>
-      </p:sp>
-      <p:cxnSp>
-        <p:nvCxnSpPr>
-          <p:cNvPr id="12" name="Google Shape;1387;p69">
-            <a:extLst>
-              <a:ext uri="{FF2B5EF4-FFF2-40B4-BE49-F238E27FC236}">
-                <a16:creationId xmlns:a16="http://schemas.microsoft.com/office/drawing/2014/main" id="{16EC9161-F0A6-5972-FDB3-E862090C6F6C}"/>
-              </a:ext>
-            </a:extLst>
-          </p:cNvPr>
-          <p:cNvCxnSpPr>
-            <a:cxnSpLocks/>
-            <a:stCxn id="11" idx="1"/>
-            <a:endCxn id="9" idx="5"/>
-          </p:cNvCxnSpPr>
-          <p:nvPr/>
-        </p:nvCxnSpPr>
-        <p:spPr>
-          <a:xfrm flipH="1" flipV="1">
-            <a:off x="3712624" y="5504850"/>
-            <a:ext cx="343915" cy="165505"/>
-          </a:xfrm>
-          <a:prstGeom prst="straightConnector1">
-            <a:avLst/>
-          </a:prstGeom>
-          <a:noFill/>
-          <a:ln w="9525" cap="flat" cmpd="sng">
-            <a:solidFill>
-              <a:schemeClr val="tx1"/>
-            </a:solidFill>
-            <a:prstDash val="solid"/>
-            <a:round/>
-            <a:headEnd type="none" w="med" len="med"/>
-            <a:tailEnd type="none" w="med" len="med"/>
-          </a:ln>
-        </p:spPr>
-      </p:cxnSp>
-      <p:sp>
-        <p:nvSpPr>
-          <p:cNvPr id="13" name="Google Shape;1376;p69">
-            <a:extLst>
-              <a:ext uri="{FF2B5EF4-FFF2-40B4-BE49-F238E27FC236}">
-                <a16:creationId xmlns:a16="http://schemas.microsoft.com/office/drawing/2014/main" id="{5C587809-D4D9-9C61-BBD4-12DAE822C9B0}"/>
-              </a:ext>
-            </a:extLst>
-          </p:cNvPr>
-          <p:cNvSpPr/>
-          <p:nvPr/>
-        </p:nvSpPr>
-        <p:spPr>
-          <a:xfrm>
-            <a:off x="1418604" y="4892111"/>
-            <a:ext cx="603900" cy="603900"/>
-          </a:xfrm>
-          <a:prstGeom prst="ellipse">
-            <a:avLst/>
-          </a:prstGeom>
-          <a:solidFill>
-            <a:srgbClr val="EEEEEE"/>
-          </a:solidFill>
-          <a:ln>
-            <a:solidFill>
-              <a:schemeClr val="tx1"/>
-            </a:solidFill>
-          </a:ln>
-        </p:spPr>
-        <p:txBody>
-          <a:bodyPr spcFirstLastPara="1" wrap="square" lIns="91425" tIns="91425" rIns="91425" bIns="91425" anchor="ctr" anchorCtr="0">
-            <a:noAutofit/>
-          </a:bodyPr>
-          <a:lstStyle>
-            <a:defPPr marR="0" lvl="0" algn="l" rtl="0">
-              <a:lnSpc>
-                <a:spcPct val="100000"/>
-              </a:lnSpc>
-              <a:spcBef>
-                <a:spcPts val="0"/>
-              </a:spcBef>
-              <a:spcAft>
-                <a:spcPts val="0"/>
-              </a:spcAft>
-            </a:defPPr>
-            <a:lvl1pPr marR="0" lvl="0" algn="l" rtl="0">
-              <a:lnSpc>
-                <a:spcPct val="100000"/>
-              </a:lnSpc>
-              <a:spcBef>
-                <a:spcPts val="0"/>
-              </a:spcBef>
-              <a:spcAft>
-                <a:spcPts val="0"/>
-              </a:spcAft>
-              <a:buClr>
-                <a:srgbClr val="000000"/>
-              </a:buClr>
-              <a:buFont typeface="Arial"/>
-              <a:defRPr sz="1400" b="0" i="0" u="none" strike="noStrike" cap="none">
-                <a:solidFill>
-                  <a:srgbClr val="000000"/>
-                </a:solidFill>
-                <a:latin typeface="Arial"/>
-                <a:ea typeface="Arial"/>
-                <a:cs typeface="Arial"/>
-                <a:sym typeface="Arial"/>
-              </a:defRPr>
-            </a:lvl1pPr>
-            <a:lvl2pPr marR="0" lvl="1" algn="l" rtl="0">
-              <a:lnSpc>
-                <a:spcPct val="100000"/>
-              </a:lnSpc>
-              <a:spcBef>
-                <a:spcPts val="0"/>
-              </a:spcBef>
-              <a:spcAft>
-                <a:spcPts val="0"/>
-              </a:spcAft>
-              <a:buClr>
-                <a:srgbClr val="000000"/>
-              </a:buClr>
-              <a:buFont typeface="Arial"/>
-              <a:defRPr sz="1400" b="0" i="0" u="none" strike="noStrike" cap="none">
-                <a:solidFill>
-                  <a:srgbClr val="000000"/>
-                </a:solidFill>
-                <a:latin typeface="Arial"/>
-                <a:ea typeface="Arial"/>
-                <a:cs typeface="Arial"/>
-                <a:sym typeface="Arial"/>
-              </a:defRPr>
-            </a:lvl2pPr>
-            <a:lvl3pPr marR="0" lvl="2" algn="l" rtl="0">
-              <a:lnSpc>
-                <a:spcPct val="100000"/>
-              </a:lnSpc>
-              <a:spcBef>
-                <a:spcPts val="0"/>
-              </a:spcBef>
-              <a:spcAft>
-                <a:spcPts val="0"/>
-              </a:spcAft>
-              <a:buClr>
-                <a:srgbClr val="000000"/>
-              </a:buClr>
-              <a:buFont typeface="Arial"/>
-              <a:defRPr sz="1400" b="0" i="0" u="none" strike="noStrike" cap="none">
-                <a:solidFill>
-                  <a:srgbClr val="000000"/>
-                </a:solidFill>
-                <a:latin typeface="Arial"/>
-                <a:ea typeface="Arial"/>
-                <a:cs typeface="Arial"/>
-                <a:sym typeface="Arial"/>
-              </a:defRPr>
-            </a:lvl3pPr>
-            <a:lvl4pPr marR="0" lvl="3" algn="l" rtl="0">
-              <a:lnSpc>
-                <a:spcPct val="100000"/>
-              </a:lnSpc>
-              <a:spcBef>
-                <a:spcPts val="0"/>
-              </a:spcBef>
-              <a:spcAft>
-                <a:spcPts val="0"/>
-              </a:spcAft>
-              <a:buClr>
-                <a:srgbClr val="000000"/>
-              </a:buClr>
-              <a:buFont typeface="Arial"/>
-              <a:defRPr sz="1400" b="0" i="0" u="none" strike="noStrike" cap="none">
-                <a:solidFill>
-                  <a:srgbClr val="000000"/>
-                </a:solidFill>
-                <a:latin typeface="Arial"/>
-                <a:ea typeface="Arial"/>
-                <a:cs typeface="Arial"/>
-                <a:sym typeface="Arial"/>
-              </a:defRPr>
-            </a:lvl4pPr>
-            <a:lvl5pPr marR="0" lvl="4" algn="l" rtl="0">
-              <a:lnSpc>
-                <a:spcPct val="100000"/>
-              </a:lnSpc>
-              <a:spcBef>
-                <a:spcPts val="0"/>
-              </a:spcBef>
-              <a:spcAft>
-                <a:spcPts val="0"/>
-              </a:spcAft>
-              <a:buClr>
-                <a:srgbClr val="000000"/>
-              </a:buClr>
-              <a:buFont typeface="Arial"/>
-              <a:defRPr sz="1400" b="0" i="0" u="none" strike="noStrike" cap="none">
-                <a:solidFill>
-                  <a:srgbClr val="000000"/>
-                </a:solidFill>
-                <a:latin typeface="Arial"/>
-                <a:ea typeface="Arial"/>
-                <a:cs typeface="Arial"/>
-                <a:sym typeface="Arial"/>
-              </a:defRPr>
-            </a:lvl5pPr>
-            <a:lvl6pPr marR="0" lvl="5" algn="l" rtl="0">
-              <a:lnSpc>
-                <a:spcPct val="100000"/>
-              </a:lnSpc>
-              <a:spcBef>
-                <a:spcPts val="0"/>
-              </a:spcBef>
-              <a:spcAft>
-                <a:spcPts val="0"/>
-              </a:spcAft>
-              <a:buClr>
-                <a:srgbClr val="000000"/>
-              </a:buClr>
-              <a:buFont typeface="Arial"/>
-              <a:defRPr sz="1400" b="0" i="0" u="none" strike="noStrike" cap="none">
-                <a:solidFill>
-                  <a:srgbClr val="000000"/>
-                </a:solidFill>
-                <a:latin typeface="Arial"/>
-                <a:ea typeface="Arial"/>
-                <a:cs typeface="Arial"/>
-                <a:sym typeface="Arial"/>
-              </a:defRPr>
-            </a:lvl6pPr>
-            <a:lvl7pPr marR="0" lvl="6" algn="l" rtl="0">
-              <a:lnSpc>
-                <a:spcPct val="100000"/>
-              </a:lnSpc>
-              <a:spcBef>
-                <a:spcPts val="0"/>
-              </a:spcBef>
-              <a:spcAft>
-                <a:spcPts val="0"/>
-              </a:spcAft>
-              <a:buClr>
-                <a:srgbClr val="000000"/>
-              </a:buClr>
-              <a:buFont typeface="Arial"/>
-              <a:defRPr sz="1400" b="0" i="0" u="none" strike="noStrike" cap="none">
-                <a:solidFill>
-                  <a:srgbClr val="000000"/>
-                </a:solidFill>
-                <a:latin typeface="Arial"/>
-                <a:ea typeface="Arial"/>
-                <a:cs typeface="Arial"/>
-                <a:sym typeface="Arial"/>
-              </a:defRPr>
-            </a:lvl7pPr>
-            <a:lvl8pPr marR="0" lvl="7" algn="l" rtl="0">
-              <a:lnSpc>
-                <a:spcPct val="100000"/>
-              </a:lnSpc>
-              <a:spcBef>
-                <a:spcPts val="0"/>
-              </a:spcBef>
-              <a:spcAft>
-                <a:spcPts val="0"/>
-              </a:spcAft>
-              <a:buClr>
-                <a:srgbClr val="000000"/>
-              </a:buClr>
-              <a:buFont typeface="Arial"/>
-              <a:defRPr sz="1400" b="0" i="0" u="none" strike="noStrike" cap="none">
-                <a:solidFill>
-                  <a:srgbClr val="000000"/>
-                </a:solidFill>
-                <a:latin typeface="Arial"/>
-                <a:ea typeface="Arial"/>
-                <a:cs typeface="Arial"/>
-                <a:sym typeface="Arial"/>
-              </a:defRPr>
-            </a:lvl8pPr>
-            <a:lvl9pPr marR="0" lvl="8" algn="l" rtl="0">
-              <a:lnSpc>
-                <a:spcPct val="100000"/>
-              </a:lnSpc>
-              <a:spcBef>
-                <a:spcPts val="0"/>
-              </a:spcBef>
-              <a:spcAft>
-                <a:spcPts val="0"/>
-              </a:spcAft>
-              <a:buClr>
-                <a:srgbClr val="000000"/>
-              </a:buClr>
-              <a:buFont typeface="Arial"/>
-              <a:defRPr sz="1400" b="0" i="0" u="none" strike="noStrike" cap="none">
-                <a:solidFill>
-                  <a:srgbClr val="000000"/>
-                </a:solidFill>
-                <a:latin typeface="Arial"/>
-                <a:ea typeface="Arial"/>
-                <a:cs typeface="Arial"/>
-                <a:sym typeface="Arial"/>
-              </a:defRPr>
-            </a:lvl9pPr>
-          </a:lstStyle>
-          <a:p>
-            <a:pPr marL="0" marR="0" lvl="0" indent="0" algn="ctr" defTabSz="914400" rtl="0" eaLnBrk="1" fontAlgn="auto" latinLnBrk="0" hangingPunct="1">
-              <a:lnSpc>
-                <a:spcPct val="100000"/>
-              </a:lnSpc>
-              <a:spcBef>
-                <a:spcPts val="0"/>
-              </a:spcBef>
-              <a:spcAft>
-                <a:spcPts val="0"/>
-              </a:spcAft>
-              <a:buClr>
-                <a:srgbClr val="000000"/>
-              </a:buClr>
-              <a:buSzTx/>
-              <a:buFont typeface="Arial"/>
-              <a:buNone/>
-              <a:tabLst/>
-              <a:defRPr/>
-            </a:pPr>
-            <a:r>
-              <a:rPr kumimoji="0" lang="en" sz="3200" b="0" i="0" u="none" strike="noStrike" kern="0" cap="none" spc="0" normalizeH="0" baseline="0" noProof="0" dirty="0">
-                <a:ln>
-                  <a:noFill/>
-                </a:ln>
-                <a:solidFill>
-                  <a:srgbClr val="000000"/>
-                </a:solidFill>
-                <a:effectLst/>
-                <a:uLnTx/>
-                <a:uFillTx/>
-                <a:latin typeface="Calibri" panose="020F0502020204030204" pitchFamily="34" charset="0"/>
-                <a:ea typeface="Calibri" panose="020F0502020204030204" pitchFamily="34" charset="0"/>
-                <a:cs typeface="Calibri" panose="020F0502020204030204" pitchFamily="34" charset="0"/>
-                <a:sym typeface="Catamaran"/>
-              </a:rPr>
-              <a:t>2</a:t>
-            </a:r>
-            <a:endParaRPr kumimoji="0" sz="3200" b="0" i="0" u="none" strike="noStrike" kern="0" cap="none" spc="0" normalizeH="0" baseline="0" noProof="0" dirty="0">
-              <a:ln>
-                <a:noFill/>
-              </a:ln>
-              <a:solidFill>
-                <a:srgbClr val="000000"/>
-              </a:solidFill>
-              <a:effectLst/>
-              <a:uLnTx/>
-              <a:uFillTx/>
-              <a:latin typeface="Calibri" panose="020F0502020204030204" pitchFamily="34" charset="0"/>
-              <a:ea typeface="Calibri" panose="020F0502020204030204" pitchFamily="34" charset="0"/>
-              <a:cs typeface="Calibri" panose="020F0502020204030204" pitchFamily="34" charset="0"/>
-              <a:sym typeface="Catamaran"/>
-            </a:endParaRPr>
-          </a:p>
-        </p:txBody>
-      </p:sp>
-      <p:cxnSp>
-        <p:nvCxnSpPr>
-          <p:cNvPr id="14" name="Google Shape;1382;p69">
-            <a:extLst>
-              <a:ext uri="{FF2B5EF4-FFF2-40B4-BE49-F238E27FC236}">
-                <a16:creationId xmlns:a16="http://schemas.microsoft.com/office/drawing/2014/main" id="{C42C14E0-086C-2CF8-0D75-69A8D610D43B}"/>
-              </a:ext>
-            </a:extLst>
-          </p:cNvPr>
-          <p:cNvCxnSpPr>
-            <a:cxnSpLocks/>
-            <a:endCxn id="13" idx="7"/>
-          </p:cNvCxnSpPr>
-          <p:nvPr/>
-        </p:nvCxnSpPr>
-        <p:spPr>
-          <a:xfrm flipH="1">
-            <a:off x="1934065" y="4795547"/>
-            <a:ext cx="418038" cy="185003"/>
-          </a:xfrm>
-          <a:prstGeom prst="straightConnector1">
-            <a:avLst/>
-          </a:prstGeom>
-          <a:noFill/>
-          <a:ln w="9525" cap="flat" cmpd="sng">
-            <a:solidFill>
-              <a:schemeClr val="tx1"/>
-            </a:solidFill>
-            <a:prstDash val="solid"/>
-            <a:round/>
-            <a:headEnd type="none" w="med" len="med"/>
-            <a:tailEnd type="none" w="med" len="med"/>
-          </a:ln>
-        </p:spPr>
-      </p:cxnSp>
-      <p:sp>
-        <p:nvSpPr>
-          <p:cNvPr id="15" name="Google Shape;1376;p69">
-            <a:extLst>
-              <a:ext uri="{FF2B5EF4-FFF2-40B4-BE49-F238E27FC236}">
-                <a16:creationId xmlns:a16="http://schemas.microsoft.com/office/drawing/2014/main" id="{8C8242A9-14EC-42F2-E3C9-16BD7B1E64DB}"/>
-              </a:ext>
-            </a:extLst>
-          </p:cNvPr>
-          <p:cNvSpPr/>
-          <p:nvPr/>
-        </p:nvSpPr>
-        <p:spPr>
-          <a:xfrm>
-            <a:off x="638790" y="5517503"/>
-            <a:ext cx="603900" cy="603900"/>
-          </a:xfrm>
-          <a:prstGeom prst="ellipse">
-            <a:avLst/>
-          </a:prstGeom>
-          <a:solidFill>
-            <a:srgbClr val="EEEEEE"/>
-          </a:solidFill>
-          <a:ln>
-            <a:solidFill>
-              <a:schemeClr val="tx1"/>
-            </a:solidFill>
-          </a:ln>
-        </p:spPr>
-        <p:txBody>
-          <a:bodyPr spcFirstLastPara="1" wrap="square" lIns="91425" tIns="91425" rIns="91425" bIns="91425" anchor="ctr" anchorCtr="0">
-            <a:noAutofit/>
-          </a:bodyPr>
-          <a:lstStyle>
-            <a:defPPr marR="0" lvl="0" algn="l" rtl="0">
-              <a:lnSpc>
-                <a:spcPct val="100000"/>
-              </a:lnSpc>
-              <a:spcBef>
-                <a:spcPts val="0"/>
-              </a:spcBef>
-              <a:spcAft>
-                <a:spcPts val="0"/>
-              </a:spcAft>
-            </a:defPPr>
-            <a:lvl1pPr marR="0" lvl="0" algn="l" rtl="0">
-              <a:lnSpc>
-                <a:spcPct val="100000"/>
-              </a:lnSpc>
-              <a:spcBef>
-                <a:spcPts val="0"/>
-              </a:spcBef>
-              <a:spcAft>
-                <a:spcPts val="0"/>
-              </a:spcAft>
-              <a:buClr>
-                <a:srgbClr val="000000"/>
-              </a:buClr>
-              <a:buFont typeface="Arial"/>
-              <a:defRPr sz="1400" b="0" i="0" u="none" strike="noStrike" cap="none">
-                <a:solidFill>
-                  <a:srgbClr val="000000"/>
-                </a:solidFill>
-                <a:latin typeface="Arial"/>
-                <a:ea typeface="Arial"/>
-                <a:cs typeface="Arial"/>
-                <a:sym typeface="Arial"/>
-              </a:defRPr>
-            </a:lvl1pPr>
-            <a:lvl2pPr marR="0" lvl="1" algn="l" rtl="0">
-              <a:lnSpc>
-                <a:spcPct val="100000"/>
-              </a:lnSpc>
-              <a:spcBef>
-                <a:spcPts val="0"/>
-              </a:spcBef>
-              <a:spcAft>
-                <a:spcPts val="0"/>
-              </a:spcAft>
-              <a:buClr>
-                <a:srgbClr val="000000"/>
-              </a:buClr>
-              <a:buFont typeface="Arial"/>
-              <a:defRPr sz="1400" b="0" i="0" u="none" strike="noStrike" cap="none">
-                <a:solidFill>
-                  <a:srgbClr val="000000"/>
-                </a:solidFill>
-                <a:latin typeface="Arial"/>
-                <a:ea typeface="Arial"/>
-                <a:cs typeface="Arial"/>
-                <a:sym typeface="Arial"/>
-              </a:defRPr>
-            </a:lvl2pPr>
-            <a:lvl3pPr marR="0" lvl="2" algn="l" rtl="0">
-              <a:lnSpc>
-                <a:spcPct val="100000"/>
-              </a:lnSpc>
-              <a:spcBef>
-                <a:spcPts val="0"/>
-              </a:spcBef>
-              <a:spcAft>
-                <a:spcPts val="0"/>
-              </a:spcAft>
-              <a:buClr>
-                <a:srgbClr val="000000"/>
-              </a:buClr>
-              <a:buFont typeface="Arial"/>
-              <a:defRPr sz="1400" b="0" i="0" u="none" strike="noStrike" cap="none">
-                <a:solidFill>
-                  <a:srgbClr val="000000"/>
-                </a:solidFill>
-                <a:latin typeface="Arial"/>
-                <a:ea typeface="Arial"/>
-                <a:cs typeface="Arial"/>
-                <a:sym typeface="Arial"/>
-              </a:defRPr>
-            </a:lvl3pPr>
-            <a:lvl4pPr marR="0" lvl="3" algn="l" rtl="0">
-              <a:lnSpc>
-                <a:spcPct val="100000"/>
-              </a:lnSpc>
-              <a:spcBef>
-                <a:spcPts val="0"/>
-              </a:spcBef>
-              <a:spcAft>
-                <a:spcPts val="0"/>
-              </a:spcAft>
-              <a:buClr>
-                <a:srgbClr val="000000"/>
-              </a:buClr>
-              <a:buFont typeface="Arial"/>
-              <a:defRPr sz="1400" b="0" i="0" u="none" strike="noStrike" cap="none">
-                <a:solidFill>
-                  <a:srgbClr val="000000"/>
-                </a:solidFill>
-                <a:latin typeface="Arial"/>
-                <a:ea typeface="Arial"/>
-                <a:cs typeface="Arial"/>
-                <a:sym typeface="Arial"/>
-              </a:defRPr>
-            </a:lvl4pPr>
-            <a:lvl5pPr marR="0" lvl="4" algn="l" rtl="0">
-              <a:lnSpc>
-                <a:spcPct val="100000"/>
-              </a:lnSpc>
-              <a:spcBef>
-                <a:spcPts val="0"/>
-              </a:spcBef>
-              <a:spcAft>
-                <a:spcPts val="0"/>
-              </a:spcAft>
-              <a:buClr>
-                <a:srgbClr val="000000"/>
-              </a:buClr>
-              <a:buFont typeface="Arial"/>
-              <a:defRPr sz="1400" b="0" i="0" u="none" strike="noStrike" cap="none">
-                <a:solidFill>
-                  <a:srgbClr val="000000"/>
-                </a:solidFill>
-                <a:latin typeface="Arial"/>
-                <a:ea typeface="Arial"/>
-                <a:cs typeface="Arial"/>
-                <a:sym typeface="Arial"/>
-              </a:defRPr>
-            </a:lvl5pPr>
-            <a:lvl6pPr marR="0" lvl="5" algn="l" rtl="0">
-              <a:lnSpc>
-                <a:spcPct val="100000"/>
-              </a:lnSpc>
-              <a:spcBef>
-                <a:spcPts val="0"/>
-              </a:spcBef>
-              <a:spcAft>
-                <a:spcPts val="0"/>
-              </a:spcAft>
-              <a:buClr>
-                <a:srgbClr val="000000"/>
-              </a:buClr>
-              <a:buFont typeface="Arial"/>
-              <a:defRPr sz="1400" b="0" i="0" u="none" strike="noStrike" cap="none">
-                <a:solidFill>
-                  <a:srgbClr val="000000"/>
-                </a:solidFill>
-                <a:latin typeface="Arial"/>
-                <a:ea typeface="Arial"/>
-                <a:cs typeface="Arial"/>
-                <a:sym typeface="Arial"/>
-              </a:defRPr>
-            </a:lvl6pPr>
-            <a:lvl7pPr marR="0" lvl="6" algn="l" rtl="0">
-              <a:lnSpc>
-                <a:spcPct val="100000"/>
-              </a:lnSpc>
-              <a:spcBef>
-                <a:spcPts val="0"/>
-              </a:spcBef>
-              <a:spcAft>
-                <a:spcPts val="0"/>
-              </a:spcAft>
-              <a:buClr>
-                <a:srgbClr val="000000"/>
-              </a:buClr>
-              <a:buFont typeface="Arial"/>
-              <a:defRPr sz="1400" b="0" i="0" u="none" strike="noStrike" cap="none">
-                <a:solidFill>
-                  <a:srgbClr val="000000"/>
-                </a:solidFill>
-                <a:latin typeface="Arial"/>
-                <a:ea typeface="Arial"/>
-                <a:cs typeface="Arial"/>
-                <a:sym typeface="Arial"/>
-              </a:defRPr>
-            </a:lvl7pPr>
-            <a:lvl8pPr marR="0" lvl="7" algn="l" rtl="0">
-              <a:lnSpc>
-                <a:spcPct val="100000"/>
-              </a:lnSpc>
-              <a:spcBef>
-                <a:spcPts val="0"/>
-              </a:spcBef>
-              <a:spcAft>
-                <a:spcPts val="0"/>
-              </a:spcAft>
-              <a:buClr>
-                <a:srgbClr val="000000"/>
-              </a:buClr>
-              <a:buFont typeface="Arial"/>
-              <a:defRPr sz="1400" b="0" i="0" u="none" strike="noStrike" cap="none">
-                <a:solidFill>
-                  <a:srgbClr val="000000"/>
-                </a:solidFill>
-                <a:latin typeface="Arial"/>
-                <a:ea typeface="Arial"/>
-                <a:cs typeface="Arial"/>
-                <a:sym typeface="Arial"/>
-              </a:defRPr>
-            </a:lvl8pPr>
-            <a:lvl9pPr marR="0" lvl="8" algn="l" rtl="0">
-              <a:lnSpc>
-                <a:spcPct val="100000"/>
-              </a:lnSpc>
-              <a:spcBef>
-                <a:spcPts val="0"/>
-              </a:spcBef>
-              <a:spcAft>
-                <a:spcPts val="0"/>
-              </a:spcAft>
-              <a:buClr>
-                <a:srgbClr val="000000"/>
-              </a:buClr>
-              <a:buFont typeface="Arial"/>
-              <a:defRPr sz="1400" b="0" i="0" u="none" strike="noStrike" cap="none">
-                <a:solidFill>
-                  <a:srgbClr val="000000"/>
-                </a:solidFill>
-                <a:latin typeface="Arial"/>
-                <a:ea typeface="Arial"/>
-                <a:cs typeface="Arial"/>
-                <a:sym typeface="Arial"/>
-              </a:defRPr>
-            </a:lvl9pPr>
-          </a:lstStyle>
-          <a:p>
-            <a:pPr marL="0" marR="0" lvl="0" indent="0" algn="ctr" defTabSz="914400" rtl="0" eaLnBrk="1" fontAlgn="auto" latinLnBrk="0" hangingPunct="1">
-              <a:lnSpc>
-                <a:spcPct val="100000"/>
-              </a:lnSpc>
-              <a:spcBef>
-                <a:spcPts val="0"/>
-              </a:spcBef>
-              <a:spcAft>
-                <a:spcPts val="0"/>
-              </a:spcAft>
-              <a:buClr>
-                <a:srgbClr val="000000"/>
-              </a:buClr>
-              <a:buSzTx/>
-              <a:buFont typeface="Arial"/>
-              <a:buNone/>
-              <a:tabLst/>
-              <a:defRPr/>
-            </a:pPr>
-            <a:r>
-              <a:rPr kumimoji="0" lang="en" sz="3200" b="0" i="0" u="none" strike="noStrike" kern="0" cap="none" spc="0" normalizeH="0" baseline="0" noProof="0" dirty="0">
-                <a:ln>
-                  <a:noFill/>
-                </a:ln>
-                <a:solidFill>
-                  <a:srgbClr val="000000"/>
-                </a:solidFill>
-                <a:effectLst/>
-                <a:uLnTx/>
-                <a:uFillTx/>
-                <a:latin typeface="Calibri" panose="020F0502020204030204" pitchFamily="34" charset="0"/>
-                <a:ea typeface="Calibri" panose="020F0502020204030204" pitchFamily="34" charset="0"/>
-                <a:cs typeface="Calibri" panose="020F0502020204030204" pitchFamily="34" charset="0"/>
-                <a:sym typeface="Catamaran"/>
-              </a:rPr>
-              <a:t>4</a:t>
-            </a:r>
-            <a:endParaRPr kumimoji="0" sz="3200" b="0" i="0" u="none" strike="noStrike" kern="0" cap="none" spc="0" normalizeH="0" baseline="0" noProof="0" dirty="0">
-              <a:ln>
-                <a:noFill/>
-              </a:ln>
-              <a:solidFill>
-                <a:srgbClr val="000000"/>
-              </a:solidFill>
-              <a:effectLst/>
-              <a:uLnTx/>
-              <a:uFillTx/>
-              <a:latin typeface="Calibri" panose="020F0502020204030204" pitchFamily="34" charset="0"/>
-              <a:ea typeface="Calibri" panose="020F0502020204030204" pitchFamily="34" charset="0"/>
-              <a:cs typeface="Calibri" panose="020F0502020204030204" pitchFamily="34" charset="0"/>
-              <a:sym typeface="Catamaran"/>
-            </a:endParaRPr>
-          </a:p>
-        </p:txBody>
-      </p:sp>
-      <p:cxnSp>
-        <p:nvCxnSpPr>
-          <p:cNvPr id="16" name="Google Shape;1382;p69">
-            <a:extLst>
-              <a:ext uri="{FF2B5EF4-FFF2-40B4-BE49-F238E27FC236}">
-                <a16:creationId xmlns:a16="http://schemas.microsoft.com/office/drawing/2014/main" id="{AC59FC9E-BE03-54CD-DCC1-6C6D65E093A7}"/>
-              </a:ext>
-            </a:extLst>
-          </p:cNvPr>
-          <p:cNvCxnSpPr>
-            <a:cxnSpLocks/>
-            <a:endCxn id="15" idx="7"/>
-          </p:cNvCxnSpPr>
-          <p:nvPr/>
-        </p:nvCxnSpPr>
-        <p:spPr>
-          <a:xfrm flipH="1">
-            <a:off x="1154251" y="5420939"/>
-            <a:ext cx="418038" cy="185003"/>
-          </a:xfrm>
-          <a:prstGeom prst="straightConnector1">
-            <a:avLst/>
-          </a:prstGeom>
-          <a:noFill/>
-          <a:ln w="9525" cap="flat" cmpd="sng">
-            <a:solidFill>
-              <a:schemeClr val="tx1"/>
-            </a:solidFill>
-            <a:prstDash val="solid"/>
-            <a:round/>
-            <a:headEnd type="none" w="med" len="med"/>
-            <a:tailEnd type="none" w="med" len="med"/>
-          </a:ln>
-        </p:spPr>
-      </p:cxnSp>
-      <p:sp>
-        <p:nvSpPr>
-          <p:cNvPr id="17" name="Google Shape;1378;p69">
-            <a:extLst>
-              <a:ext uri="{FF2B5EF4-FFF2-40B4-BE49-F238E27FC236}">
-                <a16:creationId xmlns:a16="http://schemas.microsoft.com/office/drawing/2014/main" id="{90EC5FC9-6F58-B895-BA27-6CA5D8CDACD7}"/>
-              </a:ext>
-            </a:extLst>
-          </p:cNvPr>
-          <p:cNvSpPr/>
-          <p:nvPr/>
-        </p:nvSpPr>
-        <p:spPr>
-          <a:xfrm>
-            <a:off x="2347365" y="5588821"/>
-            <a:ext cx="603900" cy="603900"/>
-          </a:xfrm>
-          <a:prstGeom prst="ellipse">
-            <a:avLst/>
-          </a:prstGeom>
-          <a:solidFill>
-            <a:srgbClr val="EEEEEE"/>
-          </a:solidFill>
-          <a:ln>
-            <a:solidFill>
-              <a:schemeClr val="tx1"/>
-            </a:solidFill>
-          </a:ln>
-        </p:spPr>
-        <p:txBody>
-          <a:bodyPr spcFirstLastPara="1" wrap="square" lIns="91425" tIns="91425" rIns="91425" bIns="91425" anchor="ctr" anchorCtr="0">
-            <a:noAutofit/>
-          </a:bodyPr>
-          <a:lstStyle>
-            <a:defPPr marR="0" lvl="0" algn="l" rtl="0">
-              <a:lnSpc>
-                <a:spcPct val="100000"/>
-              </a:lnSpc>
-              <a:spcBef>
-                <a:spcPts val="0"/>
-              </a:spcBef>
-              <a:spcAft>
-                <a:spcPts val="0"/>
-              </a:spcAft>
-            </a:defPPr>
-            <a:lvl1pPr marR="0" lvl="0" algn="l" rtl="0">
-              <a:lnSpc>
-                <a:spcPct val="100000"/>
-              </a:lnSpc>
-              <a:spcBef>
-                <a:spcPts val="0"/>
-              </a:spcBef>
-              <a:spcAft>
-                <a:spcPts val="0"/>
-              </a:spcAft>
-              <a:buClr>
-                <a:srgbClr val="000000"/>
-              </a:buClr>
-              <a:buFont typeface="Arial"/>
-              <a:defRPr sz="1400" b="0" i="0" u="none" strike="noStrike" cap="none">
-                <a:solidFill>
-                  <a:srgbClr val="000000"/>
-                </a:solidFill>
-                <a:latin typeface="Arial"/>
-                <a:ea typeface="Arial"/>
-                <a:cs typeface="Arial"/>
-                <a:sym typeface="Arial"/>
-              </a:defRPr>
-            </a:lvl1pPr>
-            <a:lvl2pPr marR="0" lvl="1" algn="l" rtl="0">
-              <a:lnSpc>
-                <a:spcPct val="100000"/>
-              </a:lnSpc>
-              <a:spcBef>
-                <a:spcPts val="0"/>
-              </a:spcBef>
-              <a:spcAft>
-                <a:spcPts val="0"/>
-              </a:spcAft>
-              <a:buClr>
-                <a:srgbClr val="000000"/>
-              </a:buClr>
-              <a:buFont typeface="Arial"/>
-              <a:defRPr sz="1400" b="0" i="0" u="none" strike="noStrike" cap="none">
-                <a:solidFill>
-                  <a:srgbClr val="000000"/>
-                </a:solidFill>
-                <a:latin typeface="Arial"/>
-                <a:ea typeface="Arial"/>
-                <a:cs typeface="Arial"/>
-                <a:sym typeface="Arial"/>
-              </a:defRPr>
-            </a:lvl2pPr>
-            <a:lvl3pPr marR="0" lvl="2" algn="l" rtl="0">
-              <a:lnSpc>
-                <a:spcPct val="100000"/>
-              </a:lnSpc>
-              <a:spcBef>
-                <a:spcPts val="0"/>
-              </a:spcBef>
-              <a:spcAft>
-                <a:spcPts val="0"/>
-              </a:spcAft>
-              <a:buClr>
-                <a:srgbClr val="000000"/>
-              </a:buClr>
-              <a:buFont typeface="Arial"/>
-              <a:defRPr sz="1400" b="0" i="0" u="none" strike="noStrike" cap="none">
-                <a:solidFill>
-                  <a:srgbClr val="000000"/>
-                </a:solidFill>
-                <a:latin typeface="Arial"/>
-                <a:ea typeface="Arial"/>
-                <a:cs typeface="Arial"/>
-                <a:sym typeface="Arial"/>
-              </a:defRPr>
-            </a:lvl3pPr>
-            <a:lvl4pPr marR="0" lvl="3" algn="l" rtl="0">
-              <a:lnSpc>
-                <a:spcPct val="100000"/>
-              </a:lnSpc>
-              <a:spcBef>
-                <a:spcPts val="0"/>
-              </a:spcBef>
-              <a:spcAft>
-                <a:spcPts val="0"/>
-              </a:spcAft>
-              <a:buClr>
-                <a:srgbClr val="000000"/>
-              </a:buClr>
-              <a:buFont typeface="Arial"/>
-              <a:defRPr sz="1400" b="0" i="0" u="none" strike="noStrike" cap="none">
-                <a:solidFill>
-                  <a:srgbClr val="000000"/>
-                </a:solidFill>
-                <a:latin typeface="Arial"/>
-                <a:ea typeface="Arial"/>
-                <a:cs typeface="Arial"/>
-                <a:sym typeface="Arial"/>
-              </a:defRPr>
-            </a:lvl4pPr>
-            <a:lvl5pPr marR="0" lvl="4" algn="l" rtl="0">
-              <a:lnSpc>
-                <a:spcPct val="100000"/>
-              </a:lnSpc>
-              <a:spcBef>
-                <a:spcPts val="0"/>
-              </a:spcBef>
-              <a:spcAft>
-                <a:spcPts val="0"/>
-              </a:spcAft>
-              <a:buClr>
-                <a:srgbClr val="000000"/>
-              </a:buClr>
-              <a:buFont typeface="Arial"/>
-              <a:defRPr sz="1400" b="0" i="0" u="none" strike="noStrike" cap="none">
-                <a:solidFill>
-                  <a:srgbClr val="000000"/>
-                </a:solidFill>
-                <a:latin typeface="Arial"/>
-                <a:ea typeface="Arial"/>
-                <a:cs typeface="Arial"/>
-                <a:sym typeface="Arial"/>
-              </a:defRPr>
-            </a:lvl5pPr>
-            <a:lvl6pPr marR="0" lvl="5" algn="l" rtl="0">
-              <a:lnSpc>
-                <a:spcPct val="100000"/>
-              </a:lnSpc>
-              <a:spcBef>
-                <a:spcPts val="0"/>
-              </a:spcBef>
-              <a:spcAft>
-                <a:spcPts val="0"/>
-              </a:spcAft>
-              <a:buClr>
-                <a:srgbClr val="000000"/>
-              </a:buClr>
-              <a:buFont typeface="Arial"/>
-              <a:defRPr sz="1400" b="0" i="0" u="none" strike="noStrike" cap="none">
-                <a:solidFill>
-                  <a:srgbClr val="000000"/>
-                </a:solidFill>
-                <a:latin typeface="Arial"/>
-                <a:ea typeface="Arial"/>
-                <a:cs typeface="Arial"/>
-                <a:sym typeface="Arial"/>
-              </a:defRPr>
-            </a:lvl6pPr>
-            <a:lvl7pPr marR="0" lvl="6" algn="l" rtl="0">
-              <a:lnSpc>
-                <a:spcPct val="100000"/>
-              </a:lnSpc>
-              <a:spcBef>
-                <a:spcPts val="0"/>
-              </a:spcBef>
-              <a:spcAft>
-                <a:spcPts val="0"/>
-              </a:spcAft>
-              <a:buClr>
-                <a:srgbClr val="000000"/>
-              </a:buClr>
-              <a:buFont typeface="Arial"/>
-              <a:defRPr sz="1400" b="0" i="0" u="none" strike="noStrike" cap="none">
-                <a:solidFill>
-                  <a:srgbClr val="000000"/>
-                </a:solidFill>
-                <a:latin typeface="Arial"/>
-                <a:ea typeface="Arial"/>
-                <a:cs typeface="Arial"/>
-                <a:sym typeface="Arial"/>
-              </a:defRPr>
-            </a:lvl7pPr>
-            <a:lvl8pPr marR="0" lvl="7" algn="l" rtl="0">
-              <a:lnSpc>
-                <a:spcPct val="100000"/>
-              </a:lnSpc>
-              <a:spcBef>
-                <a:spcPts val="0"/>
-              </a:spcBef>
-              <a:spcAft>
-                <a:spcPts val="0"/>
-              </a:spcAft>
-              <a:buClr>
-                <a:srgbClr val="000000"/>
-              </a:buClr>
-              <a:buFont typeface="Arial"/>
-              <a:defRPr sz="1400" b="0" i="0" u="none" strike="noStrike" cap="none">
-                <a:solidFill>
-                  <a:srgbClr val="000000"/>
-                </a:solidFill>
-                <a:latin typeface="Arial"/>
-                <a:ea typeface="Arial"/>
-                <a:cs typeface="Arial"/>
-                <a:sym typeface="Arial"/>
-              </a:defRPr>
-            </a:lvl8pPr>
-            <a:lvl9pPr marR="0" lvl="8" algn="l" rtl="0">
-              <a:lnSpc>
-                <a:spcPct val="100000"/>
-              </a:lnSpc>
-              <a:spcBef>
-                <a:spcPts val="0"/>
-              </a:spcBef>
-              <a:spcAft>
-                <a:spcPts val="0"/>
-              </a:spcAft>
-              <a:buClr>
-                <a:srgbClr val="000000"/>
-              </a:buClr>
-              <a:buFont typeface="Arial"/>
-              <a:defRPr sz="1400" b="0" i="0" u="none" strike="noStrike" cap="none">
-                <a:solidFill>
-                  <a:srgbClr val="000000"/>
-                </a:solidFill>
-                <a:latin typeface="Arial"/>
-                <a:ea typeface="Arial"/>
-                <a:cs typeface="Arial"/>
-                <a:sym typeface="Arial"/>
-              </a:defRPr>
-            </a:lvl9pPr>
-          </a:lstStyle>
-          <a:p>
-            <a:pPr marL="0" marR="0" lvl="0" indent="0" algn="ctr" defTabSz="914400" rtl="0" eaLnBrk="1" fontAlgn="auto" latinLnBrk="0" hangingPunct="1">
-              <a:lnSpc>
-                <a:spcPct val="100000"/>
-              </a:lnSpc>
-              <a:spcBef>
-                <a:spcPts val="0"/>
-              </a:spcBef>
-              <a:spcAft>
-                <a:spcPts val="0"/>
-              </a:spcAft>
-              <a:buClr>
-                <a:srgbClr val="000000"/>
-              </a:buClr>
-              <a:buSzTx/>
-              <a:buFont typeface="Arial"/>
-              <a:buNone/>
-              <a:tabLst/>
-              <a:defRPr/>
-            </a:pPr>
-            <a:r>
-              <a:rPr kumimoji="0" lang="en" sz="3200" b="0" i="0" u="none" strike="noStrike" kern="0" cap="none" spc="0" normalizeH="0" baseline="0" noProof="0" dirty="0">
-                <a:ln>
-                  <a:noFill/>
-                </a:ln>
-                <a:solidFill>
-                  <a:srgbClr val="000000"/>
-                </a:solidFill>
-                <a:effectLst/>
-                <a:uLnTx/>
-                <a:uFillTx/>
-                <a:latin typeface="Calibri" panose="020F0502020204030204" pitchFamily="34" charset="0"/>
-                <a:ea typeface="Calibri" panose="020F0502020204030204" pitchFamily="34" charset="0"/>
-                <a:cs typeface="Calibri" panose="020F0502020204030204" pitchFamily="34" charset="0"/>
-                <a:sym typeface="Catamaran"/>
-              </a:rPr>
-              <a:t>5</a:t>
-            </a:r>
-            <a:endParaRPr kumimoji="0" sz="3200" b="0" i="0" u="none" strike="noStrike" kern="0" cap="none" spc="0" normalizeH="0" baseline="0" noProof="0" dirty="0">
-              <a:ln>
-                <a:noFill/>
-              </a:ln>
-              <a:solidFill>
-                <a:srgbClr val="000000"/>
-              </a:solidFill>
-              <a:effectLst/>
-              <a:uLnTx/>
-              <a:uFillTx/>
-              <a:latin typeface="Calibri" panose="020F0502020204030204" pitchFamily="34" charset="0"/>
-              <a:ea typeface="Calibri" panose="020F0502020204030204" pitchFamily="34" charset="0"/>
-              <a:cs typeface="Calibri" panose="020F0502020204030204" pitchFamily="34" charset="0"/>
-              <a:sym typeface="Catamaran"/>
-            </a:endParaRPr>
-          </a:p>
-        </p:txBody>
-      </p:sp>
-      <p:cxnSp>
-        <p:nvCxnSpPr>
-          <p:cNvPr id="18" name="Google Shape;1387;p69">
-            <a:extLst>
-              <a:ext uri="{FF2B5EF4-FFF2-40B4-BE49-F238E27FC236}">
-                <a16:creationId xmlns:a16="http://schemas.microsoft.com/office/drawing/2014/main" id="{E2B22A35-C13F-3183-39C4-D486BC8CD4BF}"/>
-              </a:ext>
-            </a:extLst>
-          </p:cNvPr>
-          <p:cNvCxnSpPr>
-            <a:cxnSpLocks/>
-            <a:stCxn id="17" idx="1"/>
-          </p:cNvCxnSpPr>
-          <p:nvPr/>
-        </p:nvCxnSpPr>
-        <p:spPr>
-          <a:xfrm flipH="1" flipV="1">
-            <a:off x="2004592" y="5390368"/>
-            <a:ext cx="431212" cy="286892"/>
-          </a:xfrm>
-          <a:prstGeom prst="straightConnector1">
-            <a:avLst/>
-          </a:prstGeom>
-          <a:noFill/>
-          <a:ln w="9525" cap="flat" cmpd="sng">
-            <a:solidFill>
-              <a:schemeClr val="tx1"/>
-            </a:solidFill>
-            <a:prstDash val="solid"/>
-            <a:round/>
-            <a:headEnd type="none" w="med" len="med"/>
-            <a:tailEnd type="none" w="med" len="med"/>
-          </a:ln>
-        </p:spPr>
-      </p:cxnSp>
+      </p:pic>
     </p:spTree>
     <p:extLst>
       <p:ext uri="{BB962C8B-B14F-4D97-AF65-F5344CB8AC3E}">
-        <p14:creationId xmlns:p14="http://schemas.microsoft.com/office/powerpoint/2010/main" val="1499238226"/>
+        <p14:creationId xmlns:p14="http://schemas.microsoft.com/office/powerpoint/2010/main" val="542343555"/>
       </p:ext>
     </p:extLst>
   </p:cSld>
@@ -33150,7 +33844,7 @@
           <p:cNvPr id="2" name="Title 1">
             <a:extLst>
               <a:ext uri="{FF2B5EF4-FFF2-40B4-BE49-F238E27FC236}">
-                <a16:creationId xmlns:a16="http://schemas.microsoft.com/office/drawing/2014/main" id="{3243F295-21B2-4CEC-7BDF-E756F7007B31}"/>
+                <a16:creationId xmlns:a16="http://schemas.microsoft.com/office/drawing/2014/main" id="{F81E3B21-799E-3809-DDB1-1AF586EFE25B}"/>
               </a:ext>
             </a:extLst>
           </p:cNvPr>
@@ -33161,19 +33855,14 @@
             <p:ph type="title"/>
           </p:nvPr>
         </p:nvSpPr>
-        <p:spPr>
-          <a:xfrm>
-            <a:off x="457200" y="274638"/>
-            <a:ext cx="8229600" cy="828584"/>
-          </a:xfrm>
-        </p:spPr>
+        <p:spPr/>
         <p:txBody>
           <a:bodyPr/>
           <a:lstStyle/>
           <a:p>
             <a:r>
               <a:rPr lang="en-GB" dirty="0"/>
-              <a:t>Quiz: Tree Derivation II</a:t>
+              <a:t>BST</a:t>
             </a:r>
             <a:endParaRPr lang="en-SE" dirty="0"/>
           </a:p>
@@ -33184,7 +33873,7 @@
           <p:cNvPr id="3" name="Content Placeholder 2">
             <a:extLst>
               <a:ext uri="{FF2B5EF4-FFF2-40B4-BE49-F238E27FC236}">
-                <a16:creationId xmlns:a16="http://schemas.microsoft.com/office/drawing/2014/main" id="{EE78B038-8688-A790-F07C-9DCE9AD7969B}"/>
+                <a16:creationId xmlns:a16="http://schemas.microsoft.com/office/drawing/2014/main" id="{57FE4F0E-59C8-6DE5-FB3C-3A73B8F6F9CD}"/>
               </a:ext>
             </a:extLst>
           </p:cNvPr>
@@ -33197,44 +33886,149 @@
         </p:nvSpPr>
         <p:spPr>
           <a:xfrm>
-            <a:off x="118334" y="1103223"/>
-            <a:ext cx="8568466" cy="5641822"/>
+            <a:off x="457200" y="1180596"/>
+            <a:ext cx="4873083" cy="5402766"/>
           </a:xfrm>
         </p:spPr>
         <p:txBody>
           <a:bodyPr>
-            <a:normAutofit/>
+            <a:normAutofit lnSpcReduction="10000"/>
           </a:bodyPr>
           <a:lstStyle/>
           <a:p>
-            <a:r>
-              <a:rPr lang="en-GB" sz="2400" dirty="0"/>
-              <a:t>For a binary tree, its pre-order traversal of nodes is </a:t>
-            </a:r>
-            <a:r>
-              <a:rPr lang="pt-BR" sz="2400" dirty="0"/>
-              <a:t>ABCDEFG</a:t>
-            </a:r>
-            <a:r>
-              <a:rPr lang="en-GB" sz="2400" dirty="0"/>
-              <a:t>; its in-order traversal of nodes is </a:t>
-            </a:r>
-            <a:r>
-              <a:rPr lang="pt-BR" sz="2400" dirty="0"/>
-              <a:t>CDBAEGF</a:t>
-            </a:r>
-            <a:r>
-              <a:rPr lang="en-GB" sz="2400" dirty="0"/>
-              <a:t>. Construct the tree. What is the post-order traversal of nodes?</a:t>
-            </a:r>
-            <a:endParaRPr lang="en-GB" dirty="0"/>
+            <a:pPr algn="l"/>
+            <a:r>
+              <a:rPr lang="en-GB" dirty="0">
+                <a:latin typeface="var(--font-fk-grotesk-neue)"/>
+              </a:rPr>
+              <a:t>Assume this tree is a binary search tree. What is the maximum number of nodes that could be added to the tree without increasing its height?</a:t>
+            </a:r>
+          </a:p>
+          <a:p>
+            <a:r>
+              <a:rPr lang="en-GB" dirty="0">
+                <a:latin typeface="var(--font-fk-grotesk-neue)"/>
+              </a:rPr>
+              <a:t>ANS: 18</a:t>
+            </a:r>
+          </a:p>
+          <a:p>
+            <a:r>
+              <a:rPr lang="en-GB" dirty="0">
+                <a:effectLst/>
+                <a:latin typeface="var(--font-fk-grotesk-neue)"/>
+              </a:rPr>
+              <a:t>A full binary tree with height </a:t>
+            </a:r>
+            <a:r>
+              <a:rPr lang="en-GB" dirty="0">
+                <a:effectLst/>
+                <a:latin typeface="KaTeX_Main"/>
+              </a:rPr>
+              <a:t>h</a:t>
+            </a:r>
+            <a:r>
+              <a:rPr lang="en-GB" dirty="0">
+                <a:effectLst/>
+                <a:latin typeface="var(--font-fk-grotesk-neue)"/>
+              </a:rPr>
+              <a:t> has a total number of nodes given by the formula: n = </a:t>
+            </a:r>
+            <a:r>
+              <a:rPr lang="en-GB" dirty="0">
+                <a:effectLst/>
+                <a:latin typeface="KaTeX_Main"/>
+              </a:rPr>
+              <a:t>2</a:t>
+            </a:r>
+            <a:r>
+              <a:rPr lang="en-GB" baseline="30000" dirty="0">
+                <a:effectLst/>
+                <a:latin typeface="KaTeX_Main"/>
+              </a:rPr>
+              <a:t>h+1</a:t>
+            </a:r>
+            <a:r>
+              <a:rPr lang="en-GB" dirty="0">
+                <a:effectLst/>
+                <a:latin typeface="KaTeX_Main"/>
+              </a:rPr>
+              <a:t>−1 = 2</a:t>
+            </a:r>
+            <a:r>
+              <a:rPr lang="en-GB" baseline="30000" dirty="0">
+                <a:effectLst/>
+                <a:latin typeface="KaTeX_Main"/>
+              </a:rPr>
+              <a:t>4+1</a:t>
+            </a:r>
+            <a:r>
+              <a:rPr lang="en-GB" dirty="0">
+                <a:effectLst/>
+                <a:latin typeface="KaTeX_Main"/>
+              </a:rPr>
+              <a:t>−1=31, since </a:t>
+            </a:r>
+            <a:r>
+              <a:rPr lang="en-GB" dirty="0"/>
+              <a:t>the height is 4.</a:t>
+            </a:r>
+          </a:p>
+          <a:p>
+            <a:r>
+              <a:rPr lang="en-GB" dirty="0">
+                <a:latin typeface="var(--font-fk-grotesk-neue)"/>
+              </a:rPr>
+              <a:t>Currently there are 13 nodes, so you can add 31-13=18 nodes without increasing its height.</a:t>
+            </a:r>
+          </a:p>
+          <a:p>
+            <a:r>
+              <a:rPr lang="en-GB" dirty="0">
+                <a:latin typeface="var(--font-fk-grotesk-neue)"/>
+              </a:rPr>
+              <a:t>You can also count the inserted nodes until the tree is full.</a:t>
+            </a:r>
+          </a:p>
+          <a:p>
+            <a:endParaRPr lang="en-SE" dirty="0"/>
           </a:p>
         </p:txBody>
       </p:sp>
+      <p:pic>
+        <p:nvPicPr>
+          <p:cNvPr id="5" name="Picture 4">
+            <a:extLst>
+              <a:ext uri="{FF2B5EF4-FFF2-40B4-BE49-F238E27FC236}">
+                <a16:creationId xmlns:a16="http://schemas.microsoft.com/office/drawing/2014/main" id="{4FA1538D-DA40-18A8-5E77-AF86931E71FF}"/>
+              </a:ext>
+            </a:extLst>
+          </p:cNvPr>
+          <p:cNvPicPr>
+            <a:picLocks noChangeAspect="1"/>
+          </p:cNvPicPr>
+          <p:nvPr/>
+        </p:nvPicPr>
+        <p:blipFill>
+          <a:blip r:embed="rId2"/>
+          <a:stretch>
+            <a:fillRect/>
+          </a:stretch>
+        </p:blipFill>
+        <p:spPr>
+          <a:xfrm>
+            <a:off x="5441797" y="2848141"/>
+            <a:ext cx="3568390" cy="3460584"/>
+          </a:xfrm>
+          <a:prstGeom prst="rect">
+            <a:avLst/>
+          </a:prstGeom>
+        </p:spPr>
+      </p:pic>
     </p:spTree>
     <p:extLst>
       <p:ext uri="{BB962C8B-B14F-4D97-AF65-F5344CB8AC3E}">
-        <p14:creationId xmlns:p14="http://schemas.microsoft.com/office/powerpoint/2010/main" val="3524997750"/>
+        <p14:creationId xmlns:p14="http://schemas.microsoft.com/office/powerpoint/2010/main" val="2780847814"/>
       </p:ext>
     </p:extLst>
   </p:cSld>

--- a/PPTs/Lecture 8-binary search tree exercises ANS.pptx
+++ b/PPTs/Lecture 8-binary search tree exercises ANS.pptx
@@ -4671,301 +4671,6 @@
               <a:t>Given: Pre-order traversal of nodes is 1, 2, 4, 5, 3, 6; In-order traversal of nodes is 4, 2, 5, 1, 3, 6. What is the post-order traversal of nodes?</a:t>
             </a:r>
             <a:endParaRPr lang="en-SE" dirty="0"/>
-          </a:p>
-        </p:txBody>
-      </p:sp>
-      <p:sp>
-        <p:nvSpPr>
-          <p:cNvPr id="5" name="Content Placeholder 2">
-            <a:extLst>
-              <a:ext uri="{FF2B5EF4-FFF2-40B4-BE49-F238E27FC236}">
-                <a16:creationId xmlns:a16="http://schemas.microsoft.com/office/drawing/2014/main" id="{3190E477-53E1-F843-CD70-01B336686187}"/>
-              </a:ext>
-            </a:extLst>
-          </p:cNvPr>
-          <p:cNvSpPr txBox="1">
-            <a:spLocks/>
-          </p:cNvSpPr>
-          <p:nvPr/>
-        </p:nvSpPr>
-        <p:spPr>
-          <a:xfrm>
-            <a:off x="5163670" y="4353565"/>
-            <a:ext cx="3672153" cy="2199938"/>
-          </a:xfrm>
-          <a:prstGeom prst="rect">
-            <a:avLst/>
-          </a:prstGeom>
-        </p:spPr>
-        <p:style>
-          <a:lnRef idx="1">
-            <a:schemeClr val="dk1"/>
-          </a:lnRef>
-          <a:fillRef idx="2">
-            <a:schemeClr val="dk1"/>
-          </a:fillRef>
-          <a:effectRef idx="1">
-            <a:schemeClr val="dk1"/>
-          </a:effectRef>
-          <a:fontRef idx="minor">
-            <a:schemeClr val="dk1"/>
-          </a:fontRef>
-        </p:style>
-        <p:txBody>
-          <a:bodyPr vert="horz" lIns="91440" tIns="45720" rIns="91440" bIns="45720" rtlCol="0">
-            <a:normAutofit fontScale="62500" lnSpcReduction="20000"/>
-          </a:bodyPr>
-          <a:lstStyle>
-            <a:lvl1pPr marL="342900" indent="-342900" algn="l" defTabSz="457200" rtl="0" eaLnBrk="1" latinLnBrk="0" hangingPunct="1">
-              <a:spcBef>
-                <a:spcPct val="20000"/>
-              </a:spcBef>
-              <a:buClr>
-                <a:schemeClr val="accent6"/>
-              </a:buClr>
-              <a:buFont typeface="Wingdings" charset="2"/>
-              <a:buChar char="§"/>
-              <a:defRPr sz="2400" kern="1200">
-                <a:solidFill>
-                  <a:schemeClr val="tx1"/>
-                </a:solidFill>
-                <a:latin typeface="Times New Roman"/>
-                <a:ea typeface="+mn-ea"/>
-                <a:cs typeface="Times New Roman"/>
-              </a:defRPr>
-            </a:lvl1pPr>
-            <a:lvl2pPr marL="742950" indent="-285750" algn="l" defTabSz="457200" rtl="0" eaLnBrk="1" latinLnBrk="0" hangingPunct="1">
-              <a:spcBef>
-                <a:spcPct val="20000"/>
-              </a:spcBef>
-              <a:buClr>
-                <a:schemeClr val="accent6"/>
-              </a:buClr>
-              <a:buFont typeface="Wingdings" charset="2"/>
-              <a:buChar char="§"/>
-              <a:defRPr sz="2000" kern="1200">
-                <a:solidFill>
-                  <a:schemeClr val="tx1"/>
-                </a:solidFill>
-                <a:latin typeface="Times New Roman"/>
-                <a:ea typeface="+mn-ea"/>
-                <a:cs typeface="Times New Roman"/>
-              </a:defRPr>
-            </a:lvl2pPr>
-            <a:lvl3pPr marL="1143000" indent="-228600" algn="l" defTabSz="457200" rtl="0" eaLnBrk="1" latinLnBrk="0" hangingPunct="1">
-              <a:spcBef>
-                <a:spcPct val="20000"/>
-              </a:spcBef>
-              <a:buClr>
-                <a:schemeClr val="accent6"/>
-              </a:buClr>
-              <a:buFont typeface="Wingdings" charset="2"/>
-              <a:buChar char="§"/>
-              <a:defRPr sz="1800" kern="1200">
-                <a:solidFill>
-                  <a:schemeClr val="tx1"/>
-                </a:solidFill>
-                <a:latin typeface="Times New Roman"/>
-                <a:ea typeface="+mn-ea"/>
-                <a:cs typeface="Times New Roman"/>
-              </a:defRPr>
-            </a:lvl3pPr>
-            <a:lvl4pPr marL="1600200" indent="-228600" algn="l" defTabSz="457200" rtl="0" eaLnBrk="1" latinLnBrk="0" hangingPunct="1">
-              <a:spcBef>
-                <a:spcPct val="20000"/>
-              </a:spcBef>
-              <a:buClr>
-                <a:schemeClr val="accent6"/>
-              </a:buClr>
-              <a:buFont typeface="Wingdings" charset="2"/>
-              <a:buChar char="§"/>
-              <a:defRPr sz="1600" kern="1200">
-                <a:solidFill>
-                  <a:schemeClr val="tx1"/>
-                </a:solidFill>
-                <a:latin typeface="Times New Roman"/>
-                <a:ea typeface="+mn-ea"/>
-                <a:cs typeface="Times New Roman"/>
-              </a:defRPr>
-            </a:lvl4pPr>
-            <a:lvl5pPr marL="2057400" indent="-228600" algn="l" defTabSz="457200" rtl="0" eaLnBrk="1" latinLnBrk="0" hangingPunct="1">
-              <a:spcBef>
-                <a:spcPct val="20000"/>
-              </a:spcBef>
-              <a:buClr>
-                <a:schemeClr val="accent6"/>
-              </a:buClr>
-              <a:buFont typeface="Wingdings" charset="2"/>
-              <a:buChar char="§"/>
-              <a:defRPr sz="1600" kern="1200">
-                <a:solidFill>
-                  <a:schemeClr val="tx1"/>
-                </a:solidFill>
-                <a:latin typeface="Times New Roman"/>
-                <a:ea typeface="+mn-ea"/>
-                <a:cs typeface="Times New Roman"/>
-              </a:defRPr>
-            </a:lvl5pPr>
-            <a:lvl6pPr marL="2514600" indent="-228600" algn="l" defTabSz="457200" rtl="0" eaLnBrk="1" latinLnBrk="0" hangingPunct="1">
-              <a:spcBef>
-                <a:spcPct val="20000"/>
-              </a:spcBef>
-              <a:buFont typeface="Arial"/>
-              <a:buChar char="•"/>
-              <a:defRPr sz="2000" kern="1200">
-                <a:solidFill>
-                  <a:schemeClr val="tx1"/>
-                </a:solidFill>
-                <a:latin typeface="+mn-lt"/>
-                <a:ea typeface="+mn-ea"/>
-                <a:cs typeface="+mn-cs"/>
-              </a:defRPr>
-            </a:lvl6pPr>
-            <a:lvl7pPr marL="2971800" indent="-228600" algn="l" defTabSz="457200" rtl="0" eaLnBrk="1" latinLnBrk="0" hangingPunct="1">
-              <a:spcBef>
-                <a:spcPct val="20000"/>
-              </a:spcBef>
-              <a:buFont typeface="Arial"/>
-              <a:buChar char="•"/>
-              <a:defRPr sz="2000" kern="1200">
-                <a:solidFill>
-                  <a:schemeClr val="tx1"/>
-                </a:solidFill>
-                <a:latin typeface="+mn-lt"/>
-                <a:ea typeface="+mn-ea"/>
-                <a:cs typeface="+mn-cs"/>
-              </a:defRPr>
-            </a:lvl7pPr>
-            <a:lvl8pPr marL="3429000" indent="-228600" algn="l" defTabSz="457200" rtl="0" eaLnBrk="1" latinLnBrk="0" hangingPunct="1">
-              <a:spcBef>
-                <a:spcPct val="20000"/>
-              </a:spcBef>
-              <a:buFont typeface="Arial"/>
-              <a:buChar char="•"/>
-              <a:defRPr sz="2000" kern="1200">
-                <a:solidFill>
-                  <a:schemeClr val="tx1"/>
-                </a:solidFill>
-                <a:latin typeface="+mn-lt"/>
-                <a:ea typeface="+mn-ea"/>
-                <a:cs typeface="+mn-cs"/>
-              </a:defRPr>
-            </a:lvl8pPr>
-            <a:lvl9pPr marL="3886200" indent="-228600" algn="l" defTabSz="457200" rtl="0" eaLnBrk="1" latinLnBrk="0" hangingPunct="1">
-              <a:spcBef>
-                <a:spcPct val="20000"/>
-              </a:spcBef>
-              <a:buFont typeface="Arial"/>
-              <a:buChar char="•"/>
-              <a:defRPr sz="2000" kern="1200">
-                <a:solidFill>
-                  <a:schemeClr val="tx1"/>
-                </a:solidFill>
-                <a:latin typeface="+mn-lt"/>
-                <a:ea typeface="+mn-ea"/>
-                <a:cs typeface="+mn-cs"/>
-              </a:defRPr>
-            </a:lvl9pPr>
-          </a:lstStyle>
-          <a:p>
-            <a:pPr fontAlgn="base"/>
-            <a:r>
-              <a:rPr lang="en-GB" sz="2800" b="1" dirty="0">
-                <a:solidFill>
-                  <a:srgbClr val="0C0D0E"/>
-                </a:solidFill>
-                <a:latin typeface="inherit"/>
-              </a:rPr>
-              <a:t>Pre-order traversal</a:t>
-            </a:r>
-            <a:r>
-              <a:rPr lang="en-GB" sz="2800" dirty="0">
-                <a:solidFill>
-                  <a:srgbClr val="0C0D0E"/>
-                </a:solidFill>
-                <a:latin typeface="-apple-system"/>
-              </a:rPr>
-              <a:t>:</a:t>
-            </a:r>
-          </a:p>
-          <a:p>
-            <a:pPr lvl="1" fontAlgn="base"/>
-            <a:r>
-              <a:rPr lang="en-GB" sz="2400" dirty="0">
-                <a:solidFill>
-                  <a:srgbClr val="0C0D0E"/>
-                </a:solidFill>
-                <a:latin typeface="-apple-system"/>
-              </a:rPr>
-              <a:t>Begins at the root, ends at the right-most node</a:t>
-            </a:r>
-          </a:p>
-          <a:p>
-            <a:pPr fontAlgn="base"/>
-            <a:r>
-              <a:rPr lang="en-GB" sz="2800" b="1" dirty="0">
-                <a:solidFill>
-                  <a:srgbClr val="0C0D0E"/>
-                </a:solidFill>
-                <a:latin typeface="inherit"/>
-              </a:rPr>
-              <a:t>In-order traversal</a:t>
-            </a:r>
-            <a:r>
-              <a:rPr lang="en-GB" sz="2800" dirty="0">
-                <a:solidFill>
-                  <a:srgbClr val="0C0D0E"/>
-                </a:solidFill>
-                <a:latin typeface="-apple-system"/>
-              </a:rPr>
-              <a:t>:</a:t>
-            </a:r>
-          </a:p>
-          <a:p>
-            <a:pPr lvl="1" fontAlgn="base"/>
-            <a:r>
-              <a:rPr lang="en-GB" sz="2400" dirty="0">
-                <a:solidFill>
-                  <a:srgbClr val="0C0D0E"/>
-                </a:solidFill>
-                <a:latin typeface="-apple-system"/>
-              </a:rPr>
-              <a:t>Begins at the left-most node, ends at the rightmost node</a:t>
-            </a:r>
-          </a:p>
-          <a:p>
-            <a:pPr fontAlgn="base"/>
-            <a:r>
-              <a:rPr lang="en-GB" sz="2800" b="1" dirty="0">
-                <a:solidFill>
-                  <a:srgbClr val="0C0D0E"/>
-                </a:solidFill>
-                <a:latin typeface="inherit"/>
-              </a:rPr>
-              <a:t>Post-order traversal</a:t>
-            </a:r>
-            <a:r>
-              <a:rPr lang="en-GB" sz="2800" dirty="0">
-                <a:solidFill>
-                  <a:srgbClr val="0C0D0E"/>
-                </a:solidFill>
-                <a:latin typeface="-apple-system"/>
-              </a:rPr>
-              <a:t>:</a:t>
-            </a:r>
-          </a:p>
-          <a:p>
-            <a:pPr lvl="1" fontAlgn="base"/>
-            <a:r>
-              <a:rPr lang="en-GB" sz="2400" dirty="0">
-                <a:solidFill>
-                  <a:srgbClr val="0C0D0E"/>
-                </a:solidFill>
-                <a:latin typeface="-apple-system"/>
-              </a:rPr>
-              <a:t>Begins with the left-most node, ends with the root</a:t>
-            </a:r>
-            <a:endParaRPr lang="en-SE" sz="2400" dirty="0"/>
           </a:p>
         </p:txBody>
       </p:sp>
@@ -15747,8 +15452,8 @@
           <a:lstStyle/>
           <a:p>
             <a:r>
-              <a:rPr lang="en-GB"/>
-              <a:t>Balanced BST</a:t>
+              <a:rPr lang="en-GB" dirty="0"/>
+              <a:t>AVL Tree</a:t>
             </a:r>
             <a:endParaRPr lang="en-SE" dirty="0"/>
           </a:p>
@@ -15777,14 +15482,19 @@
           <a:p>
             <a:r>
               <a:rPr lang="en-GB" dirty="0"/>
-              <a:t>Which is a Balanced BST?</a:t>
+              <a:t>Which is an AVL tree (Balanced BST)?</a:t>
             </a:r>
           </a:p>
           <a:p>
             <a:r>
               <a:rPr lang="en-GB" dirty="0"/>
-              <a:t>ANS: c. Only it satisfies the property:</a:t>
-            </a:r>
+              <a:t>ANS: c. Only it satisfies the AVL </a:t>
+            </a:r>
+            <a:r>
+              <a:rPr lang="en-GB"/>
+              <a:t>invariant for all nodes:</a:t>
+            </a:r>
+            <a:endParaRPr lang="en-GB" dirty="0"/>
           </a:p>
           <a:p>
             <a:r>

--- a/PPTs/Lecture 8-binary search tree exercises ANS.pptx
+++ b/PPTs/Lecture 8-binary search tree exercises ANS.pptx
@@ -221,7 +221,7 @@
           <a:p>
             <a:fld id="{1B0CF57B-C747-FC49-8C8F-81AE37C96CA4}" type="datetimeFigureOut">
               <a:rPr lang="en-US" smtClean="0"/>
-              <a:t>3/5/2025</a:t>
+              <a:t>3/10/2025</a:t>
             </a:fld>
             <a:endParaRPr lang="en-US"/>
           </a:p>
@@ -1438,7 +1438,7 @@
           <a:p>
             <a:fld id="{FB221443-D73C-634A-A910-7320408C156D}" type="datetimeFigureOut">
               <a:rPr lang="en-US" smtClean="0"/>
-              <a:t>3/5/2025</a:t>
+              <a:t>3/10/2025</a:t>
             </a:fld>
             <a:endParaRPr lang="en-US"/>
           </a:p>
@@ -1608,7 +1608,7 @@
           <a:p>
             <a:fld id="{FB221443-D73C-634A-A910-7320408C156D}" type="datetimeFigureOut">
               <a:rPr lang="en-US" smtClean="0"/>
-              <a:t>3/5/2025</a:t>
+              <a:t>3/10/2025</a:t>
             </a:fld>
             <a:endParaRPr lang="en-US"/>
           </a:p>
@@ -1788,7 +1788,7 @@
           <a:p>
             <a:fld id="{FB221443-D73C-634A-A910-7320408C156D}" type="datetimeFigureOut">
               <a:rPr lang="en-US" smtClean="0"/>
-              <a:t>3/5/2025</a:t>
+              <a:t>3/10/2025</a:t>
             </a:fld>
             <a:endParaRPr lang="en-US"/>
           </a:p>
@@ -1958,7 +1958,7 @@
           <a:p>
             <a:fld id="{FB221443-D73C-634A-A910-7320408C156D}" type="datetimeFigureOut">
               <a:rPr lang="en-US" smtClean="0"/>
-              <a:t>3/5/2025</a:t>
+              <a:t>3/10/2025</a:t>
             </a:fld>
             <a:endParaRPr lang="en-US"/>
           </a:p>
@@ -2204,7 +2204,7 @@
           <a:p>
             <a:fld id="{FB221443-D73C-634A-A910-7320408C156D}" type="datetimeFigureOut">
               <a:rPr lang="en-US" smtClean="0"/>
-              <a:t>3/5/2025</a:t>
+              <a:t>3/10/2025</a:t>
             </a:fld>
             <a:endParaRPr lang="en-US"/>
           </a:p>
@@ -2492,7 +2492,7 @@
           <a:p>
             <a:fld id="{FB221443-D73C-634A-A910-7320408C156D}" type="datetimeFigureOut">
               <a:rPr lang="en-US" smtClean="0"/>
-              <a:t>3/5/2025</a:t>
+              <a:t>3/10/2025</a:t>
             </a:fld>
             <a:endParaRPr lang="en-US"/>
           </a:p>
@@ -2914,7 +2914,7 @@
           <a:p>
             <a:fld id="{FB221443-D73C-634A-A910-7320408C156D}" type="datetimeFigureOut">
               <a:rPr lang="en-US" smtClean="0"/>
-              <a:t>3/5/2025</a:t>
+              <a:t>3/10/2025</a:t>
             </a:fld>
             <a:endParaRPr lang="en-US"/>
           </a:p>
@@ -3032,7 +3032,7 @@
           <a:p>
             <a:fld id="{FB221443-D73C-634A-A910-7320408C156D}" type="datetimeFigureOut">
               <a:rPr lang="en-US" smtClean="0"/>
-              <a:t>3/5/2025</a:t>
+              <a:t>3/10/2025</a:t>
             </a:fld>
             <a:endParaRPr lang="en-US"/>
           </a:p>
@@ -3127,7 +3127,7 @@
           <a:p>
             <a:fld id="{FB221443-D73C-634A-A910-7320408C156D}" type="datetimeFigureOut">
               <a:rPr lang="en-US" smtClean="0"/>
-              <a:t>3/5/2025</a:t>
+              <a:t>3/10/2025</a:t>
             </a:fld>
             <a:endParaRPr lang="en-US"/>
           </a:p>
@@ -3404,7 +3404,7 @@
           <a:p>
             <a:fld id="{FB221443-D73C-634A-A910-7320408C156D}" type="datetimeFigureOut">
               <a:rPr lang="en-US" smtClean="0"/>
-              <a:t>3/5/2025</a:t>
+              <a:t>3/10/2025</a:t>
             </a:fld>
             <a:endParaRPr lang="en-US"/>
           </a:p>
@@ -3657,7 +3657,7 @@
           <a:p>
             <a:fld id="{FB221443-D73C-634A-A910-7320408C156D}" type="datetimeFigureOut">
               <a:rPr lang="en-US" smtClean="0"/>
-              <a:t>3/5/2025</a:t>
+              <a:t>3/10/2025</a:t>
             </a:fld>
             <a:endParaRPr lang="en-US"/>
           </a:p>
@@ -3870,7 +3870,7 @@
           <a:p>
             <a:fld id="{FB221443-D73C-634A-A910-7320408C156D}" type="datetimeFigureOut">
               <a:rPr lang="en-US" smtClean="0"/>
-              <a:t>3/5/2025</a:t>
+              <a:t>3/10/2025</a:t>
             </a:fld>
             <a:endParaRPr lang="en-US"/>
           </a:p>
@@ -4320,15 +4320,14 @@
             </a:br>
             <a:r>
               <a:rPr lang="en-US" dirty="0"/>
-              <a:t>Binary Search Tree and </a:t>
-            </a:r>
-            <a:r>
-              <a:rPr lang="en-US" dirty="0" err="1"/>
-              <a:t>Trie</a:t>
-            </a:r>
-            <a:r>
+              <a:t>Binary Search Tree</a:t>
+            </a:r>
+            <a:br>
               <a:rPr lang="en-US" dirty="0"/>
-              <a:t> Exercises ANS</a:t>
+            </a:br>
+            <a:r>
+              <a:rPr lang="en-US" dirty="0"/>
+              <a:t>Exercises ANS</a:t>
             </a:r>
             <a:endParaRPr lang="en-US" dirty="0">
               <a:solidFill>
